--- a/2018-2019/C#/ASP.Net/Cours 2/Introduction au développement Web en ASP - 5 .pptx
+++ b/2018-2019/C#/ASP.Net/Cours 2/Introduction au développement Web en ASP - 5 .pptx
@@ -14,10 +14,23 @@
     <p:sldId id="262" r:id="rId8"/>
     <p:sldId id="263" r:id="rId9"/>
     <p:sldId id="264" r:id="rId10"/>
-    <p:sldId id="265" r:id="rId11"/>
-    <p:sldId id="266" r:id="rId12"/>
-    <p:sldId id="267" r:id="rId13"/>
-    <p:sldId id="268" r:id="rId14"/>
+    <p:sldId id="266" r:id="rId11"/>
+    <p:sldId id="267" r:id="rId12"/>
+    <p:sldId id="268" r:id="rId13"/>
+    <p:sldId id="269" r:id="rId14"/>
+    <p:sldId id="270" r:id="rId15"/>
+    <p:sldId id="271" r:id="rId16"/>
+    <p:sldId id="272" r:id="rId17"/>
+    <p:sldId id="273" r:id="rId18"/>
+    <p:sldId id="274" r:id="rId19"/>
+    <p:sldId id="276" r:id="rId20"/>
+    <p:sldId id="275" r:id="rId21"/>
+    <p:sldId id="277" r:id="rId22"/>
+    <p:sldId id="278" r:id="rId23"/>
+    <p:sldId id="279" r:id="rId24"/>
+    <p:sldId id="280" r:id="rId25"/>
+    <p:sldId id="281" r:id="rId26"/>
+    <p:sldId id="282" r:id="rId27"/>
   </p:sldIdLst>
   <p:sldSz cx="12192000" cy="6858000"/>
   <p:notesSz cx="6858000" cy="9144000"/>
@@ -219,7 +232,7 @@
           <a:effectLst/>
           <a:extLst>
             <a:ext uri="{91240B29-F687-4f45-9708-019B960494DF}">
-              <a14:hiddenLine xmlns="" xmlns:a14="http://schemas.microsoft.com/office/drawing/2010/main" w="9525">
+              <a14:hiddenLine xmlns:a14="http://schemas.microsoft.com/office/drawing/2010/main" xmlns="" w="9525">
                 <a:solidFill>
                   <a:srgbClr val="000000"/>
                 </a:solidFill>
@@ -412,7 +425,7 @@
             <a:fld id="{08B9EBBA-996F-894A-B54A-D6246ED52CEA}" type="datetimeFigureOut">
               <a:rPr lang="en-US" dirty="0"/>
               <a:pPr/>
-              <a:t>3/28/2019</a:t>
+              <a:t>4/8/2019</a:t>
             </a:fld>
             <a:endParaRPr lang="en-US" dirty="0"/>
           </a:p>
@@ -727,7 +740,7 @@
             <a:fld id="{18C79C5D-2A6F-F04D-97DA-BEF2467B64E4}" type="datetimeFigureOut">
               <a:rPr lang="en-US" dirty="0"/>
               <a:pPr/>
-              <a:t>3/28/2019</a:t>
+              <a:t>4/8/2019</a:t>
             </a:fld>
             <a:endParaRPr lang="en-US" dirty="0"/>
           </a:p>
@@ -1212,7 +1225,7 @@
             <a:fld id="{8DFA1846-DA80-1C48-A609-854EA85C59AD}" type="datetimeFigureOut">
               <a:rPr lang="en-US" dirty="0"/>
               <a:pPr/>
-              <a:t>3/28/2019</a:t>
+              <a:t>4/8/2019</a:t>
             </a:fld>
             <a:endParaRPr lang="en-US" dirty="0"/>
           </a:p>
@@ -1578,7 +1591,7 @@
             <a:fld id="{FBF54567-0DE4-3F47-BF90-CB84690072F9}" type="datetimeFigureOut">
               <a:rPr lang="en-US" dirty="0"/>
               <a:pPr/>
-              <a:t>3/28/2019</a:t>
+              <a:t>4/8/2019</a:t>
             </a:fld>
             <a:endParaRPr lang="en-US" dirty="0"/>
           </a:p>
@@ -1729,7 +1742,7 @@
           <a:ln/>
           <a:extLst>
             <a:ext uri="{91240B29-F687-4f45-9708-019B960494DF}">
-              <a14:hiddenLine xmlns="" xmlns:a14="http://schemas.microsoft.com/office/drawing/2010/main" w="9525">
+              <a14:hiddenLine xmlns:a14="http://schemas.microsoft.com/office/drawing/2010/main" xmlns="" w="9525">
                 <a:solidFill>
                   <a:srgbClr val="000000"/>
                 </a:solidFill>
@@ -1848,7 +1861,7 @@
             <a:fld id="{C6C52C72-DE31-F449-A4ED-4C594FD91407}" type="datetimeFigureOut">
               <a:rPr lang="en-US" dirty="0"/>
               <a:pPr/>
-              <a:t>3/28/2019</a:t>
+              <a:t>4/8/2019</a:t>
             </a:fld>
             <a:endParaRPr lang="en-US" dirty="0"/>
           </a:p>
@@ -2001,7 +2014,7 @@
           <a:ln/>
           <a:extLst>
             <a:ext uri="{91240B29-F687-4f45-9708-019B960494DF}">
-              <a14:hiddenLine xmlns="" xmlns:a14="http://schemas.microsoft.com/office/drawing/2010/main" w="9525">
+              <a14:hiddenLine xmlns:a14="http://schemas.microsoft.com/office/drawing/2010/main" xmlns="" w="9525">
                 <a:solidFill>
                   <a:srgbClr val="000000"/>
                 </a:solidFill>
@@ -2130,7 +2143,7 @@
             <a:fld id="{ED62726E-379B-B349-9EED-81ED093FA806}" type="datetimeFigureOut">
               <a:rPr lang="en-US" dirty="0"/>
               <a:pPr/>
-              <a:t>3/28/2019</a:t>
+              <a:t>4/8/2019</a:t>
             </a:fld>
             <a:endParaRPr lang="en-US" dirty="0"/>
           </a:p>
@@ -2281,7 +2294,7 @@
           <a:ln/>
           <a:extLst>
             <a:ext uri="{91240B29-F687-4f45-9708-019B960494DF}">
-              <a14:hiddenLine xmlns="" xmlns:a14="http://schemas.microsoft.com/office/drawing/2010/main" w="9525">
+              <a14:hiddenLine xmlns:a14="http://schemas.microsoft.com/office/drawing/2010/main" xmlns="" w="9525">
                 <a:solidFill>
                   <a:srgbClr val="000000"/>
                 </a:solidFill>
@@ -2410,7 +2423,7 @@
             <a:fld id="{9B3A1323-8D79-1946-B0D7-40001CF92E9D}" type="datetimeFigureOut">
               <a:rPr lang="en-US" dirty="0"/>
               <a:pPr/>
-              <a:t>3/28/2019</a:t>
+              <a:t>4/8/2019</a:t>
             </a:fld>
             <a:endParaRPr lang="en-US" dirty="0"/>
           </a:p>
@@ -2750,7 +2763,7 @@
             <a:fld id="{8DFA1846-DA80-1C48-A609-854EA85C59AD}" type="datetimeFigureOut">
               <a:rPr lang="en-US" dirty="0"/>
               <a:pPr/>
-              <a:t>3/28/2019</a:t>
+              <a:t>4/8/2019</a:t>
             </a:fld>
             <a:endParaRPr lang="en-US" dirty="0"/>
           </a:p>
@@ -2901,7 +2914,7 @@
           <a:ln/>
           <a:extLst>
             <a:ext uri="{91240B29-F687-4f45-9708-019B960494DF}">
-              <a14:hiddenLine xmlns="" xmlns:a14="http://schemas.microsoft.com/office/drawing/2010/main" w="9525">
+              <a14:hiddenLine xmlns:a14="http://schemas.microsoft.com/office/drawing/2010/main" xmlns="" w="9525">
                 <a:solidFill>
                   <a:srgbClr val="000000"/>
                 </a:solidFill>
@@ -3086,7 +3099,7 @@
             <a:fld id="{57302355-E14B-8545-A8F8-0FE83CC9D524}" type="datetimeFigureOut">
               <a:rPr lang="en-US" dirty="0"/>
               <a:pPr/>
-              <a:t>3/28/2019</a:t>
+              <a:t>4/8/2019</a:t>
             </a:fld>
             <a:endParaRPr lang="en-US" dirty="0"/>
           </a:p>
@@ -3237,7 +3250,7 @@
           <a:ln/>
           <a:extLst>
             <a:ext uri="{91240B29-F687-4f45-9708-019B960494DF}">
-              <a14:hiddenLine xmlns="" xmlns:a14="http://schemas.microsoft.com/office/drawing/2010/main" w="9525">
+              <a14:hiddenLine xmlns:a14="http://schemas.microsoft.com/office/drawing/2010/main" xmlns="" w="9525">
                 <a:solidFill>
                   <a:srgbClr val="000000"/>
                 </a:solidFill>
@@ -3560,7 +3573,7 @@
             <a:fld id="{02640F58-564D-2B4F-AE67-E407BA4FCF45}" type="datetimeFigureOut">
               <a:rPr lang="en-US" dirty="0"/>
               <a:pPr/>
-              <a:t>3/28/2019</a:t>
+              <a:t>4/8/2019</a:t>
             </a:fld>
             <a:endParaRPr lang="en-US" dirty="0"/>
           </a:p>
@@ -3711,7 +3724,7 @@
           <a:ln/>
           <a:extLst>
             <a:ext uri="{91240B29-F687-4f45-9708-019B960494DF}">
-              <a14:hiddenLine xmlns="" xmlns:a14="http://schemas.microsoft.com/office/drawing/2010/main" w="9525">
+              <a14:hiddenLine xmlns:a14="http://schemas.microsoft.com/office/drawing/2010/main" xmlns="" w="9525">
                 <a:solidFill>
                   <a:srgbClr val="000000"/>
                 </a:solidFill>
@@ -3778,7 +3791,7 @@
             <a:fld id="{F13A34C8-038E-2045-AF43-DF7DBB8E0E9E}" type="datetimeFigureOut">
               <a:rPr lang="en-US" dirty="0"/>
               <a:pPr/>
-              <a:t>3/28/2019</a:t>
+              <a:t>4/8/2019</a:t>
             </a:fld>
             <a:endParaRPr lang="en-US" dirty="0"/>
           </a:p>
@@ -3870,7 +3883,7 @@
             <a:fld id="{8818C68F-D26B-8F47-958C-23B49CF8A634}" type="datetimeFigureOut">
               <a:rPr lang="en-US" dirty="0"/>
               <a:pPr/>
-              <a:t>3/28/2019</a:t>
+              <a:t>4/8/2019</a:t>
             </a:fld>
             <a:endParaRPr lang="en-US" dirty="0"/>
           </a:p>
@@ -4134,7 +4147,7 @@
           <a:ln/>
           <a:extLst>
             <a:ext uri="{91240B29-F687-4f45-9708-019B960494DF}">
-              <a14:hiddenLine xmlns="" xmlns:a14="http://schemas.microsoft.com/office/drawing/2010/main" w="9525">
+              <a14:hiddenLine xmlns:a14="http://schemas.microsoft.com/office/drawing/2010/main" xmlns="" w="9525">
                 <a:solidFill>
                   <a:srgbClr val="000000"/>
                 </a:solidFill>
@@ -4334,7 +4347,7 @@
             <a:fld id="{D0DF5E60-9974-AC48-9591-99C2BB44B7CF}" type="datetimeFigureOut">
               <a:rPr lang="en-US" dirty="0"/>
               <a:pPr/>
-              <a:t>3/28/2019</a:t>
+              <a:t>4/8/2019</a:t>
             </a:fld>
             <a:endParaRPr lang="en-US" dirty="0"/>
           </a:p>
@@ -4644,7 +4657,7 @@
             <a:fld id="{18C79C5D-2A6F-F04D-97DA-BEF2467B64E4}" type="datetimeFigureOut">
               <a:rPr lang="en-US" dirty="0"/>
               <a:pPr/>
-              <a:t>3/28/2019</a:t>
+              <a:t>4/8/2019</a:t>
             </a:fld>
             <a:endParaRPr lang="en-US" dirty="0"/>
           </a:p>
@@ -4911,7 +4924,7 @@
             <a:fld id="{09B482E8-6E0E-1B4F-B1FD-C69DB9E858D9}" type="datetimeFigureOut">
               <a:rPr lang="en-US" dirty="0"/>
               <a:pPr/>
-              <a:t>3/28/2019</a:t>
+              <a:t>4/8/2019</a:t>
             </a:fld>
             <a:endParaRPr lang="en-US" dirty="0"/>
           </a:p>
@@ -5521,7 +5534,7 @@
           <p:cNvPr id="2" name="Titre 1">
             <a:extLst>
               <a:ext uri="{FF2B5EF4-FFF2-40B4-BE49-F238E27FC236}">
-                <a16:creationId xmlns:a16="http://schemas.microsoft.com/office/drawing/2014/main" id="{5BA63B04-88BF-48BB-97DE-115DD671D5B8}"/>
+                <a16:creationId xmlns:a16="http://schemas.microsoft.com/office/drawing/2014/main" id="{72D259E2-2FFA-4FF5-8C70-1E5826D9B304}"/>
               </a:ext>
             </a:extLst>
           </p:cNvPr>
@@ -5539,7 +5552,7 @@
           <a:p>
             <a:r>
               <a:rPr lang="fr-FR" dirty="0"/>
-              <a:t>Exercices</a:t>
+              <a:t>Paramètres complexes</a:t>
             </a:r>
           </a:p>
         </p:txBody>
@@ -5549,7 +5562,7 @@
           <p:cNvPr id="3" name="Espace réservé du contenu 2">
             <a:extLst>
               <a:ext uri="{FF2B5EF4-FFF2-40B4-BE49-F238E27FC236}">
-                <a16:creationId xmlns:a16="http://schemas.microsoft.com/office/drawing/2014/main" id="{EC2966F4-DE9C-423E-A68A-A006B8BF963C}"/>
+                <a16:creationId xmlns:a16="http://schemas.microsoft.com/office/drawing/2014/main" id="{E99F79DC-40FD-43E4-AB29-16D7F37AFB53}"/>
               </a:ext>
             </a:extLst>
           </p:cNvPr>
@@ -5565,17 +5578,1052 @@
           <a:bodyPr/>
           <a:lstStyle/>
           <a:p>
-            <a:r>
-              <a:rPr lang="fr-FR" dirty="0"/>
-              <a:t>Exercice 5</a:t>
-            </a:r>
+            <a:pPr rtl="0" eaLnBrk="1" latinLnBrk="0" hangingPunct="1"/>
+            <a:r>
+              <a:rPr lang="en-US" sz="1800" b="0" kern="1200" dirty="0">
+                <a:solidFill>
+                  <a:schemeClr val="tx1"/>
+                </a:solidFill>
+                <a:effectLst/>
+                <a:latin typeface="+mn-lt"/>
+                <a:ea typeface="+mn-ea"/>
+                <a:cs typeface="+mn-cs"/>
+              </a:rPr>
+              <a:t>Si les </a:t>
+            </a:r>
+            <a:r>
+              <a:rPr lang="en-US" sz="1800" b="0" kern="1200" dirty="0" err="1">
+                <a:solidFill>
+                  <a:schemeClr val="tx1"/>
+                </a:solidFill>
+                <a:effectLst/>
+                <a:latin typeface="+mn-lt"/>
+                <a:ea typeface="+mn-ea"/>
+                <a:cs typeface="+mn-cs"/>
+              </a:rPr>
+              <a:t>données</a:t>
+            </a:r>
+            <a:r>
+              <a:rPr lang="en-US" sz="1800" b="0" kern="1200" dirty="0">
+                <a:solidFill>
+                  <a:schemeClr val="tx1"/>
+                </a:solidFill>
+                <a:effectLst/>
+                <a:latin typeface="+mn-lt"/>
+                <a:ea typeface="+mn-ea"/>
+                <a:cs typeface="+mn-cs"/>
+              </a:rPr>
+              <a:t> </a:t>
+            </a:r>
+            <a:r>
+              <a:rPr lang="en-US" sz="1800" b="0" kern="1200" dirty="0" err="1">
+                <a:solidFill>
+                  <a:schemeClr val="tx1"/>
+                </a:solidFill>
+                <a:effectLst/>
+                <a:latin typeface="+mn-lt"/>
+                <a:ea typeface="+mn-ea"/>
+                <a:cs typeface="+mn-cs"/>
+              </a:rPr>
+              <a:t>sont</a:t>
+            </a:r>
+            <a:r>
+              <a:rPr lang="en-US" sz="1800" b="0" kern="1200" dirty="0">
+                <a:solidFill>
+                  <a:schemeClr val="tx1"/>
+                </a:solidFill>
+                <a:effectLst/>
+                <a:latin typeface="+mn-lt"/>
+                <a:ea typeface="+mn-ea"/>
+                <a:cs typeface="+mn-cs"/>
+              </a:rPr>
+              <a:t> complexes, </a:t>
+            </a:r>
+            <a:r>
+              <a:rPr lang="en-US" sz="1800" b="0" kern="1200" dirty="0" err="1">
+                <a:solidFill>
+                  <a:schemeClr val="tx1"/>
+                </a:solidFill>
+                <a:effectLst/>
+                <a:latin typeface="+mn-lt"/>
+                <a:ea typeface="+mn-ea"/>
+                <a:cs typeface="+mn-cs"/>
+              </a:rPr>
+              <a:t>plutôt</a:t>
+            </a:r>
+            <a:r>
+              <a:rPr lang="en-US" sz="1800" b="0" kern="1200" dirty="0">
+                <a:solidFill>
+                  <a:schemeClr val="tx1"/>
+                </a:solidFill>
+                <a:effectLst/>
+                <a:latin typeface="+mn-lt"/>
+                <a:ea typeface="+mn-ea"/>
+                <a:cs typeface="+mn-cs"/>
+              </a:rPr>
+              <a:t> que </a:t>
+            </a:r>
+            <a:r>
+              <a:rPr lang="en-US" sz="1800" b="0" kern="1200" dirty="0" err="1">
+                <a:solidFill>
+                  <a:schemeClr val="tx1"/>
+                </a:solidFill>
+                <a:effectLst/>
+                <a:latin typeface="+mn-lt"/>
+                <a:ea typeface="+mn-ea"/>
+                <a:cs typeface="+mn-cs"/>
+              </a:rPr>
+              <a:t>d’avoir</a:t>
+            </a:r>
+            <a:r>
+              <a:rPr lang="en-US" sz="1800" b="0" kern="1200" dirty="0">
+                <a:solidFill>
+                  <a:schemeClr val="tx1"/>
+                </a:solidFill>
+                <a:effectLst/>
+                <a:latin typeface="+mn-lt"/>
+                <a:ea typeface="+mn-ea"/>
+                <a:cs typeface="+mn-cs"/>
+              </a:rPr>
+              <a:t> beaucoup de </a:t>
+            </a:r>
+            <a:r>
+              <a:rPr lang="en-US" sz="1800" b="0" kern="1200" dirty="0" err="1">
+                <a:solidFill>
+                  <a:schemeClr val="tx1"/>
+                </a:solidFill>
+                <a:effectLst/>
+                <a:latin typeface="+mn-lt"/>
+                <a:ea typeface="+mn-ea"/>
+                <a:cs typeface="+mn-cs"/>
+              </a:rPr>
+              <a:t>paramètres</a:t>
+            </a:r>
+            <a:r>
+              <a:rPr lang="en-US" sz="1800" b="0" kern="1200" dirty="0">
+                <a:solidFill>
+                  <a:schemeClr val="tx1"/>
+                </a:solidFill>
+                <a:effectLst/>
+                <a:latin typeface="+mn-lt"/>
+                <a:ea typeface="+mn-ea"/>
+                <a:cs typeface="+mn-cs"/>
+              </a:rPr>
+              <a:t>, la bonne </a:t>
+            </a:r>
+            <a:r>
+              <a:rPr lang="en-US" sz="1800" b="0" kern="1200" dirty="0" err="1">
+                <a:solidFill>
+                  <a:schemeClr val="tx1"/>
+                </a:solidFill>
+                <a:effectLst/>
+                <a:latin typeface="+mn-lt"/>
+                <a:ea typeface="+mn-ea"/>
+                <a:cs typeface="+mn-cs"/>
+              </a:rPr>
+              <a:t>approche</a:t>
+            </a:r>
+            <a:r>
+              <a:rPr lang="en-US" sz="1800" b="0" kern="1200" dirty="0">
+                <a:solidFill>
+                  <a:schemeClr val="tx1"/>
+                </a:solidFill>
+                <a:effectLst/>
+                <a:latin typeface="+mn-lt"/>
+                <a:ea typeface="+mn-ea"/>
+                <a:cs typeface="+mn-cs"/>
+              </a:rPr>
+              <a:t> </a:t>
+            </a:r>
+            <a:r>
+              <a:rPr lang="en-US" sz="1800" b="0" kern="1200" dirty="0" err="1">
+                <a:solidFill>
+                  <a:schemeClr val="tx1"/>
+                </a:solidFill>
+                <a:effectLst/>
+                <a:latin typeface="+mn-lt"/>
+                <a:ea typeface="+mn-ea"/>
+                <a:cs typeface="+mn-cs"/>
+              </a:rPr>
+              <a:t>consiste</a:t>
+            </a:r>
+            <a:r>
+              <a:rPr lang="en-US" sz="1800" b="0" kern="1200" dirty="0">
+                <a:solidFill>
+                  <a:schemeClr val="tx1"/>
+                </a:solidFill>
+                <a:effectLst/>
+                <a:latin typeface="+mn-lt"/>
+                <a:ea typeface="+mn-ea"/>
+                <a:cs typeface="+mn-cs"/>
+              </a:rPr>
+              <a:t> à </a:t>
+            </a:r>
+            <a:r>
+              <a:rPr lang="en-US" sz="1800" b="0" kern="1200" dirty="0" err="1">
+                <a:solidFill>
+                  <a:schemeClr val="tx1"/>
+                </a:solidFill>
+                <a:effectLst/>
+                <a:latin typeface="+mn-lt"/>
+                <a:ea typeface="+mn-ea"/>
+                <a:cs typeface="+mn-cs"/>
+              </a:rPr>
+              <a:t>créer</a:t>
+            </a:r>
+            <a:r>
+              <a:rPr lang="en-US" sz="1800" b="0" kern="1200" dirty="0">
+                <a:solidFill>
+                  <a:schemeClr val="tx1"/>
+                </a:solidFill>
+                <a:effectLst/>
+                <a:latin typeface="+mn-lt"/>
+                <a:ea typeface="+mn-ea"/>
+                <a:cs typeface="+mn-cs"/>
+              </a:rPr>
+              <a:t> un </a:t>
+            </a:r>
+            <a:r>
+              <a:rPr lang="en-US" sz="1800" b="0" kern="1200" dirty="0" err="1">
+                <a:solidFill>
+                  <a:schemeClr val="tx1"/>
+                </a:solidFill>
+                <a:effectLst/>
+                <a:latin typeface="+mn-lt"/>
+                <a:ea typeface="+mn-ea"/>
+                <a:cs typeface="+mn-cs"/>
+              </a:rPr>
+              <a:t>objet</a:t>
+            </a:r>
+            <a:r>
+              <a:rPr lang="en-US" sz="1800" b="0" kern="1200" dirty="0">
+                <a:solidFill>
+                  <a:schemeClr val="tx1"/>
+                </a:solidFill>
+                <a:effectLst/>
+                <a:latin typeface="+mn-lt"/>
+                <a:ea typeface="+mn-ea"/>
+                <a:cs typeface="+mn-cs"/>
+              </a:rPr>
+              <a:t> qui englobe </a:t>
+            </a:r>
+            <a:r>
+              <a:rPr lang="en-US" sz="1800" b="0" kern="1200" dirty="0" err="1">
+                <a:solidFill>
+                  <a:schemeClr val="tx1"/>
+                </a:solidFill>
+                <a:effectLst/>
+                <a:latin typeface="+mn-lt"/>
+                <a:ea typeface="+mn-ea"/>
+                <a:cs typeface="+mn-cs"/>
+              </a:rPr>
+              <a:t>tous</a:t>
+            </a:r>
+            <a:r>
+              <a:rPr lang="en-US" sz="1800" b="0" kern="1200" dirty="0">
+                <a:solidFill>
+                  <a:schemeClr val="tx1"/>
+                </a:solidFill>
+                <a:effectLst/>
+                <a:latin typeface="+mn-lt"/>
+                <a:ea typeface="+mn-ea"/>
+                <a:cs typeface="+mn-cs"/>
+              </a:rPr>
+              <a:t> </a:t>
+            </a:r>
+            <a:r>
+              <a:rPr lang="en-US" sz="1800" b="0" kern="1200" dirty="0" err="1">
+                <a:solidFill>
+                  <a:schemeClr val="tx1"/>
+                </a:solidFill>
+                <a:effectLst/>
+                <a:latin typeface="+mn-lt"/>
+                <a:ea typeface="+mn-ea"/>
+                <a:cs typeface="+mn-cs"/>
+              </a:rPr>
+              <a:t>ces</a:t>
+            </a:r>
+            <a:r>
+              <a:rPr lang="en-US" sz="1800" b="0" kern="1200" dirty="0">
+                <a:solidFill>
+                  <a:schemeClr val="tx1"/>
+                </a:solidFill>
+                <a:effectLst/>
+                <a:latin typeface="+mn-lt"/>
+                <a:ea typeface="+mn-ea"/>
+                <a:cs typeface="+mn-cs"/>
+              </a:rPr>
+              <a:t> </a:t>
+            </a:r>
+            <a:r>
+              <a:rPr lang="en-US" sz="1800" b="0" kern="1200" dirty="0" err="1">
+                <a:solidFill>
+                  <a:schemeClr val="tx1"/>
+                </a:solidFill>
+                <a:effectLst/>
+                <a:latin typeface="+mn-lt"/>
+                <a:ea typeface="+mn-ea"/>
+                <a:cs typeface="+mn-cs"/>
+              </a:rPr>
+              <a:t>paramètres</a:t>
+            </a:r>
+            <a:endParaRPr lang="fr-FR" sz="1800" dirty="0">
+              <a:effectLst/>
+            </a:endParaRPr>
+          </a:p>
+          <a:p>
+            <a:pPr lvl="1" rtl="0" eaLnBrk="1" latinLnBrk="0" hangingPunct="1"/>
+            <a:r>
+              <a:rPr lang="en-US" sz="1600" b="0" kern="1200" dirty="0" err="1">
+                <a:solidFill>
+                  <a:schemeClr val="tx1"/>
+                </a:solidFill>
+                <a:effectLst/>
+                <a:latin typeface="+mn-lt"/>
+                <a:ea typeface="+mn-ea"/>
+                <a:cs typeface="+mn-cs"/>
+              </a:rPr>
+              <a:t>Chaque</a:t>
+            </a:r>
+            <a:r>
+              <a:rPr lang="en-US" sz="1600" b="0" kern="1200" dirty="0">
+                <a:solidFill>
+                  <a:schemeClr val="tx1"/>
+                </a:solidFill>
+                <a:effectLst/>
+                <a:latin typeface="+mn-lt"/>
+                <a:ea typeface="+mn-ea"/>
+                <a:cs typeface="+mn-cs"/>
+              </a:rPr>
+              <a:t> champs du </a:t>
+            </a:r>
+            <a:r>
+              <a:rPr lang="en-US" sz="1600" b="0" kern="1200" dirty="0" err="1">
+                <a:solidFill>
+                  <a:schemeClr val="tx1"/>
+                </a:solidFill>
+                <a:effectLst/>
+                <a:latin typeface="+mn-lt"/>
+                <a:ea typeface="+mn-ea"/>
+                <a:cs typeface="+mn-cs"/>
+              </a:rPr>
+              <a:t>formulaire</a:t>
+            </a:r>
+            <a:r>
+              <a:rPr lang="en-US" sz="1600" b="0" kern="1200" dirty="0">
+                <a:solidFill>
+                  <a:schemeClr val="tx1"/>
+                </a:solidFill>
+                <a:effectLst/>
+                <a:latin typeface="+mn-lt"/>
+                <a:ea typeface="+mn-ea"/>
+                <a:cs typeface="+mn-cs"/>
+              </a:rPr>
+              <a:t> </a:t>
+            </a:r>
+            <a:r>
+              <a:rPr lang="en-US" sz="1600" b="0" kern="1200" dirty="0" err="1">
+                <a:solidFill>
+                  <a:schemeClr val="tx1"/>
+                </a:solidFill>
+                <a:effectLst/>
+                <a:latin typeface="+mn-lt"/>
+                <a:ea typeface="+mn-ea"/>
+                <a:cs typeface="+mn-cs"/>
+              </a:rPr>
+              <a:t>correspondant</a:t>
+            </a:r>
+            <a:r>
+              <a:rPr lang="en-US" sz="1600" b="0" kern="1200" dirty="0">
+                <a:solidFill>
+                  <a:schemeClr val="tx1"/>
+                </a:solidFill>
+                <a:effectLst/>
+                <a:latin typeface="+mn-lt"/>
+                <a:ea typeface="+mn-ea"/>
+                <a:cs typeface="+mn-cs"/>
+              </a:rPr>
+              <a:t> à </a:t>
+            </a:r>
+            <a:r>
+              <a:rPr lang="en-US" sz="1600" b="0" kern="1200" dirty="0" err="1">
+                <a:solidFill>
+                  <a:schemeClr val="tx1"/>
+                </a:solidFill>
+                <a:effectLst/>
+                <a:latin typeface="+mn-lt"/>
+                <a:ea typeface="+mn-ea"/>
+                <a:cs typeface="+mn-cs"/>
+              </a:rPr>
+              <a:t>une</a:t>
+            </a:r>
+            <a:r>
+              <a:rPr lang="en-US" sz="1600" b="0" kern="1200" dirty="0">
+                <a:solidFill>
+                  <a:schemeClr val="tx1"/>
+                </a:solidFill>
+                <a:effectLst/>
+                <a:latin typeface="+mn-lt"/>
+                <a:ea typeface="+mn-ea"/>
+                <a:cs typeface="+mn-cs"/>
+              </a:rPr>
+              <a:t> </a:t>
+            </a:r>
+            <a:r>
+              <a:rPr lang="en-US" sz="1600" b="0" kern="1200" dirty="0" err="1">
+                <a:solidFill>
+                  <a:schemeClr val="tx1"/>
+                </a:solidFill>
+                <a:effectLst/>
+                <a:latin typeface="+mn-lt"/>
+                <a:ea typeface="+mn-ea"/>
+                <a:cs typeface="+mn-cs"/>
+              </a:rPr>
+              <a:t>propriété</a:t>
+            </a:r>
+            <a:r>
+              <a:rPr lang="en-US" sz="1600" b="0" kern="1200" dirty="0">
+                <a:solidFill>
+                  <a:schemeClr val="tx1"/>
+                </a:solidFill>
+                <a:effectLst/>
+                <a:latin typeface="+mn-lt"/>
+                <a:ea typeface="+mn-ea"/>
+                <a:cs typeface="+mn-cs"/>
+              </a:rPr>
+              <a:t> </a:t>
+            </a:r>
+            <a:r>
+              <a:rPr lang="en-US" sz="1600" b="0" kern="1200" dirty="0" err="1">
+                <a:solidFill>
+                  <a:schemeClr val="tx1"/>
+                </a:solidFill>
+                <a:effectLst/>
+                <a:latin typeface="+mn-lt"/>
+                <a:ea typeface="+mn-ea"/>
+                <a:cs typeface="+mn-cs"/>
+              </a:rPr>
+              <a:t>dans</a:t>
+            </a:r>
+            <a:r>
+              <a:rPr lang="en-US" sz="1600" b="0" kern="1200" dirty="0">
+                <a:solidFill>
+                  <a:schemeClr val="tx1"/>
+                </a:solidFill>
+                <a:effectLst/>
+                <a:latin typeface="+mn-lt"/>
+                <a:ea typeface="+mn-ea"/>
+                <a:cs typeface="+mn-cs"/>
+              </a:rPr>
+              <a:t> la </a:t>
+            </a:r>
+            <a:r>
+              <a:rPr lang="en-US" sz="1600" b="0" kern="1200" dirty="0" err="1">
+                <a:solidFill>
+                  <a:schemeClr val="tx1"/>
+                </a:solidFill>
+                <a:effectLst/>
+                <a:latin typeface="+mn-lt"/>
+                <a:ea typeface="+mn-ea"/>
+                <a:cs typeface="+mn-cs"/>
+              </a:rPr>
+              <a:t>classe</a:t>
+            </a:r>
+            <a:r>
+              <a:rPr lang="en-US" sz="1600" b="0" kern="1200" dirty="0">
+                <a:solidFill>
+                  <a:schemeClr val="tx1"/>
+                </a:solidFill>
+                <a:effectLst/>
+                <a:latin typeface="+mn-lt"/>
+                <a:ea typeface="+mn-ea"/>
+                <a:cs typeface="+mn-cs"/>
+              </a:rPr>
+              <a:t> le </a:t>
+            </a:r>
+            <a:r>
+              <a:rPr lang="en-US" sz="1600" b="0" kern="1200" dirty="0" err="1">
+                <a:solidFill>
+                  <a:schemeClr val="tx1"/>
+                </a:solidFill>
+                <a:effectLst/>
+                <a:latin typeface="+mn-lt"/>
+                <a:ea typeface="+mn-ea"/>
+                <a:cs typeface="+mn-cs"/>
+              </a:rPr>
+              <a:t>représentant</a:t>
+            </a:r>
+            <a:endParaRPr lang="fr-FR" dirty="0">
+              <a:effectLst/>
+            </a:endParaRPr>
+          </a:p>
+          <a:p>
+            <a:pPr rtl="0" eaLnBrk="1" latinLnBrk="0" hangingPunct="1"/>
+            <a:r>
+              <a:rPr lang="en-US" sz="1800" b="0" kern="1200" dirty="0" err="1">
+                <a:solidFill>
+                  <a:schemeClr val="tx1"/>
+                </a:solidFill>
+                <a:effectLst/>
+                <a:latin typeface="+mn-lt"/>
+                <a:ea typeface="+mn-ea"/>
+                <a:cs typeface="+mn-cs"/>
+              </a:rPr>
+              <a:t>Puis</a:t>
+            </a:r>
+            <a:r>
+              <a:rPr lang="en-US" sz="1800" b="0" kern="1200" dirty="0">
+                <a:solidFill>
+                  <a:schemeClr val="tx1"/>
+                </a:solidFill>
+                <a:effectLst/>
+                <a:latin typeface="+mn-lt"/>
+                <a:ea typeface="+mn-ea"/>
+                <a:cs typeface="+mn-cs"/>
+              </a:rPr>
+              <a:t> à </a:t>
+            </a:r>
+            <a:r>
+              <a:rPr lang="en-US" sz="1800" b="0" kern="1200" dirty="0" err="1">
+                <a:solidFill>
+                  <a:schemeClr val="tx1"/>
+                </a:solidFill>
+                <a:effectLst/>
+                <a:latin typeface="+mn-lt"/>
+                <a:ea typeface="+mn-ea"/>
+                <a:cs typeface="+mn-cs"/>
+              </a:rPr>
+              <a:t>spécifier</a:t>
+            </a:r>
+            <a:r>
+              <a:rPr lang="en-US" sz="1800" b="0" kern="1200" dirty="0">
+                <a:solidFill>
+                  <a:schemeClr val="tx1"/>
+                </a:solidFill>
+                <a:effectLst/>
+                <a:latin typeface="+mn-lt"/>
+                <a:ea typeface="+mn-ea"/>
+                <a:cs typeface="+mn-cs"/>
+              </a:rPr>
+              <a:t> un unique </a:t>
+            </a:r>
+            <a:r>
+              <a:rPr lang="en-US" sz="1800" b="0" kern="1200" dirty="0" err="1">
+                <a:solidFill>
+                  <a:schemeClr val="tx1"/>
+                </a:solidFill>
+                <a:effectLst/>
+                <a:latin typeface="+mn-lt"/>
+                <a:ea typeface="+mn-ea"/>
+                <a:cs typeface="+mn-cs"/>
+              </a:rPr>
+              <a:t>paramètre</a:t>
+            </a:r>
+            <a:r>
+              <a:rPr lang="en-US" sz="1800" b="0" kern="1200" dirty="0">
+                <a:solidFill>
+                  <a:schemeClr val="tx1"/>
+                </a:solidFill>
+                <a:effectLst/>
+                <a:latin typeface="+mn-lt"/>
+                <a:ea typeface="+mn-ea"/>
+                <a:cs typeface="+mn-cs"/>
+              </a:rPr>
+              <a:t> à </a:t>
+            </a:r>
+            <a:r>
+              <a:rPr lang="en-US" sz="1800" b="0" kern="1200" dirty="0" err="1">
+                <a:solidFill>
+                  <a:schemeClr val="tx1"/>
+                </a:solidFill>
+                <a:effectLst/>
+                <a:latin typeface="+mn-lt"/>
+                <a:ea typeface="+mn-ea"/>
+                <a:cs typeface="+mn-cs"/>
+              </a:rPr>
+              <a:t>l’action</a:t>
+            </a:r>
+            <a:r>
+              <a:rPr lang="en-US" sz="1800" b="0" kern="1200" dirty="0">
+                <a:solidFill>
+                  <a:schemeClr val="tx1"/>
+                </a:solidFill>
+                <a:effectLst/>
+                <a:latin typeface="+mn-lt"/>
+                <a:ea typeface="+mn-ea"/>
+                <a:cs typeface="+mn-cs"/>
+              </a:rPr>
+              <a:t> </a:t>
+            </a:r>
+            <a:r>
+              <a:rPr lang="en-US" sz="1800" b="0" kern="1200" dirty="0" err="1">
+                <a:solidFill>
+                  <a:schemeClr val="tx1"/>
+                </a:solidFill>
+                <a:effectLst/>
+                <a:latin typeface="+mn-lt"/>
+                <a:ea typeface="+mn-ea"/>
+                <a:cs typeface="+mn-cs"/>
+              </a:rPr>
+              <a:t>dont</a:t>
+            </a:r>
+            <a:r>
+              <a:rPr lang="en-US" sz="1800" b="0" kern="1200" dirty="0">
+                <a:solidFill>
+                  <a:schemeClr val="tx1"/>
+                </a:solidFill>
+                <a:effectLst/>
+                <a:latin typeface="+mn-lt"/>
+                <a:ea typeface="+mn-ea"/>
+                <a:cs typeface="+mn-cs"/>
+              </a:rPr>
+              <a:t> le type correspond à la </a:t>
+            </a:r>
+            <a:r>
+              <a:rPr lang="en-US" sz="1800" b="0" kern="1200" dirty="0" err="1">
+                <a:solidFill>
+                  <a:schemeClr val="tx1"/>
+                </a:solidFill>
+                <a:effectLst/>
+                <a:latin typeface="+mn-lt"/>
+                <a:ea typeface="+mn-ea"/>
+                <a:cs typeface="+mn-cs"/>
+              </a:rPr>
+              <a:t>classe</a:t>
+            </a:r>
+            <a:r>
+              <a:rPr lang="en-US" sz="1800" b="0" kern="1200" dirty="0">
+                <a:solidFill>
+                  <a:schemeClr val="tx1"/>
+                </a:solidFill>
+                <a:effectLst/>
+                <a:latin typeface="+mn-lt"/>
+                <a:ea typeface="+mn-ea"/>
+                <a:cs typeface="+mn-cs"/>
+              </a:rPr>
+              <a:t> </a:t>
+            </a:r>
+            <a:r>
+              <a:rPr lang="en-US" sz="1800" b="0" kern="1200" dirty="0" err="1">
+                <a:solidFill>
+                  <a:schemeClr val="tx1"/>
+                </a:solidFill>
+                <a:effectLst/>
+                <a:latin typeface="+mn-lt"/>
+                <a:ea typeface="+mn-ea"/>
+                <a:cs typeface="+mn-cs"/>
+              </a:rPr>
+              <a:t>développée</a:t>
+            </a:r>
+            <a:endParaRPr lang="fr-FR" dirty="0">
+              <a:effectLst/>
+            </a:endParaRPr>
+          </a:p>
+          <a:p>
+            <a:pPr lvl="1" rtl="0" eaLnBrk="1" latinLnBrk="0" hangingPunct="1"/>
+            <a:r>
+              <a:rPr lang="en-US" sz="1600" b="0" kern="1200" dirty="0" err="1">
+                <a:solidFill>
+                  <a:schemeClr val="tx1"/>
+                </a:solidFill>
+                <a:effectLst/>
+                <a:latin typeface="+mn-lt"/>
+                <a:ea typeface="+mn-ea"/>
+                <a:cs typeface="+mn-cs"/>
+              </a:rPr>
+              <a:t>ASP.Net</a:t>
+            </a:r>
+            <a:r>
+              <a:rPr lang="en-US" sz="1600" b="0" kern="1200" dirty="0">
+                <a:solidFill>
+                  <a:schemeClr val="tx1"/>
+                </a:solidFill>
+                <a:effectLst/>
+                <a:latin typeface="+mn-lt"/>
+                <a:ea typeface="+mn-ea"/>
+                <a:cs typeface="+mn-cs"/>
+              </a:rPr>
+              <a:t> MVC </a:t>
+            </a:r>
+            <a:r>
+              <a:rPr lang="en-US" sz="1600" b="0" kern="1200" dirty="0" err="1">
+                <a:solidFill>
+                  <a:schemeClr val="tx1"/>
+                </a:solidFill>
+                <a:effectLst/>
+                <a:latin typeface="+mn-lt"/>
+                <a:ea typeface="+mn-ea"/>
+                <a:cs typeface="+mn-cs"/>
+              </a:rPr>
+              <a:t>fera</a:t>
+            </a:r>
+            <a:r>
+              <a:rPr lang="en-US" sz="1600" b="0" kern="1200" dirty="0">
+                <a:solidFill>
+                  <a:schemeClr val="tx1"/>
+                </a:solidFill>
+                <a:effectLst/>
+                <a:latin typeface="+mn-lt"/>
+                <a:ea typeface="+mn-ea"/>
+                <a:cs typeface="+mn-cs"/>
+              </a:rPr>
+              <a:t> </a:t>
+            </a:r>
+            <a:r>
+              <a:rPr lang="en-US" sz="1600" b="0" kern="1200" dirty="0" err="1">
+                <a:solidFill>
+                  <a:schemeClr val="tx1"/>
+                </a:solidFill>
+                <a:effectLst/>
+                <a:latin typeface="+mn-lt"/>
+                <a:ea typeface="+mn-ea"/>
+                <a:cs typeface="+mn-cs"/>
+              </a:rPr>
+              <a:t>lui-même</a:t>
+            </a:r>
+            <a:r>
+              <a:rPr lang="en-US" sz="1600" b="0" kern="1200" dirty="0">
+                <a:solidFill>
+                  <a:schemeClr val="tx1"/>
+                </a:solidFill>
+                <a:effectLst/>
+                <a:latin typeface="+mn-lt"/>
+                <a:ea typeface="+mn-ea"/>
+                <a:cs typeface="+mn-cs"/>
+              </a:rPr>
+              <a:t> la « </a:t>
+            </a:r>
+            <a:r>
+              <a:rPr lang="en-US" sz="1600" b="0" kern="1200" dirty="0" err="1">
+                <a:solidFill>
+                  <a:schemeClr val="tx1"/>
+                </a:solidFill>
+                <a:effectLst/>
+                <a:latin typeface="+mn-lt"/>
+                <a:ea typeface="+mn-ea"/>
+                <a:cs typeface="+mn-cs"/>
+              </a:rPr>
+              <a:t>traduction</a:t>
+            </a:r>
+            <a:r>
+              <a:rPr lang="en-US" sz="1600" b="0" kern="1200" dirty="0">
+                <a:solidFill>
+                  <a:schemeClr val="tx1"/>
+                </a:solidFill>
+                <a:effectLst/>
+                <a:latin typeface="+mn-lt"/>
+                <a:ea typeface="+mn-ea"/>
+                <a:cs typeface="+mn-cs"/>
+              </a:rPr>
+              <a:t> » des </a:t>
+            </a:r>
+            <a:r>
+              <a:rPr lang="en-US" sz="1600" b="0" kern="1200" dirty="0" err="1">
+                <a:solidFill>
+                  <a:schemeClr val="tx1"/>
+                </a:solidFill>
+                <a:effectLst/>
+                <a:latin typeface="+mn-lt"/>
+                <a:ea typeface="+mn-ea"/>
+                <a:cs typeface="+mn-cs"/>
+              </a:rPr>
+              <a:t>paramètres</a:t>
+            </a:r>
+            <a:r>
+              <a:rPr lang="en-US" sz="1600" b="0" kern="1200" dirty="0">
+                <a:solidFill>
+                  <a:schemeClr val="tx1"/>
+                </a:solidFill>
+                <a:effectLst/>
+                <a:latin typeface="+mn-lt"/>
+                <a:ea typeface="+mn-ea"/>
+                <a:cs typeface="+mn-cs"/>
+              </a:rPr>
+              <a:t> POST pour </a:t>
+            </a:r>
+            <a:r>
+              <a:rPr lang="en-US" sz="1600" b="0" kern="1200" dirty="0" err="1">
+                <a:solidFill>
+                  <a:schemeClr val="tx1"/>
+                </a:solidFill>
+                <a:effectLst/>
+                <a:latin typeface="+mn-lt"/>
+                <a:ea typeface="+mn-ea"/>
+                <a:cs typeface="+mn-cs"/>
+              </a:rPr>
+              <a:t>créer</a:t>
+            </a:r>
+            <a:r>
+              <a:rPr lang="en-US" sz="1600" b="0" kern="1200" dirty="0">
+                <a:solidFill>
+                  <a:schemeClr val="tx1"/>
+                </a:solidFill>
+                <a:effectLst/>
+                <a:latin typeface="+mn-lt"/>
+                <a:ea typeface="+mn-ea"/>
+                <a:cs typeface="+mn-cs"/>
+              </a:rPr>
+              <a:t> </a:t>
+            </a:r>
+            <a:r>
+              <a:rPr lang="en-US" sz="1600" b="0" kern="1200" dirty="0" err="1">
+                <a:solidFill>
+                  <a:schemeClr val="tx1"/>
+                </a:solidFill>
+                <a:effectLst/>
+                <a:latin typeface="+mn-lt"/>
+                <a:ea typeface="+mn-ea"/>
+                <a:cs typeface="+mn-cs"/>
+              </a:rPr>
+              <a:t>une</a:t>
+            </a:r>
+            <a:r>
+              <a:rPr lang="en-US" sz="1600" b="0" kern="1200" dirty="0">
+                <a:solidFill>
+                  <a:schemeClr val="tx1"/>
+                </a:solidFill>
+                <a:effectLst/>
+                <a:latin typeface="+mn-lt"/>
+                <a:ea typeface="+mn-ea"/>
+                <a:cs typeface="+mn-cs"/>
+              </a:rPr>
+              <a:t> instance de la </a:t>
+            </a:r>
+            <a:r>
+              <a:rPr lang="en-US" sz="1600" b="0" kern="1200" dirty="0" err="1">
+                <a:solidFill>
+                  <a:schemeClr val="tx1"/>
+                </a:solidFill>
+                <a:effectLst/>
+                <a:latin typeface="+mn-lt"/>
+                <a:ea typeface="+mn-ea"/>
+                <a:cs typeface="+mn-cs"/>
+              </a:rPr>
+              <a:t>classe</a:t>
+            </a:r>
+            <a:r>
+              <a:rPr lang="en-US" sz="1600" b="0" kern="1200" dirty="0">
+                <a:solidFill>
+                  <a:schemeClr val="tx1"/>
+                </a:solidFill>
+                <a:effectLst/>
+                <a:latin typeface="+mn-lt"/>
+                <a:ea typeface="+mn-ea"/>
+                <a:cs typeface="+mn-cs"/>
+              </a:rPr>
+              <a:t> </a:t>
+            </a:r>
+            <a:r>
+              <a:rPr lang="en-US" sz="1600" b="0" kern="1200" dirty="0" err="1">
+                <a:solidFill>
+                  <a:schemeClr val="tx1"/>
+                </a:solidFill>
+                <a:effectLst/>
+                <a:latin typeface="+mn-lt"/>
+                <a:ea typeface="+mn-ea"/>
+                <a:cs typeface="+mn-cs"/>
+              </a:rPr>
+              <a:t>spécifiée</a:t>
+            </a:r>
+            <a:endParaRPr lang="fr-FR" dirty="0">
+              <a:effectLst/>
+            </a:endParaRPr>
+          </a:p>
+          <a:p>
+            <a:pPr lvl="1" rtl="0" eaLnBrk="1" latinLnBrk="0" hangingPunct="1"/>
+            <a:r>
+              <a:rPr lang="en-US" sz="1600" b="0" kern="1200" dirty="0">
+                <a:solidFill>
+                  <a:schemeClr val="tx1"/>
+                </a:solidFill>
+                <a:effectLst/>
+                <a:latin typeface="+mn-lt"/>
+                <a:ea typeface="+mn-ea"/>
+                <a:cs typeface="+mn-cs"/>
+              </a:rPr>
+              <a:t>Il </a:t>
+            </a:r>
+            <a:r>
+              <a:rPr lang="en-US" sz="1600" b="0" kern="1200" dirty="0" err="1">
+                <a:solidFill>
+                  <a:schemeClr val="tx1"/>
+                </a:solidFill>
+                <a:effectLst/>
+                <a:latin typeface="+mn-lt"/>
+                <a:ea typeface="+mn-ea"/>
+                <a:cs typeface="+mn-cs"/>
+              </a:rPr>
+              <a:t>faut</a:t>
+            </a:r>
+            <a:r>
+              <a:rPr lang="en-US" sz="1600" b="0" kern="1200" dirty="0">
+                <a:solidFill>
+                  <a:schemeClr val="tx1"/>
+                </a:solidFill>
+                <a:effectLst/>
+                <a:latin typeface="+mn-lt"/>
+                <a:ea typeface="+mn-ea"/>
+                <a:cs typeface="+mn-cs"/>
+              </a:rPr>
+              <a:t> </a:t>
+            </a:r>
+            <a:r>
+              <a:rPr lang="en-US" sz="1600" b="0" kern="1200" dirty="0" err="1">
+                <a:solidFill>
+                  <a:schemeClr val="tx1"/>
+                </a:solidFill>
+                <a:effectLst/>
+                <a:latin typeface="+mn-lt"/>
+                <a:ea typeface="+mn-ea"/>
+                <a:cs typeface="+mn-cs"/>
+              </a:rPr>
+              <a:t>juste</a:t>
+            </a:r>
+            <a:r>
+              <a:rPr lang="en-US" sz="1600" b="0" kern="1200" dirty="0">
+                <a:solidFill>
+                  <a:schemeClr val="tx1"/>
+                </a:solidFill>
+                <a:effectLst/>
+                <a:latin typeface="+mn-lt"/>
+                <a:ea typeface="+mn-ea"/>
+                <a:cs typeface="+mn-cs"/>
+              </a:rPr>
+              <a:t> </a:t>
+            </a:r>
+            <a:r>
+              <a:rPr lang="en-US" sz="1600" b="0" kern="1200" dirty="0" err="1">
+                <a:solidFill>
+                  <a:schemeClr val="tx1"/>
+                </a:solidFill>
+                <a:effectLst/>
+                <a:latin typeface="+mn-lt"/>
+                <a:ea typeface="+mn-ea"/>
+                <a:cs typeface="+mn-cs"/>
+              </a:rPr>
+              <a:t>s’assurer</a:t>
+            </a:r>
+            <a:r>
+              <a:rPr lang="en-US" sz="1600" b="0" kern="1200" dirty="0">
+                <a:solidFill>
+                  <a:schemeClr val="tx1"/>
+                </a:solidFill>
+                <a:effectLst/>
+                <a:latin typeface="+mn-lt"/>
+                <a:ea typeface="+mn-ea"/>
+                <a:cs typeface="+mn-cs"/>
+              </a:rPr>
+              <a:t> que les </a:t>
+            </a:r>
+            <a:r>
+              <a:rPr lang="en-US" sz="1600" b="0" kern="1200" dirty="0" err="1">
+                <a:solidFill>
+                  <a:schemeClr val="tx1"/>
+                </a:solidFill>
+                <a:effectLst/>
+                <a:latin typeface="+mn-lt"/>
+                <a:ea typeface="+mn-ea"/>
+                <a:cs typeface="+mn-cs"/>
+              </a:rPr>
+              <a:t>noms</a:t>
+            </a:r>
+            <a:r>
+              <a:rPr lang="en-US" sz="1600" b="0" kern="1200" dirty="0">
+                <a:solidFill>
+                  <a:schemeClr val="tx1"/>
+                </a:solidFill>
+                <a:effectLst/>
+                <a:latin typeface="+mn-lt"/>
+                <a:ea typeface="+mn-ea"/>
+                <a:cs typeface="+mn-cs"/>
+              </a:rPr>
+              <a:t> des </a:t>
+            </a:r>
+            <a:r>
+              <a:rPr lang="en-US" sz="1600" b="0" kern="1200" dirty="0" err="1">
+                <a:solidFill>
+                  <a:schemeClr val="tx1"/>
+                </a:solidFill>
+                <a:effectLst/>
+                <a:latin typeface="+mn-lt"/>
+                <a:ea typeface="+mn-ea"/>
+                <a:cs typeface="+mn-cs"/>
+              </a:rPr>
+              <a:t>propriétés</a:t>
+            </a:r>
+            <a:r>
+              <a:rPr lang="en-US" sz="1600" b="0" kern="1200" dirty="0">
+                <a:solidFill>
+                  <a:schemeClr val="tx1"/>
+                </a:solidFill>
+                <a:effectLst/>
+                <a:latin typeface="+mn-lt"/>
+                <a:ea typeface="+mn-ea"/>
+                <a:cs typeface="+mn-cs"/>
+              </a:rPr>
+              <a:t> correspondent aux </a:t>
+            </a:r>
+            <a:r>
+              <a:rPr lang="en-US" sz="1600" b="0" kern="1200" dirty="0" err="1">
+                <a:solidFill>
+                  <a:schemeClr val="tx1"/>
+                </a:solidFill>
+                <a:effectLst/>
+                <a:latin typeface="+mn-lt"/>
+                <a:ea typeface="+mn-ea"/>
+                <a:cs typeface="+mn-cs"/>
+              </a:rPr>
+              <a:t>noms</a:t>
+            </a:r>
+            <a:r>
+              <a:rPr lang="en-US" sz="1600" b="0" kern="1200" dirty="0">
+                <a:solidFill>
+                  <a:schemeClr val="tx1"/>
+                </a:solidFill>
+                <a:effectLst/>
+                <a:latin typeface="+mn-lt"/>
+                <a:ea typeface="+mn-ea"/>
+                <a:cs typeface="+mn-cs"/>
+              </a:rPr>
+              <a:t> des champs du </a:t>
+            </a:r>
+            <a:r>
+              <a:rPr lang="en-US" sz="1600" b="0" kern="1200" dirty="0" err="1">
+                <a:solidFill>
+                  <a:schemeClr val="tx1"/>
+                </a:solidFill>
+                <a:effectLst/>
+                <a:latin typeface="+mn-lt"/>
+                <a:ea typeface="+mn-ea"/>
+                <a:cs typeface="+mn-cs"/>
+              </a:rPr>
+              <a:t>formulaire</a:t>
+            </a:r>
+            <a:r>
+              <a:rPr lang="en-US" sz="1600" b="0" kern="1200" dirty="0">
+                <a:solidFill>
+                  <a:schemeClr val="tx1"/>
+                </a:solidFill>
+                <a:effectLst/>
+                <a:latin typeface="+mn-lt"/>
+                <a:ea typeface="+mn-ea"/>
+                <a:cs typeface="+mn-cs"/>
+              </a:rPr>
+              <a:t>.</a:t>
+            </a:r>
+            <a:endParaRPr lang="fr-FR" dirty="0">
+              <a:effectLst/>
+            </a:endParaRPr>
+          </a:p>
+          <a:p>
+            <a:endParaRPr lang="fr-FR" dirty="0"/>
           </a:p>
         </p:txBody>
       </p:sp>
     </p:spTree>
     <p:extLst>
       <p:ext uri="{BB962C8B-B14F-4D97-AF65-F5344CB8AC3E}">
-        <p14:creationId xmlns:p14="http://schemas.microsoft.com/office/powerpoint/2010/main" val="1424946806"/>
+        <p14:creationId xmlns:p14="http://schemas.microsoft.com/office/powerpoint/2010/main" val="1821800086"/>
       </p:ext>
     </p:extLst>
   </p:cSld>
@@ -5607,7 +6655,7 @@
           <p:cNvPr id="2" name="Titre 1">
             <a:extLst>
               <a:ext uri="{FF2B5EF4-FFF2-40B4-BE49-F238E27FC236}">
-                <a16:creationId xmlns:a16="http://schemas.microsoft.com/office/drawing/2014/main" id="{72D259E2-2FFA-4FF5-8C70-1E5826D9B304}"/>
+                <a16:creationId xmlns:a16="http://schemas.microsoft.com/office/drawing/2014/main" id="{2DC3F754-69B6-4A83-BF8B-8DC25B55EF7E}"/>
               </a:ext>
             </a:extLst>
           </p:cNvPr>
@@ -5625,8 +6673,13 @@
           <a:p>
             <a:r>
               <a:rPr lang="fr-FR" dirty="0"/>
-              <a:t>Paramètres complexes</a:t>
-            </a:r>
+              <a:t>Paramètres</a:t>
+            </a:r>
+            <a:r>
+              <a:rPr lang="fr-FR" baseline="0" dirty="0"/>
+              <a:t> complexes</a:t>
+            </a:r>
+            <a:endParaRPr lang="fr-FR" dirty="0"/>
           </a:p>
         </p:txBody>
       </p:sp>
@@ -5635,7 +6688,7 @@
           <p:cNvPr id="3" name="Espace réservé du contenu 2">
             <a:extLst>
               <a:ext uri="{FF2B5EF4-FFF2-40B4-BE49-F238E27FC236}">
-                <a16:creationId xmlns:a16="http://schemas.microsoft.com/office/drawing/2014/main" id="{E99F79DC-40FD-43E4-AB29-16D7F37AFB53}"/>
+                <a16:creationId xmlns:a16="http://schemas.microsoft.com/office/drawing/2014/main" id="{4E885B8A-9220-425E-A308-85D875598A9E}"/>
               </a:ext>
             </a:extLst>
           </p:cNvPr>
@@ -5651,1052 +6704,1698 @@
           <a:bodyPr/>
           <a:lstStyle/>
           <a:p>
-            <a:pPr rtl="0" eaLnBrk="1" latinLnBrk="0" hangingPunct="1"/>
-            <a:r>
-              <a:rPr lang="en-US" sz="1800" b="0" kern="1200" dirty="0">
-                <a:solidFill>
-                  <a:schemeClr val="tx1"/>
-                </a:solidFill>
-                <a:effectLst/>
-                <a:latin typeface="+mn-lt"/>
-                <a:ea typeface="+mn-ea"/>
-                <a:cs typeface="+mn-cs"/>
-              </a:rPr>
-              <a:t>Si les </a:t>
-            </a:r>
-            <a:r>
-              <a:rPr lang="en-US" sz="1800" b="0" kern="1200" dirty="0" err="1">
-                <a:solidFill>
-                  <a:schemeClr val="tx1"/>
-                </a:solidFill>
-                <a:effectLst/>
-                <a:latin typeface="+mn-lt"/>
-                <a:ea typeface="+mn-ea"/>
-                <a:cs typeface="+mn-cs"/>
-              </a:rPr>
-              <a:t>données</a:t>
-            </a:r>
-            <a:r>
-              <a:rPr lang="en-US" sz="1800" b="0" kern="1200" dirty="0">
-                <a:solidFill>
-                  <a:schemeClr val="tx1"/>
-                </a:solidFill>
-                <a:effectLst/>
-                <a:latin typeface="+mn-lt"/>
-                <a:ea typeface="+mn-ea"/>
-                <a:cs typeface="+mn-cs"/>
+            <a:pPr marL="0" indent="0">
+              <a:buNone/>
+            </a:pPr>
+            <a:endParaRPr lang="fr-FR" dirty="0"/>
+          </a:p>
+        </p:txBody>
+      </p:sp>
+      <p:sp>
+        <p:nvSpPr>
+          <p:cNvPr id="4" name="Rectangle 3">
+            <a:extLst>
+              <a:ext uri="{FF2B5EF4-FFF2-40B4-BE49-F238E27FC236}">
+                <a16:creationId xmlns:a16="http://schemas.microsoft.com/office/drawing/2014/main" id="{E07D615D-8A0D-4801-906F-74C4967C4DDA}"/>
+              </a:ext>
+            </a:extLst>
+          </p:cNvPr>
+          <p:cNvSpPr/>
+          <p:nvPr/>
+        </p:nvSpPr>
+        <p:spPr>
+          <a:xfrm>
+            <a:off x="355600" y="1257301"/>
+            <a:ext cx="6096000" cy="2585323"/>
+          </a:xfrm>
+          <a:prstGeom prst="rect">
+            <a:avLst/>
+          </a:prstGeom>
+        </p:spPr>
+        <p:txBody>
+          <a:bodyPr>
+            <a:spAutoFit/>
+          </a:bodyPr>
+          <a:lstStyle/>
+          <a:p>
+            <a:pPr>
+              <a:lnSpc>
+                <a:spcPct val="100000"/>
+              </a:lnSpc>
+            </a:pPr>
+            <a:r>
+              <a:rPr lang="en-US" spc="-1" dirty="0">
+                <a:solidFill>
+                  <a:srgbClr val="0000FF"/>
+                </a:solidFill>
+                <a:uFill>
+                  <a:solidFill>
+                    <a:srgbClr val="FFFFFF"/>
+                  </a:solidFill>
+                </a:uFill>
+                <a:latin typeface="Consolas"/>
+              </a:rPr>
+              <a:t>namespace</a:t>
+            </a:r>
+            <a:r>
+              <a:rPr lang="en-US" spc="-1" dirty="0">
+                <a:solidFill>
+                  <a:srgbClr val="000000"/>
+                </a:solidFill>
+                <a:uFill>
+                  <a:solidFill>
+                    <a:srgbClr val="FFFFFF"/>
+                  </a:solidFill>
+                </a:uFill>
+                <a:latin typeface="Consolas"/>
+              </a:rPr>
+              <a:t> WebApplication2.Models.Formulaires</a:t>
+            </a:r>
+            <a:endParaRPr lang="en-US" sz="2800" spc="-1" dirty="0">
+              <a:solidFill>
+                <a:srgbClr val="000000"/>
+              </a:solidFill>
+              <a:uFill>
+                <a:solidFill>
+                  <a:srgbClr val="FFFFFF"/>
+                </a:solidFill>
+              </a:uFill>
+            </a:endParaRPr>
+          </a:p>
+          <a:p>
+            <a:pPr>
+              <a:lnSpc>
+                <a:spcPct val="100000"/>
+              </a:lnSpc>
+            </a:pPr>
+            <a:r>
+              <a:rPr lang="en-US" spc="-1" dirty="0">
+                <a:solidFill>
+                  <a:srgbClr val="000000"/>
+                </a:solidFill>
+                <a:uFill>
+                  <a:solidFill>
+                    <a:srgbClr val="FFFFFF"/>
+                  </a:solidFill>
+                </a:uFill>
+                <a:latin typeface="Consolas"/>
+              </a:rPr>
+              <a:t>{</a:t>
+            </a:r>
+            <a:endParaRPr lang="en-US" sz="2800" spc="-1" dirty="0">
+              <a:solidFill>
+                <a:srgbClr val="000000"/>
+              </a:solidFill>
+              <a:uFill>
+                <a:solidFill>
+                  <a:srgbClr val="FFFFFF"/>
+                </a:solidFill>
+              </a:uFill>
+            </a:endParaRPr>
+          </a:p>
+          <a:p>
+            <a:pPr>
+              <a:lnSpc>
+                <a:spcPct val="100000"/>
+              </a:lnSpc>
+            </a:pPr>
+            <a:r>
+              <a:rPr lang="en-US" spc="-1" dirty="0">
+                <a:solidFill>
+                  <a:srgbClr val="000000"/>
+                </a:solidFill>
+                <a:uFill>
+                  <a:solidFill>
+                    <a:srgbClr val="FFFFFF"/>
+                  </a:solidFill>
+                </a:uFill>
+                <a:latin typeface="Consolas"/>
+              </a:rPr>
+              <a:t>    </a:t>
+            </a:r>
+            <a:r>
+              <a:rPr lang="en-US" spc="-1" dirty="0">
+                <a:solidFill>
+                  <a:srgbClr val="0000FF"/>
+                </a:solidFill>
+                <a:uFill>
+                  <a:solidFill>
+                    <a:srgbClr val="FFFFFF"/>
+                  </a:solidFill>
+                </a:uFill>
+                <a:latin typeface="Consolas"/>
+              </a:rPr>
+              <a:t>public</a:t>
+            </a:r>
+            <a:r>
+              <a:rPr lang="en-US" spc="-1" dirty="0">
+                <a:solidFill>
+                  <a:srgbClr val="000000"/>
+                </a:solidFill>
+                <a:uFill>
+                  <a:solidFill>
+                    <a:srgbClr val="FFFFFF"/>
+                  </a:solidFill>
+                </a:uFill>
+                <a:latin typeface="Consolas"/>
               </a:rPr>
               <a:t> </a:t>
             </a:r>
             <a:r>
-              <a:rPr lang="en-US" sz="1800" b="0" kern="1200" dirty="0" err="1">
-                <a:solidFill>
-                  <a:schemeClr val="tx1"/>
-                </a:solidFill>
-                <a:effectLst/>
-                <a:latin typeface="+mn-lt"/>
-                <a:ea typeface="+mn-ea"/>
-                <a:cs typeface="+mn-cs"/>
-              </a:rPr>
-              <a:t>sont</a:t>
-            </a:r>
-            <a:r>
-              <a:rPr lang="en-US" sz="1800" b="0" kern="1200" dirty="0">
-                <a:solidFill>
-                  <a:schemeClr val="tx1"/>
-                </a:solidFill>
-                <a:effectLst/>
-                <a:latin typeface="+mn-lt"/>
-                <a:ea typeface="+mn-ea"/>
-                <a:cs typeface="+mn-cs"/>
-              </a:rPr>
-              <a:t> complexes, </a:t>
-            </a:r>
-            <a:r>
-              <a:rPr lang="en-US" sz="1800" b="0" kern="1200" dirty="0" err="1">
-                <a:solidFill>
-                  <a:schemeClr val="tx1"/>
-                </a:solidFill>
-                <a:effectLst/>
-                <a:latin typeface="+mn-lt"/>
-                <a:ea typeface="+mn-ea"/>
-                <a:cs typeface="+mn-cs"/>
-              </a:rPr>
-              <a:t>plutôt</a:t>
-            </a:r>
-            <a:r>
-              <a:rPr lang="en-US" sz="1800" b="0" kern="1200" dirty="0">
-                <a:solidFill>
-                  <a:schemeClr val="tx1"/>
-                </a:solidFill>
-                <a:effectLst/>
-                <a:latin typeface="+mn-lt"/>
-                <a:ea typeface="+mn-ea"/>
-                <a:cs typeface="+mn-cs"/>
-              </a:rPr>
-              <a:t> que </a:t>
-            </a:r>
-            <a:r>
-              <a:rPr lang="en-US" sz="1800" b="0" kern="1200" dirty="0" err="1">
-                <a:solidFill>
-                  <a:schemeClr val="tx1"/>
-                </a:solidFill>
-                <a:effectLst/>
-                <a:latin typeface="+mn-lt"/>
-                <a:ea typeface="+mn-ea"/>
-                <a:cs typeface="+mn-cs"/>
-              </a:rPr>
-              <a:t>d’avoir</a:t>
-            </a:r>
-            <a:r>
-              <a:rPr lang="en-US" sz="1800" b="0" kern="1200" dirty="0">
-                <a:solidFill>
-                  <a:schemeClr val="tx1"/>
-                </a:solidFill>
-                <a:effectLst/>
-                <a:latin typeface="+mn-lt"/>
-                <a:ea typeface="+mn-ea"/>
-                <a:cs typeface="+mn-cs"/>
-              </a:rPr>
-              <a:t> beaucoup de </a:t>
-            </a:r>
-            <a:r>
-              <a:rPr lang="en-US" sz="1800" b="0" kern="1200" dirty="0" err="1">
-                <a:solidFill>
-                  <a:schemeClr val="tx1"/>
-                </a:solidFill>
-                <a:effectLst/>
-                <a:latin typeface="+mn-lt"/>
-                <a:ea typeface="+mn-ea"/>
-                <a:cs typeface="+mn-cs"/>
-              </a:rPr>
-              <a:t>paramètres</a:t>
-            </a:r>
-            <a:r>
-              <a:rPr lang="en-US" sz="1800" b="0" kern="1200" dirty="0">
-                <a:solidFill>
-                  <a:schemeClr val="tx1"/>
-                </a:solidFill>
-                <a:effectLst/>
-                <a:latin typeface="+mn-lt"/>
-                <a:ea typeface="+mn-ea"/>
-                <a:cs typeface="+mn-cs"/>
-              </a:rPr>
-              <a:t>, la bonne </a:t>
-            </a:r>
-            <a:r>
-              <a:rPr lang="en-US" sz="1800" b="0" kern="1200" dirty="0" err="1">
-                <a:solidFill>
-                  <a:schemeClr val="tx1"/>
-                </a:solidFill>
-                <a:effectLst/>
-                <a:latin typeface="+mn-lt"/>
-                <a:ea typeface="+mn-ea"/>
-                <a:cs typeface="+mn-cs"/>
-              </a:rPr>
-              <a:t>approche</a:t>
-            </a:r>
-            <a:r>
-              <a:rPr lang="en-US" sz="1800" b="0" kern="1200" dirty="0">
-                <a:solidFill>
-                  <a:schemeClr val="tx1"/>
-                </a:solidFill>
-                <a:effectLst/>
-                <a:latin typeface="+mn-lt"/>
-                <a:ea typeface="+mn-ea"/>
-                <a:cs typeface="+mn-cs"/>
+              <a:rPr lang="en-US" spc="-1" dirty="0">
+                <a:solidFill>
+                  <a:srgbClr val="0000FF"/>
+                </a:solidFill>
+                <a:uFill>
+                  <a:solidFill>
+                    <a:srgbClr val="FFFFFF"/>
+                  </a:solidFill>
+                </a:uFill>
+                <a:latin typeface="Consolas"/>
+              </a:rPr>
+              <a:t>class</a:t>
+            </a:r>
+            <a:r>
+              <a:rPr lang="en-US" spc="-1" dirty="0">
+                <a:solidFill>
+                  <a:srgbClr val="000000"/>
+                </a:solidFill>
+                <a:uFill>
+                  <a:solidFill>
+                    <a:srgbClr val="FFFFFF"/>
+                  </a:solidFill>
+                </a:uFill>
+                <a:latin typeface="Consolas"/>
               </a:rPr>
               <a:t> </a:t>
             </a:r>
             <a:r>
-              <a:rPr lang="en-US" sz="1800" b="0" kern="1200" dirty="0" err="1">
-                <a:solidFill>
-                  <a:schemeClr val="tx1"/>
-                </a:solidFill>
-                <a:effectLst/>
-                <a:latin typeface="+mn-lt"/>
-                <a:ea typeface="+mn-ea"/>
-                <a:cs typeface="+mn-cs"/>
-              </a:rPr>
-              <a:t>consiste</a:t>
-            </a:r>
-            <a:r>
-              <a:rPr lang="en-US" sz="1800" b="0" kern="1200" dirty="0">
-                <a:solidFill>
-                  <a:schemeClr val="tx1"/>
-                </a:solidFill>
-                <a:effectLst/>
-                <a:latin typeface="+mn-lt"/>
-                <a:ea typeface="+mn-ea"/>
-                <a:cs typeface="+mn-cs"/>
-              </a:rPr>
-              <a:t> à </a:t>
-            </a:r>
-            <a:r>
-              <a:rPr lang="en-US" sz="1800" b="0" kern="1200" dirty="0" err="1">
-                <a:solidFill>
-                  <a:schemeClr val="tx1"/>
-                </a:solidFill>
-                <a:effectLst/>
-                <a:latin typeface="+mn-lt"/>
-                <a:ea typeface="+mn-ea"/>
-                <a:cs typeface="+mn-cs"/>
-              </a:rPr>
-              <a:t>créer</a:t>
-            </a:r>
-            <a:r>
-              <a:rPr lang="en-US" sz="1800" b="0" kern="1200" dirty="0">
-                <a:solidFill>
-                  <a:schemeClr val="tx1"/>
-                </a:solidFill>
-                <a:effectLst/>
-                <a:latin typeface="+mn-lt"/>
-                <a:ea typeface="+mn-ea"/>
-                <a:cs typeface="+mn-cs"/>
-              </a:rPr>
-              <a:t> un </a:t>
-            </a:r>
-            <a:r>
-              <a:rPr lang="en-US" sz="1800" b="0" kern="1200" dirty="0" err="1">
-                <a:solidFill>
-                  <a:schemeClr val="tx1"/>
-                </a:solidFill>
-                <a:effectLst/>
-                <a:latin typeface="+mn-lt"/>
-                <a:ea typeface="+mn-ea"/>
-                <a:cs typeface="+mn-cs"/>
-              </a:rPr>
-              <a:t>objet</a:t>
-            </a:r>
-            <a:r>
-              <a:rPr lang="en-US" sz="1800" b="0" kern="1200" dirty="0">
-                <a:solidFill>
-                  <a:schemeClr val="tx1"/>
-                </a:solidFill>
-                <a:effectLst/>
-                <a:latin typeface="+mn-lt"/>
-                <a:ea typeface="+mn-ea"/>
-                <a:cs typeface="+mn-cs"/>
-              </a:rPr>
-              <a:t> qui englobe </a:t>
-            </a:r>
-            <a:r>
-              <a:rPr lang="en-US" sz="1800" b="0" kern="1200" dirty="0" err="1">
-                <a:solidFill>
-                  <a:schemeClr val="tx1"/>
-                </a:solidFill>
-                <a:effectLst/>
-                <a:latin typeface="+mn-lt"/>
-                <a:ea typeface="+mn-ea"/>
-                <a:cs typeface="+mn-cs"/>
-              </a:rPr>
-              <a:t>tous</a:t>
-            </a:r>
-            <a:r>
-              <a:rPr lang="en-US" sz="1800" b="0" kern="1200" dirty="0">
-                <a:solidFill>
-                  <a:schemeClr val="tx1"/>
-                </a:solidFill>
-                <a:effectLst/>
-                <a:latin typeface="+mn-lt"/>
-                <a:ea typeface="+mn-ea"/>
-                <a:cs typeface="+mn-cs"/>
+              <a:rPr lang="en-US" spc="-1" dirty="0" err="1">
+                <a:solidFill>
+                  <a:srgbClr val="2B91AF"/>
+                </a:solidFill>
+                <a:uFill>
+                  <a:solidFill>
+                    <a:srgbClr val="FFFFFF"/>
+                  </a:solidFill>
+                </a:uFill>
+                <a:latin typeface="Consolas"/>
+              </a:rPr>
+              <a:t>FormulaireUpdateLivre</a:t>
+            </a:r>
+            <a:endParaRPr lang="en-US" sz="2800" spc="-1" dirty="0">
+              <a:solidFill>
+                <a:srgbClr val="000000"/>
+              </a:solidFill>
+              <a:uFill>
+                <a:solidFill>
+                  <a:srgbClr val="FFFFFF"/>
+                </a:solidFill>
+              </a:uFill>
+            </a:endParaRPr>
+          </a:p>
+          <a:p>
+            <a:pPr>
+              <a:lnSpc>
+                <a:spcPct val="100000"/>
+              </a:lnSpc>
+            </a:pPr>
+            <a:r>
+              <a:rPr lang="en-US" spc="-1" dirty="0">
+                <a:solidFill>
+                  <a:srgbClr val="000000"/>
+                </a:solidFill>
+                <a:uFill>
+                  <a:solidFill>
+                    <a:srgbClr val="FFFFFF"/>
+                  </a:solidFill>
+                </a:uFill>
+                <a:latin typeface="Consolas"/>
+              </a:rPr>
+              <a:t>    {</a:t>
+            </a:r>
+            <a:endParaRPr lang="en-US" sz="2800" spc="-1" dirty="0">
+              <a:solidFill>
+                <a:srgbClr val="000000"/>
+              </a:solidFill>
+              <a:uFill>
+                <a:solidFill>
+                  <a:srgbClr val="FFFFFF"/>
+                </a:solidFill>
+              </a:uFill>
+            </a:endParaRPr>
+          </a:p>
+          <a:p>
+            <a:pPr>
+              <a:lnSpc>
+                <a:spcPct val="100000"/>
+              </a:lnSpc>
+            </a:pPr>
+            <a:r>
+              <a:rPr lang="en-US" spc="-1" dirty="0">
+                <a:solidFill>
+                  <a:srgbClr val="000000"/>
+                </a:solidFill>
+                <a:uFill>
+                  <a:solidFill>
+                    <a:srgbClr val="FFFFFF"/>
+                  </a:solidFill>
+                </a:uFill>
+                <a:latin typeface="Consolas"/>
+              </a:rPr>
+              <a:t>        </a:t>
+            </a:r>
+            <a:r>
+              <a:rPr lang="en-US" spc="-1" dirty="0">
+                <a:solidFill>
+                  <a:srgbClr val="0000FF"/>
+                </a:solidFill>
+                <a:uFill>
+                  <a:solidFill>
+                    <a:srgbClr val="FFFFFF"/>
+                  </a:solidFill>
+                </a:uFill>
+                <a:latin typeface="Consolas"/>
+              </a:rPr>
+              <a:t>public</a:t>
+            </a:r>
+            <a:r>
+              <a:rPr lang="en-US" spc="-1" dirty="0">
+                <a:solidFill>
+                  <a:srgbClr val="000000"/>
+                </a:solidFill>
+                <a:uFill>
+                  <a:solidFill>
+                    <a:srgbClr val="FFFFFF"/>
+                  </a:solidFill>
+                </a:uFill>
+                <a:latin typeface="Consolas"/>
               </a:rPr>
               <a:t> </a:t>
             </a:r>
             <a:r>
-              <a:rPr lang="en-US" sz="1800" b="0" kern="1200" dirty="0" err="1">
-                <a:solidFill>
-                  <a:schemeClr val="tx1"/>
-                </a:solidFill>
-                <a:effectLst/>
-                <a:latin typeface="+mn-lt"/>
-                <a:ea typeface="+mn-ea"/>
-                <a:cs typeface="+mn-cs"/>
-              </a:rPr>
-              <a:t>ces</a:t>
-            </a:r>
-            <a:r>
-              <a:rPr lang="en-US" sz="1800" b="0" kern="1200" dirty="0">
-                <a:solidFill>
-                  <a:schemeClr val="tx1"/>
-                </a:solidFill>
-                <a:effectLst/>
-                <a:latin typeface="+mn-lt"/>
-                <a:ea typeface="+mn-ea"/>
-                <a:cs typeface="+mn-cs"/>
+              <a:rPr lang="en-US" spc="-1" dirty="0">
+                <a:solidFill>
+                  <a:srgbClr val="0000FF"/>
+                </a:solidFill>
+                <a:uFill>
+                  <a:solidFill>
+                    <a:srgbClr val="FFFFFF"/>
+                  </a:solidFill>
+                </a:uFill>
+                <a:latin typeface="Consolas"/>
+              </a:rPr>
+              <a:t>int</a:t>
+            </a:r>
+            <a:r>
+              <a:rPr lang="en-US" spc="-1" dirty="0">
+                <a:solidFill>
+                  <a:srgbClr val="000000"/>
+                </a:solidFill>
+                <a:uFill>
+                  <a:solidFill>
+                    <a:srgbClr val="FFFFFF"/>
+                  </a:solidFill>
+                </a:uFill>
+                <a:latin typeface="Consolas"/>
               </a:rPr>
               <a:t> </a:t>
             </a:r>
             <a:r>
-              <a:rPr lang="en-US" sz="1800" b="0" kern="1200" dirty="0" err="1">
-                <a:solidFill>
-                  <a:schemeClr val="tx1"/>
-                </a:solidFill>
-                <a:effectLst/>
-                <a:latin typeface="+mn-lt"/>
-                <a:ea typeface="+mn-ea"/>
-                <a:cs typeface="+mn-cs"/>
-              </a:rPr>
-              <a:t>paramètres</a:t>
-            </a:r>
-            <a:endParaRPr lang="fr-FR" sz="1800" dirty="0">
-              <a:effectLst/>
+              <a:rPr lang="en-US" spc="-1" dirty="0" err="1">
+                <a:solidFill>
+                  <a:srgbClr val="000000"/>
+                </a:solidFill>
+                <a:uFill>
+                  <a:solidFill>
+                    <a:srgbClr val="FFFFFF"/>
+                  </a:solidFill>
+                </a:uFill>
+                <a:latin typeface="Consolas"/>
+              </a:rPr>
+              <a:t>LivreID</a:t>
+            </a:r>
+            <a:r>
+              <a:rPr lang="en-US" spc="-1" dirty="0">
+                <a:solidFill>
+                  <a:srgbClr val="000000"/>
+                </a:solidFill>
+                <a:uFill>
+                  <a:solidFill>
+                    <a:srgbClr val="FFFFFF"/>
+                  </a:solidFill>
+                </a:uFill>
+                <a:latin typeface="Consolas"/>
+              </a:rPr>
+              <a:t> { </a:t>
+            </a:r>
+            <a:r>
+              <a:rPr lang="en-US" spc="-1" dirty="0">
+                <a:solidFill>
+                  <a:srgbClr val="0000FF"/>
+                </a:solidFill>
+                <a:uFill>
+                  <a:solidFill>
+                    <a:srgbClr val="FFFFFF"/>
+                  </a:solidFill>
+                </a:uFill>
+                <a:latin typeface="Consolas"/>
+              </a:rPr>
+              <a:t>get</a:t>
+            </a:r>
+            <a:r>
+              <a:rPr lang="en-US" spc="-1" dirty="0">
+                <a:solidFill>
+                  <a:srgbClr val="000000"/>
+                </a:solidFill>
+                <a:uFill>
+                  <a:solidFill>
+                    <a:srgbClr val="FFFFFF"/>
+                  </a:solidFill>
+                </a:uFill>
+                <a:latin typeface="Consolas"/>
+              </a:rPr>
+              <a:t>; </a:t>
+            </a:r>
+            <a:r>
+              <a:rPr lang="en-US" spc="-1" dirty="0">
+                <a:solidFill>
+                  <a:srgbClr val="0000FF"/>
+                </a:solidFill>
+                <a:uFill>
+                  <a:solidFill>
+                    <a:srgbClr val="FFFFFF"/>
+                  </a:solidFill>
+                </a:uFill>
+                <a:latin typeface="Consolas"/>
+              </a:rPr>
+              <a:t>set</a:t>
+            </a:r>
+            <a:r>
+              <a:rPr lang="en-US" spc="-1" dirty="0">
+                <a:solidFill>
+                  <a:srgbClr val="000000"/>
+                </a:solidFill>
+                <a:uFill>
+                  <a:solidFill>
+                    <a:srgbClr val="FFFFFF"/>
+                  </a:solidFill>
+                </a:uFill>
+                <a:latin typeface="Consolas"/>
+              </a:rPr>
+              <a:t>; }</a:t>
+            </a:r>
+            <a:endParaRPr lang="en-US" sz="2800" spc="-1" dirty="0">
+              <a:solidFill>
+                <a:srgbClr val="000000"/>
+              </a:solidFill>
+              <a:uFill>
+                <a:solidFill>
+                  <a:srgbClr val="FFFFFF"/>
+                </a:solidFill>
+              </a:uFill>
             </a:endParaRPr>
           </a:p>
           <a:p>
-            <a:pPr lvl="1" rtl="0" eaLnBrk="1" latinLnBrk="0" hangingPunct="1"/>
-            <a:r>
-              <a:rPr lang="en-US" sz="1600" b="0" kern="1200" dirty="0" err="1">
-                <a:solidFill>
-                  <a:schemeClr val="tx1"/>
-                </a:solidFill>
-                <a:effectLst/>
-                <a:latin typeface="+mn-lt"/>
-                <a:ea typeface="+mn-ea"/>
-                <a:cs typeface="+mn-cs"/>
-              </a:rPr>
-              <a:t>Chaque</a:t>
-            </a:r>
-            <a:r>
-              <a:rPr lang="en-US" sz="1600" b="0" kern="1200" dirty="0">
-                <a:solidFill>
-                  <a:schemeClr val="tx1"/>
-                </a:solidFill>
-                <a:effectLst/>
-                <a:latin typeface="+mn-lt"/>
-                <a:ea typeface="+mn-ea"/>
-                <a:cs typeface="+mn-cs"/>
-              </a:rPr>
-              <a:t> champs du </a:t>
-            </a:r>
-            <a:r>
-              <a:rPr lang="en-US" sz="1600" b="0" kern="1200" dirty="0" err="1">
-                <a:solidFill>
-                  <a:schemeClr val="tx1"/>
-                </a:solidFill>
-                <a:effectLst/>
-                <a:latin typeface="+mn-lt"/>
-                <a:ea typeface="+mn-ea"/>
-                <a:cs typeface="+mn-cs"/>
+            <a:pPr>
+              <a:lnSpc>
+                <a:spcPct val="100000"/>
+              </a:lnSpc>
+            </a:pPr>
+            <a:r>
+              <a:rPr lang="en-US" spc="-1" dirty="0">
+                <a:solidFill>
+                  <a:srgbClr val="000000"/>
+                </a:solidFill>
+                <a:uFill>
+                  <a:solidFill>
+                    <a:srgbClr val="FFFFFF"/>
+                  </a:solidFill>
+                </a:uFill>
+                <a:latin typeface="Consolas"/>
+              </a:rPr>
+              <a:t>        </a:t>
+            </a:r>
+            <a:r>
+              <a:rPr lang="en-US" spc="-1" dirty="0">
+                <a:solidFill>
+                  <a:srgbClr val="0000FF"/>
+                </a:solidFill>
+                <a:uFill>
+                  <a:solidFill>
+                    <a:srgbClr val="FFFFFF"/>
+                  </a:solidFill>
+                </a:uFill>
+                <a:latin typeface="Consolas"/>
+              </a:rPr>
+              <a:t>public</a:t>
+            </a:r>
+            <a:r>
+              <a:rPr lang="en-US" spc="-1" dirty="0">
+                <a:solidFill>
+                  <a:srgbClr val="000000"/>
+                </a:solidFill>
+                <a:uFill>
+                  <a:solidFill>
+                    <a:srgbClr val="FFFFFF"/>
+                  </a:solidFill>
+                </a:uFill>
+                <a:latin typeface="Consolas"/>
+              </a:rPr>
+              <a:t> </a:t>
+            </a:r>
+            <a:r>
+              <a:rPr lang="en-US" spc="-1" dirty="0">
+                <a:solidFill>
+                  <a:srgbClr val="0000FF"/>
+                </a:solidFill>
+                <a:uFill>
+                  <a:solidFill>
+                    <a:srgbClr val="FFFFFF"/>
+                  </a:solidFill>
+                </a:uFill>
+                <a:latin typeface="Consolas"/>
+              </a:rPr>
+              <a:t>string</a:t>
+            </a:r>
+            <a:r>
+              <a:rPr lang="en-US" spc="-1" dirty="0">
+                <a:solidFill>
+                  <a:srgbClr val="000000"/>
+                </a:solidFill>
+                <a:uFill>
+                  <a:solidFill>
+                    <a:srgbClr val="FFFFFF"/>
+                  </a:solidFill>
+                </a:uFill>
+                <a:latin typeface="Consolas"/>
+              </a:rPr>
+              <a:t> Auteur { </a:t>
+            </a:r>
+            <a:r>
+              <a:rPr lang="en-US" spc="-1" dirty="0">
+                <a:solidFill>
+                  <a:srgbClr val="0000FF"/>
+                </a:solidFill>
+                <a:uFill>
+                  <a:solidFill>
+                    <a:srgbClr val="FFFFFF"/>
+                  </a:solidFill>
+                </a:uFill>
+                <a:latin typeface="Consolas"/>
+              </a:rPr>
+              <a:t>get</a:t>
+            </a:r>
+            <a:r>
+              <a:rPr lang="en-US" spc="-1" dirty="0">
+                <a:solidFill>
+                  <a:srgbClr val="000000"/>
+                </a:solidFill>
+                <a:uFill>
+                  <a:solidFill>
+                    <a:srgbClr val="FFFFFF"/>
+                  </a:solidFill>
+                </a:uFill>
+                <a:latin typeface="Consolas"/>
+              </a:rPr>
+              <a:t>; </a:t>
+            </a:r>
+            <a:r>
+              <a:rPr lang="en-US" spc="-1" dirty="0">
+                <a:solidFill>
+                  <a:srgbClr val="0000FF"/>
+                </a:solidFill>
+                <a:uFill>
+                  <a:solidFill>
+                    <a:srgbClr val="FFFFFF"/>
+                  </a:solidFill>
+                </a:uFill>
+                <a:latin typeface="Consolas"/>
+              </a:rPr>
+              <a:t>set</a:t>
+            </a:r>
+            <a:r>
+              <a:rPr lang="en-US" spc="-1" dirty="0">
+                <a:solidFill>
+                  <a:srgbClr val="000000"/>
+                </a:solidFill>
+                <a:uFill>
+                  <a:solidFill>
+                    <a:srgbClr val="FFFFFF"/>
+                  </a:solidFill>
+                </a:uFill>
+                <a:latin typeface="Consolas"/>
+              </a:rPr>
+              <a:t>; }</a:t>
+            </a:r>
+            <a:endParaRPr lang="en-US" sz="2800" spc="-1" dirty="0">
+              <a:solidFill>
+                <a:srgbClr val="000000"/>
+              </a:solidFill>
+              <a:uFill>
+                <a:solidFill>
+                  <a:srgbClr val="FFFFFF"/>
+                </a:solidFill>
+              </a:uFill>
+            </a:endParaRPr>
+          </a:p>
+          <a:p>
+            <a:pPr>
+              <a:lnSpc>
+                <a:spcPct val="100000"/>
+              </a:lnSpc>
+            </a:pPr>
+            <a:r>
+              <a:rPr lang="en-US" spc="-1" dirty="0">
+                <a:solidFill>
+                  <a:srgbClr val="000000"/>
+                </a:solidFill>
+                <a:uFill>
+                  <a:solidFill>
+                    <a:srgbClr val="FFFFFF"/>
+                  </a:solidFill>
+                </a:uFill>
+                <a:latin typeface="Consolas"/>
+              </a:rPr>
+              <a:t>        </a:t>
+            </a:r>
+            <a:r>
+              <a:rPr lang="en-US" spc="-1" dirty="0">
+                <a:solidFill>
+                  <a:srgbClr val="0000FF"/>
+                </a:solidFill>
+                <a:uFill>
+                  <a:solidFill>
+                    <a:srgbClr val="FFFFFF"/>
+                  </a:solidFill>
+                </a:uFill>
+                <a:latin typeface="Consolas"/>
+              </a:rPr>
+              <a:t>public</a:t>
+            </a:r>
+            <a:r>
+              <a:rPr lang="en-US" spc="-1" dirty="0">
+                <a:solidFill>
+                  <a:srgbClr val="000000"/>
+                </a:solidFill>
+                <a:uFill>
+                  <a:solidFill>
+                    <a:srgbClr val="FFFFFF"/>
+                  </a:solidFill>
+                </a:uFill>
+                <a:latin typeface="Consolas"/>
+              </a:rPr>
+              <a:t> </a:t>
+            </a:r>
+            <a:r>
+              <a:rPr lang="en-US" spc="-1" dirty="0">
+                <a:solidFill>
+                  <a:srgbClr val="0000FF"/>
+                </a:solidFill>
+                <a:uFill>
+                  <a:solidFill>
+                    <a:srgbClr val="FFFFFF"/>
+                  </a:solidFill>
+                </a:uFill>
+                <a:latin typeface="Consolas"/>
+              </a:rPr>
+              <a:t>string</a:t>
+            </a:r>
+            <a:r>
+              <a:rPr lang="en-US" spc="-1" dirty="0">
+                <a:solidFill>
+                  <a:srgbClr val="000000"/>
+                </a:solidFill>
+                <a:uFill>
+                  <a:solidFill>
+                    <a:srgbClr val="FFFFFF"/>
+                  </a:solidFill>
+                </a:uFill>
+                <a:latin typeface="Consolas"/>
+              </a:rPr>
+              <a:t> </a:t>
+            </a:r>
+            <a:r>
+              <a:rPr lang="en-US" spc="-1" dirty="0" err="1">
+                <a:solidFill>
+                  <a:srgbClr val="000000"/>
+                </a:solidFill>
+                <a:uFill>
+                  <a:solidFill>
+                    <a:srgbClr val="FFFFFF"/>
+                  </a:solidFill>
+                </a:uFill>
+                <a:latin typeface="Consolas"/>
+              </a:rPr>
+              <a:t>Titre</a:t>
+            </a:r>
+            <a:r>
+              <a:rPr lang="en-US" spc="-1" dirty="0">
+                <a:solidFill>
+                  <a:srgbClr val="000000"/>
+                </a:solidFill>
+                <a:uFill>
+                  <a:solidFill>
+                    <a:srgbClr val="FFFFFF"/>
+                  </a:solidFill>
+                </a:uFill>
+                <a:latin typeface="Consolas"/>
+              </a:rPr>
+              <a:t> { </a:t>
+            </a:r>
+            <a:r>
+              <a:rPr lang="en-US" spc="-1" dirty="0">
+                <a:solidFill>
+                  <a:srgbClr val="0000FF"/>
+                </a:solidFill>
+                <a:uFill>
+                  <a:solidFill>
+                    <a:srgbClr val="FFFFFF"/>
+                  </a:solidFill>
+                </a:uFill>
+                <a:latin typeface="Consolas"/>
+              </a:rPr>
+              <a:t>get</a:t>
+            </a:r>
+            <a:r>
+              <a:rPr lang="en-US" spc="-1" dirty="0">
+                <a:solidFill>
+                  <a:srgbClr val="000000"/>
+                </a:solidFill>
+                <a:uFill>
+                  <a:solidFill>
+                    <a:srgbClr val="FFFFFF"/>
+                  </a:solidFill>
+                </a:uFill>
+                <a:latin typeface="Consolas"/>
+              </a:rPr>
+              <a:t>; </a:t>
+            </a:r>
+            <a:r>
+              <a:rPr lang="en-US" spc="-1" dirty="0">
+                <a:solidFill>
+                  <a:srgbClr val="0000FF"/>
+                </a:solidFill>
+                <a:uFill>
+                  <a:solidFill>
+                    <a:srgbClr val="FFFFFF"/>
+                  </a:solidFill>
+                </a:uFill>
+                <a:latin typeface="Consolas"/>
+              </a:rPr>
+              <a:t>set</a:t>
+            </a:r>
+            <a:r>
+              <a:rPr lang="en-US" spc="-1" dirty="0">
+                <a:solidFill>
+                  <a:srgbClr val="000000"/>
+                </a:solidFill>
+                <a:uFill>
+                  <a:solidFill>
+                    <a:srgbClr val="FFFFFF"/>
+                  </a:solidFill>
+                </a:uFill>
+                <a:latin typeface="Consolas"/>
+              </a:rPr>
+              <a:t>; }</a:t>
+            </a:r>
+            <a:endParaRPr lang="en-US" sz="2800" spc="-1" dirty="0">
+              <a:solidFill>
+                <a:srgbClr val="000000"/>
+              </a:solidFill>
+              <a:uFill>
+                <a:solidFill>
+                  <a:srgbClr val="FFFFFF"/>
+                </a:solidFill>
+              </a:uFill>
+            </a:endParaRPr>
+          </a:p>
+          <a:p>
+            <a:pPr>
+              <a:lnSpc>
+                <a:spcPct val="100000"/>
+              </a:lnSpc>
+            </a:pPr>
+            <a:r>
+              <a:rPr lang="en-US" spc="-1" dirty="0">
+                <a:solidFill>
+                  <a:srgbClr val="000000"/>
+                </a:solidFill>
+                <a:uFill>
+                  <a:solidFill>
+                    <a:srgbClr val="FFFFFF"/>
+                  </a:solidFill>
+                </a:uFill>
+                <a:latin typeface="Consolas"/>
+              </a:rPr>
+              <a:t>    }</a:t>
+            </a:r>
+            <a:endParaRPr lang="en-US" sz="2800" spc="-1" dirty="0">
+              <a:solidFill>
+                <a:srgbClr val="000000"/>
+              </a:solidFill>
+              <a:uFill>
+                <a:solidFill>
+                  <a:srgbClr val="FFFFFF"/>
+                </a:solidFill>
+              </a:uFill>
+            </a:endParaRPr>
+          </a:p>
+          <a:p>
+            <a:pPr>
+              <a:lnSpc>
+                <a:spcPct val="100000"/>
+              </a:lnSpc>
+            </a:pPr>
+            <a:r>
+              <a:rPr lang="en-US" spc="-1" dirty="0">
+                <a:solidFill>
+                  <a:srgbClr val="000000"/>
+                </a:solidFill>
+                <a:uFill>
+                  <a:solidFill>
+                    <a:srgbClr val="FFFFFF"/>
+                  </a:solidFill>
+                </a:uFill>
+                <a:latin typeface="Consolas"/>
+              </a:rPr>
+              <a:t>}</a:t>
+            </a:r>
+            <a:endParaRPr lang="en-US" sz="2800" spc="-1" dirty="0">
+              <a:solidFill>
+                <a:srgbClr val="000000"/>
+              </a:solidFill>
+              <a:uFill>
+                <a:solidFill>
+                  <a:srgbClr val="FFFFFF"/>
+                </a:solidFill>
+              </a:uFill>
+            </a:endParaRPr>
+          </a:p>
+        </p:txBody>
+      </p:sp>
+      <p:sp>
+        <p:nvSpPr>
+          <p:cNvPr id="5" name="Rectangle 4">
+            <a:extLst>
+              <a:ext uri="{FF2B5EF4-FFF2-40B4-BE49-F238E27FC236}">
+                <a16:creationId xmlns:a16="http://schemas.microsoft.com/office/drawing/2014/main" id="{55866CE7-1408-4C8B-9C4C-0111DFD700EB}"/>
+              </a:ext>
+            </a:extLst>
+          </p:cNvPr>
+          <p:cNvSpPr/>
+          <p:nvPr/>
+        </p:nvSpPr>
+        <p:spPr>
+          <a:xfrm>
+            <a:off x="5823803" y="2985016"/>
+            <a:ext cx="6096000" cy="3570208"/>
+          </a:xfrm>
+          <a:prstGeom prst="rect">
+            <a:avLst/>
+          </a:prstGeom>
+        </p:spPr>
+        <p:txBody>
+          <a:bodyPr>
+            <a:spAutoFit/>
+          </a:bodyPr>
+          <a:lstStyle/>
+          <a:p>
+            <a:pPr>
+              <a:lnSpc>
+                <a:spcPct val="100000"/>
+              </a:lnSpc>
+            </a:pPr>
+            <a:r>
+              <a:rPr lang="en-US" spc="-1" dirty="0">
+                <a:solidFill>
+                  <a:srgbClr val="0000FF"/>
+                </a:solidFill>
+                <a:uFill>
+                  <a:solidFill>
+                    <a:srgbClr val="FFFFFF"/>
+                  </a:solidFill>
+                </a:uFill>
+                <a:latin typeface="Consolas"/>
+              </a:rPr>
+              <a:t>public</a:t>
+            </a:r>
+            <a:r>
+              <a:rPr lang="en-US" spc="-1" dirty="0">
+                <a:solidFill>
+                  <a:srgbClr val="000000"/>
+                </a:solidFill>
+                <a:uFill>
+                  <a:solidFill>
+                    <a:srgbClr val="FFFFFF"/>
+                  </a:solidFill>
+                </a:uFill>
+                <a:latin typeface="Consolas"/>
+              </a:rPr>
+              <a:t> </a:t>
+            </a:r>
+            <a:r>
+              <a:rPr lang="en-US" spc="-1" dirty="0" err="1">
+                <a:solidFill>
+                  <a:srgbClr val="2B91AF"/>
+                </a:solidFill>
+                <a:uFill>
+                  <a:solidFill>
+                    <a:srgbClr val="FFFFFF"/>
+                  </a:solidFill>
+                </a:uFill>
+                <a:latin typeface="Consolas"/>
+              </a:rPr>
+              <a:t>ActionResult</a:t>
+            </a:r>
+            <a:r>
+              <a:rPr lang="en-US" spc="-1" dirty="0">
+                <a:solidFill>
+                  <a:srgbClr val="000000"/>
+                </a:solidFill>
+                <a:uFill>
+                  <a:solidFill>
+                    <a:srgbClr val="FFFFFF"/>
+                  </a:solidFill>
+                </a:uFill>
+                <a:latin typeface="Consolas"/>
+              </a:rPr>
+              <a:t> </a:t>
+            </a:r>
+            <a:r>
+              <a:rPr lang="en-US" spc="-1" dirty="0" err="1">
+                <a:solidFill>
+                  <a:srgbClr val="000000"/>
+                </a:solidFill>
+                <a:uFill>
+                  <a:solidFill>
+                    <a:srgbClr val="FFFFFF"/>
+                  </a:solidFill>
+                </a:uFill>
+                <a:latin typeface="Consolas"/>
+              </a:rPr>
+              <a:t>SubmitFiche</a:t>
+            </a:r>
+            <a:r>
+              <a:rPr lang="en-US" spc="-1" dirty="0">
+                <a:solidFill>
+                  <a:srgbClr val="000000"/>
+                </a:solidFill>
+                <a:uFill>
+                  <a:solidFill>
+                    <a:srgbClr val="FFFFFF"/>
+                  </a:solidFill>
+                </a:uFill>
+                <a:latin typeface="Consolas"/>
+              </a:rPr>
+              <a:t>(</a:t>
+            </a:r>
+            <a:r>
+              <a:rPr lang="en-US" spc="-1" dirty="0" err="1">
+                <a:solidFill>
+                  <a:srgbClr val="2B91AF"/>
+                </a:solidFill>
+                <a:uFill>
+                  <a:solidFill>
+                    <a:srgbClr val="FFFFFF"/>
+                  </a:solidFill>
+                </a:uFill>
+                <a:latin typeface="Consolas"/>
+              </a:rPr>
+              <a:t>FormulaireUpdateLivre</a:t>
+            </a:r>
+            <a:r>
+              <a:rPr lang="en-US" spc="-1" dirty="0">
+                <a:solidFill>
+                  <a:srgbClr val="000000"/>
+                </a:solidFill>
+                <a:uFill>
+                  <a:solidFill>
+                    <a:srgbClr val="FFFFFF"/>
+                  </a:solidFill>
+                </a:uFill>
+                <a:latin typeface="Consolas"/>
+              </a:rPr>
+              <a:t> </a:t>
+            </a:r>
+            <a:r>
+              <a:rPr lang="en-US" spc="-1" dirty="0" err="1">
+                <a:solidFill>
+                  <a:srgbClr val="000000"/>
+                </a:solidFill>
+                <a:uFill>
+                  <a:solidFill>
+                    <a:srgbClr val="FFFFFF"/>
+                  </a:solidFill>
+                </a:uFill>
+                <a:latin typeface="Consolas"/>
               </a:rPr>
               <a:t>formulaire</a:t>
             </a:r>
             <a:r>
-              <a:rPr lang="en-US" sz="1600" b="0" kern="1200" dirty="0">
-                <a:solidFill>
-                  <a:schemeClr val="tx1"/>
-                </a:solidFill>
-                <a:effectLst/>
-                <a:latin typeface="+mn-lt"/>
-                <a:ea typeface="+mn-ea"/>
-                <a:cs typeface="+mn-cs"/>
+              <a:rPr lang="en-US" spc="-1" dirty="0">
+                <a:solidFill>
+                  <a:srgbClr val="000000"/>
+                </a:solidFill>
+                <a:uFill>
+                  <a:solidFill>
+                    <a:srgbClr val="FFFFFF"/>
+                  </a:solidFill>
+                </a:uFill>
+                <a:latin typeface="Consolas"/>
+              </a:rPr>
+              <a:t>)</a:t>
+            </a:r>
+            <a:endParaRPr lang="en-US" sz="2800" spc="-1" dirty="0">
+              <a:solidFill>
+                <a:srgbClr val="000000"/>
+              </a:solidFill>
+              <a:uFill>
+                <a:solidFill>
+                  <a:srgbClr val="FFFFFF"/>
+                </a:solidFill>
+              </a:uFill>
+            </a:endParaRPr>
+          </a:p>
+          <a:p>
+            <a:pPr>
+              <a:lnSpc>
+                <a:spcPct val="100000"/>
+              </a:lnSpc>
+            </a:pPr>
+            <a:r>
+              <a:rPr lang="en-US" spc="-1" dirty="0">
+                <a:solidFill>
+                  <a:srgbClr val="000000"/>
+                </a:solidFill>
+                <a:uFill>
+                  <a:solidFill>
+                    <a:srgbClr val="FFFFFF"/>
+                  </a:solidFill>
+                </a:uFill>
+                <a:latin typeface="Consolas"/>
+              </a:rPr>
+              <a:t>{</a:t>
+            </a:r>
+            <a:endParaRPr lang="en-US" sz="2800" spc="-1" dirty="0">
+              <a:solidFill>
+                <a:srgbClr val="000000"/>
+              </a:solidFill>
+              <a:uFill>
+                <a:solidFill>
+                  <a:srgbClr val="FFFFFF"/>
+                </a:solidFill>
+              </a:uFill>
+            </a:endParaRPr>
+          </a:p>
+          <a:p>
+            <a:pPr>
+              <a:lnSpc>
+                <a:spcPct val="100000"/>
+              </a:lnSpc>
+            </a:pPr>
+            <a:r>
+              <a:rPr lang="en-US" spc="-1" dirty="0">
+                <a:solidFill>
+                  <a:srgbClr val="000000"/>
+                </a:solidFill>
+                <a:uFill>
+                  <a:solidFill>
+                    <a:srgbClr val="FFFFFF"/>
+                  </a:solidFill>
+                </a:uFill>
+                <a:latin typeface="Consolas"/>
+              </a:rPr>
+              <a:t>    </a:t>
+            </a:r>
+            <a:r>
+              <a:rPr lang="en-US" spc="-1" dirty="0">
+                <a:solidFill>
+                  <a:srgbClr val="2B91AF"/>
+                </a:solidFill>
+                <a:uFill>
+                  <a:solidFill>
+                    <a:srgbClr val="FFFFFF"/>
+                  </a:solidFill>
+                </a:uFill>
+                <a:latin typeface="Consolas"/>
+              </a:rPr>
+              <a:t>DAL</a:t>
+            </a:r>
+            <a:r>
+              <a:rPr lang="en-US" spc="-1" dirty="0">
+                <a:solidFill>
+                  <a:srgbClr val="000000"/>
+                </a:solidFill>
+                <a:uFill>
+                  <a:solidFill>
+                    <a:srgbClr val="FFFFFF"/>
+                  </a:solidFill>
+                </a:uFill>
+                <a:latin typeface="Consolas"/>
               </a:rPr>
               <a:t> </a:t>
             </a:r>
             <a:r>
-              <a:rPr lang="en-US" sz="1600" b="0" kern="1200" dirty="0" err="1">
-                <a:solidFill>
-                  <a:schemeClr val="tx1"/>
-                </a:solidFill>
-                <a:effectLst/>
-                <a:latin typeface="+mn-lt"/>
-                <a:ea typeface="+mn-ea"/>
-                <a:cs typeface="+mn-cs"/>
-              </a:rPr>
-              <a:t>correspondant</a:t>
-            </a:r>
-            <a:r>
-              <a:rPr lang="en-US" sz="1600" b="0" kern="1200" dirty="0">
-                <a:solidFill>
-                  <a:schemeClr val="tx1"/>
-                </a:solidFill>
-                <a:effectLst/>
-                <a:latin typeface="+mn-lt"/>
-                <a:ea typeface="+mn-ea"/>
-                <a:cs typeface="+mn-cs"/>
-              </a:rPr>
-              <a:t> à </a:t>
-            </a:r>
-            <a:r>
-              <a:rPr lang="en-US" sz="1600" b="0" kern="1200" dirty="0" err="1">
-                <a:solidFill>
-                  <a:schemeClr val="tx1"/>
-                </a:solidFill>
-                <a:effectLst/>
-                <a:latin typeface="+mn-lt"/>
-                <a:ea typeface="+mn-ea"/>
-                <a:cs typeface="+mn-cs"/>
-              </a:rPr>
-              <a:t>une</a:t>
-            </a:r>
-            <a:r>
-              <a:rPr lang="en-US" sz="1600" b="0" kern="1200" dirty="0">
-                <a:solidFill>
-                  <a:schemeClr val="tx1"/>
-                </a:solidFill>
-                <a:effectLst/>
-                <a:latin typeface="+mn-lt"/>
-                <a:ea typeface="+mn-ea"/>
-                <a:cs typeface="+mn-cs"/>
+              <a:rPr lang="en-US" spc="-1" dirty="0" err="1">
+                <a:solidFill>
+                  <a:srgbClr val="000000"/>
+                </a:solidFill>
+                <a:uFill>
+                  <a:solidFill>
+                    <a:srgbClr val="FFFFFF"/>
+                  </a:solidFill>
+                </a:uFill>
+                <a:latin typeface="Consolas"/>
+              </a:rPr>
+              <a:t>dal</a:t>
+            </a:r>
+            <a:r>
+              <a:rPr lang="en-US" spc="-1" dirty="0">
+                <a:solidFill>
+                  <a:srgbClr val="000000"/>
+                </a:solidFill>
+                <a:uFill>
+                  <a:solidFill>
+                    <a:srgbClr val="FFFFFF"/>
+                  </a:solidFill>
+                </a:uFill>
+                <a:latin typeface="Consolas"/>
+              </a:rPr>
+              <a:t> = </a:t>
+            </a:r>
+            <a:r>
+              <a:rPr lang="en-US" spc="-1" dirty="0">
+                <a:solidFill>
+                  <a:srgbClr val="0000FF"/>
+                </a:solidFill>
+                <a:uFill>
+                  <a:solidFill>
+                    <a:srgbClr val="FFFFFF"/>
+                  </a:solidFill>
+                </a:uFill>
+                <a:latin typeface="Consolas"/>
+              </a:rPr>
+              <a:t>new</a:t>
+            </a:r>
+            <a:r>
+              <a:rPr lang="en-US" spc="-1" dirty="0">
+                <a:solidFill>
+                  <a:srgbClr val="000000"/>
+                </a:solidFill>
+                <a:uFill>
+                  <a:solidFill>
+                    <a:srgbClr val="FFFFFF"/>
+                  </a:solidFill>
+                </a:uFill>
+                <a:latin typeface="Consolas"/>
               </a:rPr>
               <a:t> </a:t>
             </a:r>
             <a:r>
-              <a:rPr lang="en-US" sz="1600" b="0" kern="1200" dirty="0" err="1">
-                <a:solidFill>
-                  <a:schemeClr val="tx1"/>
-                </a:solidFill>
-                <a:effectLst/>
-                <a:latin typeface="+mn-lt"/>
-                <a:ea typeface="+mn-ea"/>
-                <a:cs typeface="+mn-cs"/>
-              </a:rPr>
-              <a:t>propriété</a:t>
-            </a:r>
-            <a:r>
-              <a:rPr lang="en-US" sz="1600" b="0" kern="1200" dirty="0">
-                <a:solidFill>
-                  <a:schemeClr val="tx1"/>
-                </a:solidFill>
-                <a:effectLst/>
-                <a:latin typeface="+mn-lt"/>
-                <a:ea typeface="+mn-ea"/>
-                <a:cs typeface="+mn-cs"/>
+              <a:rPr lang="en-US" spc="-1" dirty="0">
+                <a:solidFill>
+                  <a:srgbClr val="2B91AF"/>
+                </a:solidFill>
+                <a:uFill>
+                  <a:solidFill>
+                    <a:srgbClr val="FFFFFF"/>
+                  </a:solidFill>
+                </a:uFill>
+                <a:latin typeface="Consolas"/>
+              </a:rPr>
+              <a:t>DAL</a:t>
+            </a:r>
+            <a:r>
+              <a:rPr lang="en-US" spc="-1" dirty="0">
+                <a:solidFill>
+                  <a:srgbClr val="000000"/>
+                </a:solidFill>
+                <a:uFill>
+                  <a:solidFill>
+                    <a:srgbClr val="FFFFFF"/>
+                  </a:solidFill>
+                </a:uFill>
+                <a:latin typeface="Consolas"/>
+              </a:rPr>
+              <a:t>();</a:t>
+            </a:r>
+            <a:endParaRPr lang="en-US" sz="2800" spc="-1" dirty="0">
+              <a:solidFill>
+                <a:srgbClr val="000000"/>
+              </a:solidFill>
+              <a:uFill>
+                <a:solidFill>
+                  <a:srgbClr val="FFFFFF"/>
+                </a:solidFill>
+              </a:uFill>
+            </a:endParaRPr>
+          </a:p>
+          <a:p>
+            <a:pPr>
+              <a:lnSpc>
+                <a:spcPct val="100000"/>
+              </a:lnSpc>
+            </a:pPr>
+            <a:r>
+              <a:rPr lang="en-US" spc="-1" dirty="0">
+                <a:solidFill>
+                  <a:srgbClr val="000000"/>
+                </a:solidFill>
+                <a:uFill>
+                  <a:solidFill>
+                    <a:srgbClr val="FFFFFF"/>
+                  </a:solidFill>
+                </a:uFill>
+                <a:latin typeface="Consolas"/>
+              </a:rPr>
+              <a:t>    </a:t>
+            </a:r>
+            <a:r>
+              <a:rPr lang="en-US" spc="-1" dirty="0">
+                <a:solidFill>
+                  <a:srgbClr val="2B91AF"/>
+                </a:solidFill>
+                <a:uFill>
+                  <a:solidFill>
+                    <a:srgbClr val="FFFFFF"/>
+                  </a:solidFill>
+                </a:uFill>
+                <a:latin typeface="Consolas"/>
+              </a:rPr>
+              <a:t>Livre</a:t>
+            </a:r>
+            <a:r>
+              <a:rPr lang="en-US" spc="-1" dirty="0">
+                <a:solidFill>
+                  <a:srgbClr val="000000"/>
+                </a:solidFill>
+                <a:uFill>
+                  <a:solidFill>
+                    <a:srgbClr val="FFFFFF"/>
+                  </a:solidFill>
+                </a:uFill>
+                <a:latin typeface="Consolas"/>
               </a:rPr>
               <a:t> </a:t>
             </a:r>
             <a:r>
-              <a:rPr lang="en-US" sz="1600" b="0" kern="1200" dirty="0" err="1">
-                <a:solidFill>
-                  <a:schemeClr val="tx1"/>
-                </a:solidFill>
-                <a:effectLst/>
-                <a:latin typeface="+mn-lt"/>
-                <a:ea typeface="+mn-ea"/>
-                <a:cs typeface="+mn-cs"/>
-              </a:rPr>
-              <a:t>dans</a:t>
-            </a:r>
-            <a:r>
-              <a:rPr lang="en-US" sz="1600" b="0" kern="1200" dirty="0">
-                <a:solidFill>
-                  <a:schemeClr val="tx1"/>
-                </a:solidFill>
-                <a:effectLst/>
-                <a:latin typeface="+mn-lt"/>
-                <a:ea typeface="+mn-ea"/>
-                <a:cs typeface="+mn-cs"/>
-              </a:rPr>
-              <a:t> la </a:t>
-            </a:r>
-            <a:r>
-              <a:rPr lang="en-US" sz="1600" b="0" kern="1200" dirty="0" err="1">
-                <a:solidFill>
-                  <a:schemeClr val="tx1"/>
-                </a:solidFill>
-                <a:effectLst/>
-                <a:latin typeface="+mn-lt"/>
-                <a:ea typeface="+mn-ea"/>
-                <a:cs typeface="+mn-cs"/>
-              </a:rPr>
-              <a:t>classe</a:t>
-            </a:r>
-            <a:r>
-              <a:rPr lang="en-US" sz="1600" b="0" kern="1200" dirty="0">
-                <a:solidFill>
-                  <a:schemeClr val="tx1"/>
-                </a:solidFill>
-                <a:effectLst/>
-                <a:latin typeface="+mn-lt"/>
-                <a:ea typeface="+mn-ea"/>
-                <a:cs typeface="+mn-cs"/>
-              </a:rPr>
-              <a:t> le </a:t>
-            </a:r>
-            <a:r>
-              <a:rPr lang="en-US" sz="1600" b="0" kern="1200" dirty="0" err="1">
-                <a:solidFill>
-                  <a:schemeClr val="tx1"/>
-                </a:solidFill>
-                <a:effectLst/>
-                <a:latin typeface="+mn-lt"/>
-                <a:ea typeface="+mn-ea"/>
-                <a:cs typeface="+mn-cs"/>
-              </a:rPr>
-              <a:t>représentant</a:t>
-            </a:r>
-            <a:endParaRPr lang="fr-FR" dirty="0">
-              <a:effectLst/>
+              <a:rPr lang="en-US" spc="-1" dirty="0" err="1">
+                <a:solidFill>
+                  <a:srgbClr val="000000"/>
+                </a:solidFill>
+                <a:uFill>
+                  <a:solidFill>
+                    <a:srgbClr val="FFFFFF"/>
+                  </a:solidFill>
+                </a:uFill>
+                <a:latin typeface="Consolas"/>
+              </a:rPr>
+              <a:t>livre</a:t>
+            </a:r>
+            <a:r>
+              <a:rPr lang="en-US" spc="-1" dirty="0">
+                <a:solidFill>
+                  <a:srgbClr val="000000"/>
+                </a:solidFill>
+                <a:uFill>
+                  <a:solidFill>
+                    <a:srgbClr val="FFFFFF"/>
+                  </a:solidFill>
+                </a:uFill>
+                <a:latin typeface="Consolas"/>
+              </a:rPr>
+              <a:t> = </a:t>
+            </a:r>
+            <a:r>
+              <a:rPr lang="en-US" spc="-1" dirty="0" err="1">
+                <a:solidFill>
+                  <a:srgbClr val="000000"/>
+                </a:solidFill>
+                <a:uFill>
+                  <a:solidFill>
+                    <a:srgbClr val="FFFFFF"/>
+                  </a:solidFill>
+                </a:uFill>
+                <a:latin typeface="Consolas"/>
+              </a:rPr>
+              <a:t>dal.GetLivreByID</a:t>
+            </a:r>
+            <a:r>
+              <a:rPr lang="en-US" spc="-1" dirty="0">
+                <a:solidFill>
+                  <a:srgbClr val="000000"/>
+                </a:solidFill>
+                <a:uFill>
+                  <a:solidFill>
+                    <a:srgbClr val="FFFFFF"/>
+                  </a:solidFill>
+                </a:uFill>
+                <a:latin typeface="Consolas"/>
+              </a:rPr>
+              <a:t>(</a:t>
+            </a:r>
+            <a:r>
+              <a:rPr lang="en-US" spc="-1" dirty="0" err="1">
+                <a:solidFill>
+                  <a:srgbClr val="000000"/>
+                </a:solidFill>
+                <a:uFill>
+                  <a:solidFill>
+                    <a:srgbClr val="FFFFFF"/>
+                  </a:solidFill>
+                </a:uFill>
+                <a:latin typeface="Consolas"/>
+              </a:rPr>
+              <a:t>formulaire.LivreID</a:t>
+            </a:r>
+            <a:r>
+              <a:rPr lang="en-US" spc="-1" dirty="0">
+                <a:solidFill>
+                  <a:srgbClr val="000000"/>
+                </a:solidFill>
+                <a:uFill>
+                  <a:solidFill>
+                    <a:srgbClr val="FFFFFF"/>
+                  </a:solidFill>
+                </a:uFill>
+                <a:latin typeface="Consolas"/>
+              </a:rPr>
+              <a:t>);</a:t>
+            </a:r>
+            <a:endParaRPr lang="en-US" sz="2800" spc="-1" dirty="0">
+              <a:solidFill>
+                <a:srgbClr val="000000"/>
+              </a:solidFill>
+              <a:uFill>
+                <a:solidFill>
+                  <a:srgbClr val="FFFFFF"/>
+                </a:solidFill>
+              </a:uFill>
             </a:endParaRPr>
           </a:p>
           <a:p>
-            <a:pPr rtl="0" eaLnBrk="1" latinLnBrk="0" hangingPunct="1"/>
-            <a:r>
-              <a:rPr lang="en-US" sz="1800" b="0" kern="1200" dirty="0" err="1">
-                <a:solidFill>
-                  <a:schemeClr val="tx1"/>
-                </a:solidFill>
-                <a:effectLst/>
-                <a:latin typeface="+mn-lt"/>
-                <a:ea typeface="+mn-ea"/>
-                <a:cs typeface="+mn-cs"/>
-              </a:rPr>
-              <a:t>Puis</a:t>
-            </a:r>
-            <a:r>
-              <a:rPr lang="en-US" sz="1800" b="0" kern="1200" dirty="0">
-                <a:solidFill>
-                  <a:schemeClr val="tx1"/>
-                </a:solidFill>
-                <a:effectLst/>
-                <a:latin typeface="+mn-lt"/>
-                <a:ea typeface="+mn-ea"/>
-                <a:cs typeface="+mn-cs"/>
-              </a:rPr>
-              <a:t> à </a:t>
-            </a:r>
-            <a:r>
-              <a:rPr lang="en-US" sz="1800" b="0" kern="1200" dirty="0" err="1">
-                <a:solidFill>
-                  <a:schemeClr val="tx1"/>
-                </a:solidFill>
-                <a:effectLst/>
-                <a:latin typeface="+mn-lt"/>
-                <a:ea typeface="+mn-ea"/>
-                <a:cs typeface="+mn-cs"/>
-              </a:rPr>
-              <a:t>spécifier</a:t>
-            </a:r>
-            <a:r>
-              <a:rPr lang="en-US" sz="1800" b="0" kern="1200" dirty="0">
-                <a:solidFill>
-                  <a:schemeClr val="tx1"/>
-                </a:solidFill>
-                <a:effectLst/>
-                <a:latin typeface="+mn-lt"/>
-                <a:ea typeface="+mn-ea"/>
-                <a:cs typeface="+mn-cs"/>
-              </a:rPr>
-              <a:t> un unique </a:t>
-            </a:r>
-            <a:r>
-              <a:rPr lang="en-US" sz="1800" b="0" kern="1200" dirty="0" err="1">
-                <a:solidFill>
-                  <a:schemeClr val="tx1"/>
-                </a:solidFill>
-                <a:effectLst/>
-                <a:latin typeface="+mn-lt"/>
-                <a:ea typeface="+mn-ea"/>
-                <a:cs typeface="+mn-cs"/>
-              </a:rPr>
-              <a:t>paramètre</a:t>
-            </a:r>
-            <a:r>
-              <a:rPr lang="en-US" sz="1800" b="0" kern="1200" dirty="0">
-                <a:solidFill>
-                  <a:schemeClr val="tx1"/>
-                </a:solidFill>
-                <a:effectLst/>
-                <a:latin typeface="+mn-lt"/>
-                <a:ea typeface="+mn-ea"/>
-                <a:cs typeface="+mn-cs"/>
-              </a:rPr>
-              <a:t> à </a:t>
-            </a:r>
-            <a:r>
-              <a:rPr lang="en-US" sz="1800" b="0" kern="1200" dirty="0" err="1">
-                <a:solidFill>
-                  <a:schemeClr val="tx1"/>
-                </a:solidFill>
-                <a:effectLst/>
-                <a:latin typeface="+mn-lt"/>
-                <a:ea typeface="+mn-ea"/>
-                <a:cs typeface="+mn-cs"/>
-              </a:rPr>
-              <a:t>l’action</a:t>
-            </a:r>
-            <a:r>
-              <a:rPr lang="en-US" sz="1800" b="0" kern="1200" dirty="0">
-                <a:solidFill>
-                  <a:schemeClr val="tx1"/>
-                </a:solidFill>
-                <a:effectLst/>
-                <a:latin typeface="+mn-lt"/>
-                <a:ea typeface="+mn-ea"/>
-                <a:cs typeface="+mn-cs"/>
+            <a:pPr>
+              <a:lnSpc>
+                <a:spcPct val="100000"/>
+              </a:lnSpc>
+            </a:pPr>
+            <a:r>
+              <a:rPr lang="en-US" spc="-1" dirty="0">
+                <a:solidFill>
+                  <a:srgbClr val="000000"/>
+                </a:solidFill>
+                <a:uFill>
+                  <a:solidFill>
+                    <a:srgbClr val="FFFFFF"/>
+                  </a:solidFill>
+                </a:uFill>
+                <a:latin typeface="Consolas"/>
+              </a:rPr>
+              <a:t>    </a:t>
+            </a:r>
+            <a:r>
+              <a:rPr lang="en-US" spc="-1" dirty="0" err="1">
+                <a:solidFill>
+                  <a:srgbClr val="000000"/>
+                </a:solidFill>
+                <a:uFill>
+                  <a:solidFill>
+                    <a:srgbClr val="FFFFFF"/>
+                  </a:solidFill>
+                </a:uFill>
+                <a:latin typeface="Consolas"/>
+              </a:rPr>
+              <a:t>livre.Titre</a:t>
+            </a:r>
+            <a:r>
+              <a:rPr lang="en-US" spc="-1" dirty="0">
+                <a:solidFill>
+                  <a:srgbClr val="000000"/>
+                </a:solidFill>
+                <a:uFill>
+                  <a:solidFill>
+                    <a:srgbClr val="FFFFFF"/>
+                  </a:solidFill>
+                </a:uFill>
+                <a:latin typeface="Consolas"/>
+              </a:rPr>
+              <a:t> = </a:t>
+            </a:r>
+            <a:r>
+              <a:rPr lang="en-US" spc="-1" dirty="0" err="1">
+                <a:solidFill>
+                  <a:srgbClr val="000000"/>
+                </a:solidFill>
+                <a:uFill>
+                  <a:solidFill>
+                    <a:srgbClr val="FFFFFF"/>
+                  </a:solidFill>
+                </a:uFill>
+                <a:latin typeface="Consolas"/>
+              </a:rPr>
+              <a:t>formulaire.Titre</a:t>
+            </a:r>
+            <a:r>
+              <a:rPr lang="en-US" spc="-1" dirty="0">
+                <a:solidFill>
+                  <a:srgbClr val="000000"/>
+                </a:solidFill>
+                <a:uFill>
+                  <a:solidFill>
+                    <a:srgbClr val="FFFFFF"/>
+                  </a:solidFill>
+                </a:uFill>
+                <a:latin typeface="Consolas"/>
+              </a:rPr>
+              <a:t>;</a:t>
+            </a:r>
+            <a:endParaRPr lang="en-US" sz="2800" spc="-1" dirty="0">
+              <a:solidFill>
+                <a:srgbClr val="000000"/>
+              </a:solidFill>
+              <a:uFill>
+                <a:solidFill>
+                  <a:srgbClr val="FFFFFF"/>
+                </a:solidFill>
+              </a:uFill>
+            </a:endParaRPr>
+          </a:p>
+          <a:p>
+            <a:pPr>
+              <a:lnSpc>
+                <a:spcPct val="100000"/>
+              </a:lnSpc>
+            </a:pPr>
+            <a:r>
+              <a:rPr lang="en-US" spc="-1" dirty="0">
+                <a:solidFill>
+                  <a:srgbClr val="000000"/>
+                </a:solidFill>
+                <a:uFill>
+                  <a:solidFill>
+                    <a:srgbClr val="FFFFFF"/>
+                  </a:solidFill>
+                </a:uFill>
+                <a:latin typeface="Consolas"/>
+              </a:rPr>
+              <a:t>    </a:t>
+            </a:r>
+            <a:r>
+              <a:rPr lang="en-US" spc="-1" dirty="0" err="1">
+                <a:solidFill>
+                  <a:srgbClr val="000000"/>
+                </a:solidFill>
+                <a:uFill>
+                  <a:solidFill>
+                    <a:srgbClr val="FFFFFF"/>
+                  </a:solidFill>
+                </a:uFill>
+                <a:latin typeface="Consolas"/>
+              </a:rPr>
+              <a:t>livre.Auteur</a:t>
+            </a:r>
+            <a:r>
+              <a:rPr lang="en-US" spc="-1" dirty="0">
+                <a:solidFill>
+                  <a:srgbClr val="000000"/>
+                </a:solidFill>
+                <a:uFill>
+                  <a:solidFill>
+                    <a:srgbClr val="FFFFFF"/>
+                  </a:solidFill>
+                </a:uFill>
+                <a:latin typeface="Consolas"/>
+              </a:rPr>
+              <a:t> = </a:t>
+            </a:r>
+            <a:r>
+              <a:rPr lang="en-US" spc="-1" dirty="0" err="1">
+                <a:solidFill>
+                  <a:srgbClr val="000000"/>
+                </a:solidFill>
+                <a:uFill>
+                  <a:solidFill>
+                    <a:srgbClr val="FFFFFF"/>
+                  </a:solidFill>
+                </a:uFill>
+                <a:latin typeface="Consolas"/>
+              </a:rPr>
+              <a:t>formulaire.Auteur</a:t>
+            </a:r>
+            <a:r>
+              <a:rPr lang="en-US" spc="-1" dirty="0">
+                <a:solidFill>
+                  <a:srgbClr val="000000"/>
+                </a:solidFill>
+                <a:uFill>
+                  <a:solidFill>
+                    <a:srgbClr val="FFFFFF"/>
+                  </a:solidFill>
+                </a:uFill>
+                <a:latin typeface="Consolas"/>
+              </a:rPr>
+              <a:t>;</a:t>
+            </a:r>
+            <a:endParaRPr lang="en-US" sz="2800" spc="-1" dirty="0">
+              <a:solidFill>
+                <a:srgbClr val="000000"/>
+              </a:solidFill>
+              <a:uFill>
+                <a:solidFill>
+                  <a:srgbClr val="FFFFFF"/>
+                </a:solidFill>
+              </a:uFill>
+            </a:endParaRPr>
+          </a:p>
+          <a:p>
+            <a:pPr>
+              <a:lnSpc>
+                <a:spcPct val="100000"/>
+              </a:lnSpc>
+            </a:pPr>
+            <a:r>
+              <a:rPr lang="en-US" spc="-1" dirty="0">
+                <a:solidFill>
+                  <a:srgbClr val="000000"/>
+                </a:solidFill>
+                <a:uFill>
+                  <a:solidFill>
+                    <a:srgbClr val="FFFFFF"/>
+                  </a:solidFill>
+                </a:uFill>
+                <a:latin typeface="Consolas"/>
+              </a:rPr>
+              <a:t>    </a:t>
+            </a:r>
+            <a:r>
+              <a:rPr lang="en-US" spc="-1" dirty="0" err="1">
+                <a:solidFill>
+                  <a:srgbClr val="000000"/>
+                </a:solidFill>
+                <a:uFill>
+                  <a:solidFill>
+                    <a:srgbClr val="FFFFFF"/>
+                  </a:solidFill>
+                </a:uFill>
+                <a:latin typeface="Consolas"/>
+              </a:rPr>
+              <a:t>dal.UpdateLivre</a:t>
+            </a:r>
+            <a:r>
+              <a:rPr lang="en-US" spc="-1" dirty="0">
+                <a:solidFill>
+                  <a:srgbClr val="000000"/>
+                </a:solidFill>
+                <a:uFill>
+                  <a:solidFill>
+                    <a:srgbClr val="FFFFFF"/>
+                  </a:solidFill>
+                </a:uFill>
+                <a:latin typeface="Consolas"/>
+              </a:rPr>
+              <a:t>(livre);</a:t>
+            </a:r>
+            <a:endParaRPr lang="en-US" sz="2800" spc="-1" dirty="0">
+              <a:solidFill>
+                <a:srgbClr val="000000"/>
+              </a:solidFill>
+              <a:uFill>
+                <a:solidFill>
+                  <a:srgbClr val="FFFFFF"/>
+                </a:solidFill>
+              </a:uFill>
+            </a:endParaRPr>
+          </a:p>
+          <a:p>
+            <a:pPr>
+              <a:lnSpc>
+                <a:spcPct val="100000"/>
+              </a:lnSpc>
+            </a:pPr>
+            <a:endParaRPr lang="en-US" sz="2800" spc="-1" dirty="0">
+              <a:solidFill>
+                <a:srgbClr val="000000"/>
+              </a:solidFill>
+              <a:uFill>
+                <a:solidFill>
+                  <a:srgbClr val="FFFFFF"/>
+                </a:solidFill>
+              </a:uFill>
+            </a:endParaRPr>
+          </a:p>
+          <a:p>
+            <a:pPr>
+              <a:lnSpc>
+                <a:spcPct val="100000"/>
+              </a:lnSpc>
+            </a:pPr>
+            <a:r>
+              <a:rPr lang="en-US" spc="-1" dirty="0">
+                <a:solidFill>
+                  <a:srgbClr val="000000"/>
+                </a:solidFill>
+                <a:uFill>
+                  <a:solidFill>
+                    <a:srgbClr val="FFFFFF"/>
+                  </a:solidFill>
+                </a:uFill>
+                <a:latin typeface="Consolas"/>
+              </a:rPr>
+              <a:t>    </a:t>
+            </a:r>
+            <a:r>
+              <a:rPr lang="en-US" spc="-1" dirty="0">
+                <a:solidFill>
+                  <a:srgbClr val="0000FF"/>
+                </a:solidFill>
+                <a:uFill>
+                  <a:solidFill>
+                    <a:srgbClr val="FFFFFF"/>
+                  </a:solidFill>
+                </a:uFill>
+                <a:latin typeface="Consolas"/>
+              </a:rPr>
+              <a:t>return</a:t>
+            </a:r>
+            <a:r>
+              <a:rPr lang="en-US" spc="-1" dirty="0">
+                <a:solidFill>
+                  <a:srgbClr val="000000"/>
+                </a:solidFill>
+                <a:uFill>
+                  <a:solidFill>
+                    <a:srgbClr val="FFFFFF"/>
+                  </a:solidFill>
+                </a:uFill>
+                <a:latin typeface="Consolas"/>
               </a:rPr>
               <a:t> </a:t>
             </a:r>
             <a:r>
-              <a:rPr lang="en-US" sz="1800" b="0" kern="1200" dirty="0" err="1">
-                <a:solidFill>
-                  <a:schemeClr val="tx1"/>
-                </a:solidFill>
-                <a:effectLst/>
-                <a:latin typeface="+mn-lt"/>
-                <a:ea typeface="+mn-ea"/>
-                <a:cs typeface="+mn-cs"/>
-              </a:rPr>
-              <a:t>dont</a:t>
-            </a:r>
-            <a:r>
-              <a:rPr lang="en-US" sz="1800" b="0" kern="1200" dirty="0">
-                <a:solidFill>
-                  <a:schemeClr val="tx1"/>
-                </a:solidFill>
-                <a:effectLst/>
-                <a:latin typeface="+mn-lt"/>
-                <a:ea typeface="+mn-ea"/>
-                <a:cs typeface="+mn-cs"/>
-              </a:rPr>
-              <a:t> le type correspond à la </a:t>
-            </a:r>
-            <a:r>
-              <a:rPr lang="en-US" sz="1800" b="0" kern="1200" dirty="0" err="1">
-                <a:solidFill>
-                  <a:schemeClr val="tx1"/>
-                </a:solidFill>
-                <a:effectLst/>
-                <a:latin typeface="+mn-lt"/>
-                <a:ea typeface="+mn-ea"/>
-                <a:cs typeface="+mn-cs"/>
-              </a:rPr>
-              <a:t>classe</a:t>
-            </a:r>
-            <a:r>
-              <a:rPr lang="en-US" sz="1800" b="0" kern="1200" dirty="0">
-                <a:solidFill>
-                  <a:schemeClr val="tx1"/>
-                </a:solidFill>
-                <a:effectLst/>
-                <a:latin typeface="+mn-lt"/>
-                <a:ea typeface="+mn-ea"/>
-                <a:cs typeface="+mn-cs"/>
-              </a:rPr>
-              <a:t> </a:t>
-            </a:r>
-            <a:r>
-              <a:rPr lang="en-US" sz="1800" b="0" kern="1200" dirty="0" err="1">
-                <a:solidFill>
-                  <a:schemeClr val="tx1"/>
-                </a:solidFill>
-                <a:effectLst/>
-                <a:latin typeface="+mn-lt"/>
-                <a:ea typeface="+mn-ea"/>
-                <a:cs typeface="+mn-cs"/>
-              </a:rPr>
-              <a:t>développée</a:t>
-            </a:r>
-            <a:endParaRPr lang="fr-FR" dirty="0">
-              <a:effectLst/>
+              <a:rPr lang="en-US" spc="-1" dirty="0" err="1">
+                <a:solidFill>
+                  <a:srgbClr val="000000"/>
+                </a:solidFill>
+                <a:uFill>
+                  <a:solidFill>
+                    <a:srgbClr val="FFFFFF"/>
+                  </a:solidFill>
+                </a:uFill>
+                <a:latin typeface="Consolas"/>
+              </a:rPr>
+              <a:t>RedirectToAction</a:t>
+            </a:r>
+            <a:r>
+              <a:rPr lang="en-US" spc="-1" dirty="0">
+                <a:solidFill>
+                  <a:srgbClr val="000000"/>
+                </a:solidFill>
+                <a:uFill>
+                  <a:solidFill>
+                    <a:srgbClr val="FFFFFF"/>
+                  </a:solidFill>
+                </a:uFill>
+                <a:latin typeface="Consolas"/>
+              </a:rPr>
+              <a:t>(</a:t>
+            </a:r>
+            <a:r>
+              <a:rPr lang="en-US" spc="-1" dirty="0">
+                <a:solidFill>
+                  <a:srgbClr val="A31515"/>
+                </a:solidFill>
+                <a:uFill>
+                  <a:solidFill>
+                    <a:srgbClr val="FFFFFF"/>
+                  </a:solidFill>
+                </a:uFill>
+                <a:latin typeface="Consolas"/>
+              </a:rPr>
+              <a:t>"Index"</a:t>
+            </a:r>
+            <a:r>
+              <a:rPr lang="en-US" spc="-1" dirty="0">
+                <a:solidFill>
+                  <a:srgbClr val="000000"/>
+                </a:solidFill>
+                <a:uFill>
+                  <a:solidFill>
+                    <a:srgbClr val="FFFFFF"/>
+                  </a:solidFill>
+                </a:uFill>
+                <a:latin typeface="Consolas"/>
+              </a:rPr>
+              <a:t>); </a:t>
+            </a:r>
+            <a:endParaRPr lang="en-US" sz="2800" spc="-1" dirty="0">
+              <a:solidFill>
+                <a:srgbClr val="000000"/>
+              </a:solidFill>
+              <a:uFill>
+                <a:solidFill>
+                  <a:srgbClr val="FFFFFF"/>
+                </a:solidFill>
+              </a:uFill>
             </a:endParaRPr>
           </a:p>
           <a:p>
-            <a:pPr lvl="1" rtl="0" eaLnBrk="1" latinLnBrk="0" hangingPunct="1"/>
-            <a:r>
-              <a:rPr lang="en-US" sz="1600" b="0" kern="1200" dirty="0" err="1">
-                <a:solidFill>
-                  <a:schemeClr val="tx1"/>
-                </a:solidFill>
-                <a:effectLst/>
-                <a:latin typeface="+mn-lt"/>
-                <a:ea typeface="+mn-ea"/>
-                <a:cs typeface="+mn-cs"/>
-              </a:rPr>
-              <a:t>ASP.Net</a:t>
-            </a:r>
-            <a:r>
-              <a:rPr lang="en-US" sz="1600" b="0" kern="1200" dirty="0">
-                <a:solidFill>
-                  <a:schemeClr val="tx1"/>
-                </a:solidFill>
-                <a:effectLst/>
-                <a:latin typeface="+mn-lt"/>
-                <a:ea typeface="+mn-ea"/>
-                <a:cs typeface="+mn-cs"/>
-              </a:rPr>
-              <a:t> MVC </a:t>
-            </a:r>
-            <a:r>
-              <a:rPr lang="en-US" sz="1600" b="0" kern="1200" dirty="0" err="1">
-                <a:solidFill>
-                  <a:schemeClr val="tx1"/>
-                </a:solidFill>
-                <a:effectLst/>
-                <a:latin typeface="+mn-lt"/>
-                <a:ea typeface="+mn-ea"/>
-                <a:cs typeface="+mn-cs"/>
-              </a:rPr>
-              <a:t>fera</a:t>
-            </a:r>
-            <a:r>
-              <a:rPr lang="en-US" sz="1600" b="0" kern="1200" dirty="0">
-                <a:solidFill>
-                  <a:schemeClr val="tx1"/>
-                </a:solidFill>
-                <a:effectLst/>
-                <a:latin typeface="+mn-lt"/>
-                <a:ea typeface="+mn-ea"/>
-                <a:cs typeface="+mn-cs"/>
-              </a:rPr>
-              <a:t> </a:t>
-            </a:r>
-            <a:r>
-              <a:rPr lang="en-US" sz="1600" b="0" kern="1200" dirty="0" err="1">
-                <a:solidFill>
-                  <a:schemeClr val="tx1"/>
-                </a:solidFill>
-                <a:effectLst/>
-                <a:latin typeface="+mn-lt"/>
-                <a:ea typeface="+mn-ea"/>
-                <a:cs typeface="+mn-cs"/>
-              </a:rPr>
-              <a:t>lui-même</a:t>
-            </a:r>
-            <a:r>
-              <a:rPr lang="en-US" sz="1600" b="0" kern="1200" dirty="0">
-                <a:solidFill>
-                  <a:schemeClr val="tx1"/>
-                </a:solidFill>
-                <a:effectLst/>
-                <a:latin typeface="+mn-lt"/>
-                <a:ea typeface="+mn-ea"/>
-                <a:cs typeface="+mn-cs"/>
-              </a:rPr>
-              <a:t> la « </a:t>
-            </a:r>
-            <a:r>
-              <a:rPr lang="en-US" sz="1600" b="0" kern="1200" dirty="0" err="1">
-                <a:solidFill>
-                  <a:schemeClr val="tx1"/>
-                </a:solidFill>
-                <a:effectLst/>
-                <a:latin typeface="+mn-lt"/>
-                <a:ea typeface="+mn-ea"/>
-                <a:cs typeface="+mn-cs"/>
-              </a:rPr>
-              <a:t>traduction</a:t>
-            </a:r>
-            <a:r>
-              <a:rPr lang="en-US" sz="1600" b="0" kern="1200" dirty="0">
-                <a:solidFill>
-                  <a:schemeClr val="tx1"/>
-                </a:solidFill>
-                <a:effectLst/>
-                <a:latin typeface="+mn-lt"/>
-                <a:ea typeface="+mn-ea"/>
-                <a:cs typeface="+mn-cs"/>
-              </a:rPr>
-              <a:t> » des </a:t>
-            </a:r>
-            <a:r>
-              <a:rPr lang="en-US" sz="1600" b="0" kern="1200" dirty="0" err="1">
-                <a:solidFill>
-                  <a:schemeClr val="tx1"/>
-                </a:solidFill>
-                <a:effectLst/>
-                <a:latin typeface="+mn-lt"/>
-                <a:ea typeface="+mn-ea"/>
-                <a:cs typeface="+mn-cs"/>
-              </a:rPr>
-              <a:t>paramètres</a:t>
-            </a:r>
-            <a:r>
-              <a:rPr lang="en-US" sz="1600" b="0" kern="1200" dirty="0">
-                <a:solidFill>
-                  <a:schemeClr val="tx1"/>
-                </a:solidFill>
-                <a:effectLst/>
-                <a:latin typeface="+mn-lt"/>
-                <a:ea typeface="+mn-ea"/>
-                <a:cs typeface="+mn-cs"/>
-              </a:rPr>
-              <a:t> POST pour </a:t>
-            </a:r>
-            <a:r>
-              <a:rPr lang="en-US" sz="1600" b="0" kern="1200" dirty="0" err="1">
-                <a:solidFill>
-                  <a:schemeClr val="tx1"/>
-                </a:solidFill>
-                <a:effectLst/>
-                <a:latin typeface="+mn-lt"/>
-                <a:ea typeface="+mn-ea"/>
-                <a:cs typeface="+mn-cs"/>
-              </a:rPr>
-              <a:t>créer</a:t>
-            </a:r>
-            <a:r>
-              <a:rPr lang="en-US" sz="1600" b="0" kern="1200" dirty="0">
-                <a:solidFill>
-                  <a:schemeClr val="tx1"/>
-                </a:solidFill>
-                <a:effectLst/>
-                <a:latin typeface="+mn-lt"/>
-                <a:ea typeface="+mn-ea"/>
-                <a:cs typeface="+mn-cs"/>
-              </a:rPr>
-              <a:t> </a:t>
-            </a:r>
-            <a:r>
-              <a:rPr lang="en-US" sz="1600" b="0" kern="1200" dirty="0" err="1">
-                <a:solidFill>
-                  <a:schemeClr val="tx1"/>
-                </a:solidFill>
-                <a:effectLst/>
-                <a:latin typeface="+mn-lt"/>
-                <a:ea typeface="+mn-ea"/>
-                <a:cs typeface="+mn-cs"/>
-              </a:rPr>
-              <a:t>une</a:t>
-            </a:r>
-            <a:r>
-              <a:rPr lang="en-US" sz="1600" b="0" kern="1200" dirty="0">
-                <a:solidFill>
-                  <a:schemeClr val="tx1"/>
-                </a:solidFill>
-                <a:effectLst/>
-                <a:latin typeface="+mn-lt"/>
-                <a:ea typeface="+mn-ea"/>
-                <a:cs typeface="+mn-cs"/>
-              </a:rPr>
-              <a:t> instance de la </a:t>
-            </a:r>
-            <a:r>
-              <a:rPr lang="en-US" sz="1600" b="0" kern="1200" dirty="0" err="1">
-                <a:solidFill>
-                  <a:schemeClr val="tx1"/>
-                </a:solidFill>
-                <a:effectLst/>
-                <a:latin typeface="+mn-lt"/>
-                <a:ea typeface="+mn-ea"/>
-                <a:cs typeface="+mn-cs"/>
-              </a:rPr>
-              <a:t>classe</a:t>
-            </a:r>
-            <a:r>
-              <a:rPr lang="en-US" sz="1600" b="0" kern="1200" dirty="0">
-                <a:solidFill>
-                  <a:schemeClr val="tx1"/>
-                </a:solidFill>
-                <a:effectLst/>
-                <a:latin typeface="+mn-lt"/>
-                <a:ea typeface="+mn-ea"/>
-                <a:cs typeface="+mn-cs"/>
-              </a:rPr>
-              <a:t> </a:t>
-            </a:r>
-            <a:r>
-              <a:rPr lang="en-US" sz="1600" b="0" kern="1200" dirty="0" err="1">
-                <a:solidFill>
-                  <a:schemeClr val="tx1"/>
-                </a:solidFill>
-                <a:effectLst/>
-                <a:latin typeface="+mn-lt"/>
-                <a:ea typeface="+mn-ea"/>
-                <a:cs typeface="+mn-cs"/>
-              </a:rPr>
-              <a:t>spécifiée</a:t>
-            </a:r>
-            <a:endParaRPr lang="fr-FR" dirty="0">
-              <a:effectLst/>
+            <a:pPr>
+              <a:lnSpc>
+                <a:spcPct val="100000"/>
+              </a:lnSpc>
+            </a:pPr>
+            <a:r>
+              <a:rPr lang="en-US" spc="-1" dirty="0">
+                <a:solidFill>
+                  <a:srgbClr val="000000"/>
+                </a:solidFill>
+                <a:uFill>
+                  <a:solidFill>
+                    <a:srgbClr val="FFFFFF"/>
+                  </a:solidFill>
+                </a:uFill>
+                <a:latin typeface="Consolas"/>
+              </a:rPr>
+              <a:t>}</a:t>
+            </a:r>
+            <a:endParaRPr lang="en-US" sz="2800" spc="-1" dirty="0">
+              <a:solidFill>
+                <a:srgbClr val="000000"/>
+              </a:solidFill>
+              <a:uFill>
+                <a:solidFill>
+                  <a:srgbClr val="FFFFFF"/>
+                </a:solidFill>
+              </a:uFill>
             </a:endParaRPr>
-          </a:p>
-          <a:p>
-            <a:pPr lvl="1" rtl="0" eaLnBrk="1" latinLnBrk="0" hangingPunct="1"/>
-            <a:r>
-              <a:rPr lang="en-US" sz="1600" b="0" kern="1200" dirty="0">
-                <a:solidFill>
-                  <a:schemeClr val="tx1"/>
-                </a:solidFill>
-                <a:effectLst/>
-                <a:latin typeface="+mn-lt"/>
-                <a:ea typeface="+mn-ea"/>
-                <a:cs typeface="+mn-cs"/>
-              </a:rPr>
-              <a:t>Il </a:t>
-            </a:r>
-            <a:r>
-              <a:rPr lang="en-US" sz="1600" b="0" kern="1200" dirty="0" err="1">
-                <a:solidFill>
-                  <a:schemeClr val="tx1"/>
-                </a:solidFill>
-                <a:effectLst/>
-                <a:latin typeface="+mn-lt"/>
-                <a:ea typeface="+mn-ea"/>
-                <a:cs typeface="+mn-cs"/>
-              </a:rPr>
-              <a:t>faut</a:t>
-            </a:r>
-            <a:r>
-              <a:rPr lang="en-US" sz="1600" b="0" kern="1200" dirty="0">
-                <a:solidFill>
-                  <a:schemeClr val="tx1"/>
-                </a:solidFill>
-                <a:effectLst/>
-                <a:latin typeface="+mn-lt"/>
-                <a:ea typeface="+mn-ea"/>
-                <a:cs typeface="+mn-cs"/>
-              </a:rPr>
-              <a:t> </a:t>
-            </a:r>
-            <a:r>
-              <a:rPr lang="en-US" sz="1600" b="0" kern="1200" dirty="0" err="1">
-                <a:solidFill>
-                  <a:schemeClr val="tx1"/>
-                </a:solidFill>
-                <a:effectLst/>
-                <a:latin typeface="+mn-lt"/>
-                <a:ea typeface="+mn-ea"/>
-                <a:cs typeface="+mn-cs"/>
-              </a:rPr>
-              <a:t>juste</a:t>
-            </a:r>
-            <a:r>
-              <a:rPr lang="en-US" sz="1600" b="0" kern="1200" dirty="0">
-                <a:solidFill>
-                  <a:schemeClr val="tx1"/>
-                </a:solidFill>
-                <a:effectLst/>
-                <a:latin typeface="+mn-lt"/>
-                <a:ea typeface="+mn-ea"/>
-                <a:cs typeface="+mn-cs"/>
-              </a:rPr>
-              <a:t> </a:t>
-            </a:r>
-            <a:r>
-              <a:rPr lang="en-US" sz="1600" b="0" kern="1200" dirty="0" err="1">
-                <a:solidFill>
-                  <a:schemeClr val="tx1"/>
-                </a:solidFill>
-                <a:effectLst/>
-                <a:latin typeface="+mn-lt"/>
-                <a:ea typeface="+mn-ea"/>
-                <a:cs typeface="+mn-cs"/>
-              </a:rPr>
-              <a:t>s’assurer</a:t>
-            </a:r>
-            <a:r>
-              <a:rPr lang="en-US" sz="1600" b="0" kern="1200" dirty="0">
-                <a:solidFill>
-                  <a:schemeClr val="tx1"/>
-                </a:solidFill>
-                <a:effectLst/>
-                <a:latin typeface="+mn-lt"/>
-                <a:ea typeface="+mn-ea"/>
-                <a:cs typeface="+mn-cs"/>
-              </a:rPr>
-              <a:t> que les </a:t>
-            </a:r>
-            <a:r>
-              <a:rPr lang="en-US" sz="1600" b="0" kern="1200" dirty="0" err="1">
-                <a:solidFill>
-                  <a:schemeClr val="tx1"/>
-                </a:solidFill>
-                <a:effectLst/>
-                <a:latin typeface="+mn-lt"/>
-                <a:ea typeface="+mn-ea"/>
-                <a:cs typeface="+mn-cs"/>
-              </a:rPr>
-              <a:t>noms</a:t>
-            </a:r>
-            <a:r>
-              <a:rPr lang="en-US" sz="1600" b="0" kern="1200" dirty="0">
-                <a:solidFill>
-                  <a:schemeClr val="tx1"/>
-                </a:solidFill>
-                <a:effectLst/>
-                <a:latin typeface="+mn-lt"/>
-                <a:ea typeface="+mn-ea"/>
-                <a:cs typeface="+mn-cs"/>
-              </a:rPr>
-              <a:t> des </a:t>
-            </a:r>
-            <a:r>
-              <a:rPr lang="en-US" sz="1600" b="0" kern="1200" dirty="0" err="1">
-                <a:solidFill>
-                  <a:schemeClr val="tx1"/>
-                </a:solidFill>
-                <a:effectLst/>
-                <a:latin typeface="+mn-lt"/>
-                <a:ea typeface="+mn-ea"/>
-                <a:cs typeface="+mn-cs"/>
-              </a:rPr>
-              <a:t>propriétés</a:t>
-            </a:r>
-            <a:r>
-              <a:rPr lang="en-US" sz="1600" b="0" kern="1200" dirty="0">
-                <a:solidFill>
-                  <a:schemeClr val="tx1"/>
-                </a:solidFill>
-                <a:effectLst/>
-                <a:latin typeface="+mn-lt"/>
-                <a:ea typeface="+mn-ea"/>
-                <a:cs typeface="+mn-cs"/>
-              </a:rPr>
-              <a:t> correspondent aux </a:t>
-            </a:r>
-            <a:r>
-              <a:rPr lang="en-US" sz="1600" b="0" kern="1200" dirty="0" err="1">
-                <a:solidFill>
-                  <a:schemeClr val="tx1"/>
-                </a:solidFill>
-                <a:effectLst/>
-                <a:latin typeface="+mn-lt"/>
-                <a:ea typeface="+mn-ea"/>
-                <a:cs typeface="+mn-cs"/>
-              </a:rPr>
-              <a:t>noms</a:t>
-            </a:r>
-            <a:r>
-              <a:rPr lang="en-US" sz="1600" b="0" kern="1200" dirty="0">
-                <a:solidFill>
-                  <a:schemeClr val="tx1"/>
-                </a:solidFill>
-                <a:effectLst/>
-                <a:latin typeface="+mn-lt"/>
-                <a:ea typeface="+mn-ea"/>
-                <a:cs typeface="+mn-cs"/>
-              </a:rPr>
-              <a:t> des champs du </a:t>
-            </a:r>
-            <a:r>
-              <a:rPr lang="en-US" sz="1600" b="0" kern="1200" dirty="0" err="1">
-                <a:solidFill>
-                  <a:schemeClr val="tx1"/>
-                </a:solidFill>
-                <a:effectLst/>
-                <a:latin typeface="+mn-lt"/>
-                <a:ea typeface="+mn-ea"/>
-                <a:cs typeface="+mn-cs"/>
-              </a:rPr>
-              <a:t>formulaire</a:t>
-            </a:r>
-            <a:r>
-              <a:rPr lang="en-US" sz="1600" b="0" kern="1200" dirty="0">
-                <a:solidFill>
-                  <a:schemeClr val="tx1"/>
-                </a:solidFill>
-                <a:effectLst/>
-                <a:latin typeface="+mn-lt"/>
-                <a:ea typeface="+mn-ea"/>
-                <a:cs typeface="+mn-cs"/>
-              </a:rPr>
-              <a:t>.</a:t>
-            </a:r>
-            <a:endParaRPr lang="fr-FR" dirty="0">
-              <a:effectLst/>
-            </a:endParaRPr>
-          </a:p>
-          <a:p>
-            <a:endParaRPr lang="fr-FR" dirty="0"/>
           </a:p>
         </p:txBody>
       </p:sp>
     </p:spTree>
     <p:extLst>
       <p:ext uri="{BB962C8B-B14F-4D97-AF65-F5344CB8AC3E}">
-        <p14:creationId xmlns:p14="http://schemas.microsoft.com/office/powerpoint/2010/main" val="1821800086"/>
+        <p14:creationId xmlns:p14="http://schemas.microsoft.com/office/powerpoint/2010/main" val="3456109569"/>
       </p:ext>
     </p:extLst>
   </p:cSld>
@@ -6728,7 +8427,7 @@
           <p:cNvPr id="2" name="Titre 1">
             <a:extLst>
               <a:ext uri="{FF2B5EF4-FFF2-40B4-BE49-F238E27FC236}">
-                <a16:creationId xmlns:a16="http://schemas.microsoft.com/office/drawing/2014/main" id="{2DC3F754-69B6-4A83-BF8B-8DC25B55EF7E}"/>
+                <a16:creationId xmlns:a16="http://schemas.microsoft.com/office/drawing/2014/main" id="{23C0B96D-007B-4E2E-943B-D3A59EFCCD6F}"/>
               </a:ext>
             </a:extLst>
           </p:cNvPr>
@@ -6746,13 +8445,8 @@
           <a:p>
             <a:r>
               <a:rPr lang="fr-FR" dirty="0"/>
-              <a:t>Paramètres</a:t>
-            </a:r>
-            <a:r>
-              <a:rPr lang="fr-FR" baseline="0" dirty="0"/>
-              <a:t> complexes</a:t>
-            </a:r>
-            <a:endParaRPr lang="fr-FR" dirty="0"/>
+              <a:t>Exercices</a:t>
+            </a:r>
           </a:p>
         </p:txBody>
       </p:sp>
@@ -6761,7 +8455,7 @@
           <p:cNvPr id="3" name="Espace réservé du contenu 2">
             <a:extLst>
               <a:ext uri="{FF2B5EF4-FFF2-40B4-BE49-F238E27FC236}">
-                <a16:creationId xmlns:a16="http://schemas.microsoft.com/office/drawing/2014/main" id="{4E885B8A-9220-425E-A308-85D875598A9E}"/>
+                <a16:creationId xmlns:a16="http://schemas.microsoft.com/office/drawing/2014/main" id="{1CC4F028-3D60-4C39-A96A-8CA2B9B943A7}"/>
               </a:ext>
             </a:extLst>
           </p:cNvPr>
@@ -6777,1642 +8471,14 @@
           <a:bodyPr/>
           <a:lstStyle/>
           <a:p>
-            <a:pPr marL="0" indent="0">
-              <a:buNone/>
-            </a:pPr>
-            <a:endParaRPr lang="fr-FR" dirty="0"/>
-          </a:p>
-        </p:txBody>
-      </p:sp>
-      <p:sp>
-        <p:nvSpPr>
-          <p:cNvPr id="4" name="Rectangle 3">
-            <a:extLst>
-              <a:ext uri="{FF2B5EF4-FFF2-40B4-BE49-F238E27FC236}">
-                <a16:creationId xmlns:a16="http://schemas.microsoft.com/office/drawing/2014/main" id="{E07D615D-8A0D-4801-906F-74C4967C4DDA}"/>
-              </a:ext>
-            </a:extLst>
-          </p:cNvPr>
-          <p:cNvSpPr/>
-          <p:nvPr/>
-        </p:nvSpPr>
-        <p:spPr>
-          <a:xfrm>
-            <a:off x="355600" y="1257301"/>
-            <a:ext cx="6096000" cy="2585323"/>
-          </a:xfrm>
-          <a:prstGeom prst="rect">
-            <a:avLst/>
-          </a:prstGeom>
-        </p:spPr>
-        <p:txBody>
-          <a:bodyPr>
-            <a:spAutoFit/>
-          </a:bodyPr>
-          <a:lstStyle/>
-          <a:p>
-            <a:pPr>
-              <a:lnSpc>
-                <a:spcPct val="100000"/>
-              </a:lnSpc>
-            </a:pPr>
-            <a:r>
-              <a:rPr lang="en-US" spc="-1">
-                <a:solidFill>
-                  <a:srgbClr val="0000FF"/>
-                </a:solidFill>
-                <a:uFill>
-                  <a:solidFill>
-                    <a:srgbClr val="FFFFFF"/>
-                  </a:solidFill>
-                </a:uFill>
-                <a:latin typeface="Consolas"/>
-              </a:rPr>
-              <a:t>namespace</a:t>
-            </a:r>
-            <a:r>
-              <a:rPr lang="en-US" spc="-1">
-                <a:solidFill>
-                  <a:srgbClr val="000000"/>
-                </a:solidFill>
-                <a:uFill>
-                  <a:solidFill>
-                    <a:srgbClr val="FFFFFF"/>
-                  </a:solidFill>
-                </a:uFill>
-                <a:latin typeface="Consolas"/>
-              </a:rPr>
-              <a:t> WebApplication2.Models.Formulaires</a:t>
-            </a:r>
-            <a:endParaRPr lang="en-US" sz="2800" spc="-1">
-              <a:solidFill>
-                <a:srgbClr val="000000"/>
-              </a:solidFill>
-              <a:uFill>
-                <a:solidFill>
-                  <a:srgbClr val="FFFFFF"/>
-                </a:solidFill>
-              </a:uFill>
-            </a:endParaRPr>
-          </a:p>
-          <a:p>
-            <a:pPr>
-              <a:lnSpc>
-                <a:spcPct val="100000"/>
-              </a:lnSpc>
-            </a:pPr>
-            <a:r>
-              <a:rPr lang="en-US" spc="-1">
-                <a:solidFill>
-                  <a:srgbClr val="000000"/>
-                </a:solidFill>
-                <a:uFill>
-                  <a:solidFill>
-                    <a:srgbClr val="FFFFFF"/>
-                  </a:solidFill>
-                </a:uFill>
-                <a:latin typeface="Consolas"/>
-              </a:rPr>
-              <a:t>{</a:t>
-            </a:r>
-            <a:endParaRPr lang="en-US" sz="2800" spc="-1">
-              <a:solidFill>
-                <a:srgbClr val="000000"/>
-              </a:solidFill>
-              <a:uFill>
-                <a:solidFill>
-                  <a:srgbClr val="FFFFFF"/>
-                </a:solidFill>
-              </a:uFill>
-            </a:endParaRPr>
-          </a:p>
-          <a:p>
-            <a:pPr>
-              <a:lnSpc>
-                <a:spcPct val="100000"/>
-              </a:lnSpc>
-            </a:pPr>
-            <a:r>
-              <a:rPr lang="en-US" spc="-1">
-                <a:solidFill>
-                  <a:srgbClr val="000000"/>
-                </a:solidFill>
-                <a:uFill>
-                  <a:solidFill>
-                    <a:srgbClr val="FFFFFF"/>
-                  </a:solidFill>
-                </a:uFill>
-                <a:latin typeface="Consolas"/>
-              </a:rPr>
-              <a:t>    </a:t>
-            </a:r>
-            <a:r>
-              <a:rPr lang="en-US" spc="-1">
-                <a:solidFill>
-                  <a:srgbClr val="0000FF"/>
-                </a:solidFill>
-                <a:uFill>
-                  <a:solidFill>
-                    <a:srgbClr val="FFFFFF"/>
-                  </a:solidFill>
-                </a:uFill>
-                <a:latin typeface="Consolas"/>
-              </a:rPr>
-              <a:t>public</a:t>
-            </a:r>
-            <a:r>
-              <a:rPr lang="en-US" spc="-1">
-                <a:solidFill>
-                  <a:srgbClr val="000000"/>
-                </a:solidFill>
-                <a:uFill>
-                  <a:solidFill>
-                    <a:srgbClr val="FFFFFF"/>
-                  </a:solidFill>
-                </a:uFill>
-                <a:latin typeface="Consolas"/>
-              </a:rPr>
-              <a:t> </a:t>
-            </a:r>
-            <a:r>
-              <a:rPr lang="en-US" spc="-1">
-                <a:solidFill>
-                  <a:srgbClr val="0000FF"/>
-                </a:solidFill>
-                <a:uFill>
-                  <a:solidFill>
-                    <a:srgbClr val="FFFFFF"/>
-                  </a:solidFill>
-                </a:uFill>
-                <a:latin typeface="Consolas"/>
-              </a:rPr>
-              <a:t>class</a:t>
-            </a:r>
-            <a:r>
-              <a:rPr lang="en-US" spc="-1">
-                <a:solidFill>
-                  <a:srgbClr val="000000"/>
-                </a:solidFill>
-                <a:uFill>
-                  <a:solidFill>
-                    <a:srgbClr val="FFFFFF"/>
-                  </a:solidFill>
-                </a:uFill>
-                <a:latin typeface="Consolas"/>
-              </a:rPr>
-              <a:t> </a:t>
-            </a:r>
-            <a:r>
-              <a:rPr lang="en-US" spc="-1">
-                <a:solidFill>
-                  <a:srgbClr val="2B91AF"/>
-                </a:solidFill>
-                <a:uFill>
-                  <a:solidFill>
-                    <a:srgbClr val="FFFFFF"/>
-                  </a:solidFill>
-                </a:uFill>
-                <a:latin typeface="Consolas"/>
-              </a:rPr>
-              <a:t>FormulaireUpdateLivre</a:t>
-            </a:r>
-            <a:endParaRPr lang="en-US" sz="2800" spc="-1">
-              <a:solidFill>
-                <a:srgbClr val="000000"/>
-              </a:solidFill>
-              <a:uFill>
-                <a:solidFill>
-                  <a:srgbClr val="FFFFFF"/>
-                </a:solidFill>
-              </a:uFill>
-            </a:endParaRPr>
-          </a:p>
-          <a:p>
-            <a:pPr>
-              <a:lnSpc>
-                <a:spcPct val="100000"/>
-              </a:lnSpc>
-            </a:pPr>
-            <a:r>
-              <a:rPr lang="en-US" spc="-1">
-                <a:solidFill>
-                  <a:srgbClr val="000000"/>
-                </a:solidFill>
-                <a:uFill>
-                  <a:solidFill>
-                    <a:srgbClr val="FFFFFF"/>
-                  </a:solidFill>
-                </a:uFill>
-                <a:latin typeface="Consolas"/>
-              </a:rPr>
-              <a:t>    {</a:t>
-            </a:r>
-            <a:endParaRPr lang="en-US" sz="2800" spc="-1">
-              <a:solidFill>
-                <a:srgbClr val="000000"/>
-              </a:solidFill>
-              <a:uFill>
-                <a:solidFill>
-                  <a:srgbClr val="FFFFFF"/>
-                </a:solidFill>
-              </a:uFill>
-            </a:endParaRPr>
-          </a:p>
-          <a:p>
-            <a:pPr>
-              <a:lnSpc>
-                <a:spcPct val="100000"/>
-              </a:lnSpc>
-            </a:pPr>
-            <a:r>
-              <a:rPr lang="en-US" spc="-1">
-                <a:solidFill>
-                  <a:srgbClr val="000000"/>
-                </a:solidFill>
-                <a:uFill>
-                  <a:solidFill>
-                    <a:srgbClr val="FFFFFF"/>
-                  </a:solidFill>
-                </a:uFill>
-                <a:latin typeface="Consolas"/>
-              </a:rPr>
-              <a:t>        </a:t>
-            </a:r>
-            <a:r>
-              <a:rPr lang="en-US" spc="-1">
-                <a:solidFill>
-                  <a:srgbClr val="0000FF"/>
-                </a:solidFill>
-                <a:uFill>
-                  <a:solidFill>
-                    <a:srgbClr val="FFFFFF"/>
-                  </a:solidFill>
-                </a:uFill>
-                <a:latin typeface="Consolas"/>
-              </a:rPr>
-              <a:t>public</a:t>
-            </a:r>
-            <a:r>
-              <a:rPr lang="en-US" spc="-1">
-                <a:solidFill>
-                  <a:srgbClr val="000000"/>
-                </a:solidFill>
-                <a:uFill>
-                  <a:solidFill>
-                    <a:srgbClr val="FFFFFF"/>
-                  </a:solidFill>
-                </a:uFill>
-                <a:latin typeface="Consolas"/>
-              </a:rPr>
-              <a:t> </a:t>
-            </a:r>
-            <a:r>
-              <a:rPr lang="en-US" spc="-1">
-                <a:solidFill>
-                  <a:srgbClr val="0000FF"/>
-                </a:solidFill>
-                <a:uFill>
-                  <a:solidFill>
-                    <a:srgbClr val="FFFFFF"/>
-                  </a:solidFill>
-                </a:uFill>
-                <a:latin typeface="Consolas"/>
-              </a:rPr>
-              <a:t>int</a:t>
-            </a:r>
-            <a:r>
-              <a:rPr lang="en-US" spc="-1">
-                <a:solidFill>
-                  <a:srgbClr val="000000"/>
-                </a:solidFill>
-                <a:uFill>
-                  <a:solidFill>
-                    <a:srgbClr val="FFFFFF"/>
-                  </a:solidFill>
-                </a:uFill>
-                <a:latin typeface="Consolas"/>
-              </a:rPr>
-              <a:t> LivreID { </a:t>
-            </a:r>
-            <a:r>
-              <a:rPr lang="en-US" spc="-1">
-                <a:solidFill>
-                  <a:srgbClr val="0000FF"/>
-                </a:solidFill>
-                <a:uFill>
-                  <a:solidFill>
-                    <a:srgbClr val="FFFFFF"/>
-                  </a:solidFill>
-                </a:uFill>
-                <a:latin typeface="Consolas"/>
-              </a:rPr>
-              <a:t>get</a:t>
-            </a:r>
-            <a:r>
-              <a:rPr lang="en-US" spc="-1">
-                <a:solidFill>
-                  <a:srgbClr val="000000"/>
-                </a:solidFill>
-                <a:uFill>
-                  <a:solidFill>
-                    <a:srgbClr val="FFFFFF"/>
-                  </a:solidFill>
-                </a:uFill>
-                <a:latin typeface="Consolas"/>
-              </a:rPr>
-              <a:t>; </a:t>
-            </a:r>
-            <a:r>
-              <a:rPr lang="en-US" spc="-1">
-                <a:solidFill>
-                  <a:srgbClr val="0000FF"/>
-                </a:solidFill>
-                <a:uFill>
-                  <a:solidFill>
-                    <a:srgbClr val="FFFFFF"/>
-                  </a:solidFill>
-                </a:uFill>
-                <a:latin typeface="Consolas"/>
-              </a:rPr>
-              <a:t>set</a:t>
-            </a:r>
-            <a:r>
-              <a:rPr lang="en-US" spc="-1">
-                <a:solidFill>
-                  <a:srgbClr val="000000"/>
-                </a:solidFill>
-                <a:uFill>
-                  <a:solidFill>
-                    <a:srgbClr val="FFFFFF"/>
-                  </a:solidFill>
-                </a:uFill>
-                <a:latin typeface="Consolas"/>
-              </a:rPr>
-              <a:t>; }</a:t>
-            </a:r>
-            <a:endParaRPr lang="en-US" sz="2800" spc="-1">
-              <a:solidFill>
-                <a:srgbClr val="000000"/>
-              </a:solidFill>
-              <a:uFill>
-                <a:solidFill>
-                  <a:srgbClr val="FFFFFF"/>
-                </a:solidFill>
-              </a:uFill>
-            </a:endParaRPr>
-          </a:p>
-          <a:p>
-            <a:pPr>
-              <a:lnSpc>
-                <a:spcPct val="100000"/>
-              </a:lnSpc>
-            </a:pPr>
-            <a:r>
-              <a:rPr lang="en-US" spc="-1">
-                <a:solidFill>
-                  <a:srgbClr val="000000"/>
-                </a:solidFill>
-                <a:uFill>
-                  <a:solidFill>
-                    <a:srgbClr val="FFFFFF"/>
-                  </a:solidFill>
-                </a:uFill>
-                <a:latin typeface="Consolas"/>
-              </a:rPr>
-              <a:t>        </a:t>
-            </a:r>
-            <a:r>
-              <a:rPr lang="en-US" spc="-1">
-                <a:solidFill>
-                  <a:srgbClr val="0000FF"/>
-                </a:solidFill>
-                <a:uFill>
-                  <a:solidFill>
-                    <a:srgbClr val="FFFFFF"/>
-                  </a:solidFill>
-                </a:uFill>
-                <a:latin typeface="Consolas"/>
-              </a:rPr>
-              <a:t>public</a:t>
-            </a:r>
-            <a:r>
-              <a:rPr lang="en-US" spc="-1">
-                <a:solidFill>
-                  <a:srgbClr val="000000"/>
-                </a:solidFill>
-                <a:uFill>
-                  <a:solidFill>
-                    <a:srgbClr val="FFFFFF"/>
-                  </a:solidFill>
-                </a:uFill>
-                <a:latin typeface="Consolas"/>
-              </a:rPr>
-              <a:t> </a:t>
-            </a:r>
-            <a:r>
-              <a:rPr lang="en-US" spc="-1">
-                <a:solidFill>
-                  <a:srgbClr val="0000FF"/>
-                </a:solidFill>
-                <a:uFill>
-                  <a:solidFill>
-                    <a:srgbClr val="FFFFFF"/>
-                  </a:solidFill>
-                </a:uFill>
-                <a:latin typeface="Consolas"/>
-              </a:rPr>
-              <a:t>string</a:t>
-            </a:r>
-            <a:r>
-              <a:rPr lang="en-US" spc="-1">
-                <a:solidFill>
-                  <a:srgbClr val="000000"/>
-                </a:solidFill>
-                <a:uFill>
-                  <a:solidFill>
-                    <a:srgbClr val="FFFFFF"/>
-                  </a:solidFill>
-                </a:uFill>
-                <a:latin typeface="Consolas"/>
-              </a:rPr>
-              <a:t> Auteur { </a:t>
-            </a:r>
-            <a:r>
-              <a:rPr lang="en-US" spc="-1">
-                <a:solidFill>
-                  <a:srgbClr val="0000FF"/>
-                </a:solidFill>
-                <a:uFill>
-                  <a:solidFill>
-                    <a:srgbClr val="FFFFFF"/>
-                  </a:solidFill>
-                </a:uFill>
-                <a:latin typeface="Consolas"/>
-              </a:rPr>
-              <a:t>get</a:t>
-            </a:r>
-            <a:r>
-              <a:rPr lang="en-US" spc="-1">
-                <a:solidFill>
-                  <a:srgbClr val="000000"/>
-                </a:solidFill>
-                <a:uFill>
-                  <a:solidFill>
-                    <a:srgbClr val="FFFFFF"/>
-                  </a:solidFill>
-                </a:uFill>
-                <a:latin typeface="Consolas"/>
-              </a:rPr>
-              <a:t>; </a:t>
-            </a:r>
-            <a:r>
-              <a:rPr lang="en-US" spc="-1">
-                <a:solidFill>
-                  <a:srgbClr val="0000FF"/>
-                </a:solidFill>
-                <a:uFill>
-                  <a:solidFill>
-                    <a:srgbClr val="FFFFFF"/>
-                  </a:solidFill>
-                </a:uFill>
-                <a:latin typeface="Consolas"/>
-              </a:rPr>
-              <a:t>set</a:t>
-            </a:r>
-            <a:r>
-              <a:rPr lang="en-US" spc="-1">
-                <a:solidFill>
-                  <a:srgbClr val="000000"/>
-                </a:solidFill>
-                <a:uFill>
-                  <a:solidFill>
-                    <a:srgbClr val="FFFFFF"/>
-                  </a:solidFill>
-                </a:uFill>
-                <a:latin typeface="Consolas"/>
-              </a:rPr>
-              <a:t>; }</a:t>
-            </a:r>
-            <a:endParaRPr lang="en-US" sz="2800" spc="-1">
-              <a:solidFill>
-                <a:srgbClr val="000000"/>
-              </a:solidFill>
-              <a:uFill>
-                <a:solidFill>
-                  <a:srgbClr val="FFFFFF"/>
-                </a:solidFill>
-              </a:uFill>
-            </a:endParaRPr>
-          </a:p>
-          <a:p>
-            <a:pPr>
-              <a:lnSpc>
-                <a:spcPct val="100000"/>
-              </a:lnSpc>
-            </a:pPr>
-            <a:r>
-              <a:rPr lang="en-US" spc="-1">
-                <a:solidFill>
-                  <a:srgbClr val="000000"/>
-                </a:solidFill>
-                <a:uFill>
-                  <a:solidFill>
-                    <a:srgbClr val="FFFFFF"/>
-                  </a:solidFill>
-                </a:uFill>
-                <a:latin typeface="Consolas"/>
-              </a:rPr>
-              <a:t>        </a:t>
-            </a:r>
-            <a:r>
-              <a:rPr lang="en-US" spc="-1">
-                <a:solidFill>
-                  <a:srgbClr val="0000FF"/>
-                </a:solidFill>
-                <a:uFill>
-                  <a:solidFill>
-                    <a:srgbClr val="FFFFFF"/>
-                  </a:solidFill>
-                </a:uFill>
-                <a:latin typeface="Consolas"/>
-              </a:rPr>
-              <a:t>public</a:t>
-            </a:r>
-            <a:r>
-              <a:rPr lang="en-US" spc="-1">
-                <a:solidFill>
-                  <a:srgbClr val="000000"/>
-                </a:solidFill>
-                <a:uFill>
-                  <a:solidFill>
-                    <a:srgbClr val="FFFFFF"/>
-                  </a:solidFill>
-                </a:uFill>
-                <a:latin typeface="Consolas"/>
-              </a:rPr>
-              <a:t> </a:t>
-            </a:r>
-            <a:r>
-              <a:rPr lang="en-US" spc="-1">
-                <a:solidFill>
-                  <a:srgbClr val="0000FF"/>
-                </a:solidFill>
-                <a:uFill>
-                  <a:solidFill>
-                    <a:srgbClr val="FFFFFF"/>
-                  </a:solidFill>
-                </a:uFill>
-                <a:latin typeface="Consolas"/>
-              </a:rPr>
-              <a:t>string</a:t>
-            </a:r>
-            <a:r>
-              <a:rPr lang="en-US" spc="-1">
-                <a:solidFill>
-                  <a:srgbClr val="000000"/>
-                </a:solidFill>
-                <a:uFill>
-                  <a:solidFill>
-                    <a:srgbClr val="FFFFFF"/>
-                  </a:solidFill>
-                </a:uFill>
-                <a:latin typeface="Consolas"/>
-              </a:rPr>
-              <a:t> Titre { </a:t>
-            </a:r>
-            <a:r>
-              <a:rPr lang="en-US" spc="-1">
-                <a:solidFill>
-                  <a:srgbClr val="0000FF"/>
-                </a:solidFill>
-                <a:uFill>
-                  <a:solidFill>
-                    <a:srgbClr val="FFFFFF"/>
-                  </a:solidFill>
-                </a:uFill>
-                <a:latin typeface="Consolas"/>
-              </a:rPr>
-              <a:t>get</a:t>
-            </a:r>
-            <a:r>
-              <a:rPr lang="en-US" spc="-1">
-                <a:solidFill>
-                  <a:srgbClr val="000000"/>
-                </a:solidFill>
-                <a:uFill>
-                  <a:solidFill>
-                    <a:srgbClr val="FFFFFF"/>
-                  </a:solidFill>
-                </a:uFill>
-                <a:latin typeface="Consolas"/>
-              </a:rPr>
-              <a:t>; </a:t>
-            </a:r>
-            <a:r>
-              <a:rPr lang="en-US" spc="-1">
-                <a:solidFill>
-                  <a:srgbClr val="0000FF"/>
-                </a:solidFill>
-                <a:uFill>
-                  <a:solidFill>
-                    <a:srgbClr val="FFFFFF"/>
-                  </a:solidFill>
-                </a:uFill>
-                <a:latin typeface="Consolas"/>
-              </a:rPr>
-              <a:t>set</a:t>
-            </a:r>
-            <a:r>
-              <a:rPr lang="en-US" spc="-1">
-                <a:solidFill>
-                  <a:srgbClr val="000000"/>
-                </a:solidFill>
-                <a:uFill>
-                  <a:solidFill>
-                    <a:srgbClr val="FFFFFF"/>
-                  </a:solidFill>
-                </a:uFill>
-                <a:latin typeface="Consolas"/>
-              </a:rPr>
-              <a:t>; }</a:t>
-            </a:r>
-            <a:endParaRPr lang="en-US" sz="2800" spc="-1">
-              <a:solidFill>
-                <a:srgbClr val="000000"/>
-              </a:solidFill>
-              <a:uFill>
-                <a:solidFill>
-                  <a:srgbClr val="FFFFFF"/>
-                </a:solidFill>
-              </a:uFill>
-            </a:endParaRPr>
-          </a:p>
-          <a:p>
-            <a:pPr>
-              <a:lnSpc>
-                <a:spcPct val="100000"/>
-              </a:lnSpc>
-            </a:pPr>
-            <a:r>
-              <a:rPr lang="en-US" spc="-1">
-                <a:solidFill>
-                  <a:srgbClr val="000000"/>
-                </a:solidFill>
-                <a:uFill>
-                  <a:solidFill>
-                    <a:srgbClr val="FFFFFF"/>
-                  </a:solidFill>
-                </a:uFill>
-                <a:latin typeface="Consolas"/>
-              </a:rPr>
-              <a:t>    }</a:t>
-            </a:r>
-            <a:endParaRPr lang="en-US" sz="2800" spc="-1">
-              <a:solidFill>
-                <a:srgbClr val="000000"/>
-              </a:solidFill>
-              <a:uFill>
-                <a:solidFill>
-                  <a:srgbClr val="FFFFFF"/>
-                </a:solidFill>
-              </a:uFill>
-            </a:endParaRPr>
-          </a:p>
-          <a:p>
-            <a:pPr>
-              <a:lnSpc>
-                <a:spcPct val="100000"/>
-              </a:lnSpc>
-            </a:pPr>
-            <a:r>
-              <a:rPr lang="en-US" spc="-1">
-                <a:solidFill>
-                  <a:srgbClr val="000000"/>
-                </a:solidFill>
-                <a:uFill>
-                  <a:solidFill>
-                    <a:srgbClr val="FFFFFF"/>
-                  </a:solidFill>
-                </a:uFill>
-                <a:latin typeface="Consolas"/>
-              </a:rPr>
-              <a:t>}</a:t>
-            </a:r>
-            <a:endParaRPr lang="en-US" sz="2800" spc="-1" dirty="0">
-              <a:solidFill>
-                <a:srgbClr val="000000"/>
-              </a:solidFill>
-              <a:uFill>
-                <a:solidFill>
-                  <a:srgbClr val="FFFFFF"/>
-                </a:solidFill>
-              </a:uFill>
-            </a:endParaRPr>
-          </a:p>
-        </p:txBody>
-      </p:sp>
-      <p:sp>
-        <p:nvSpPr>
-          <p:cNvPr id="5" name="Rectangle 4">
-            <a:extLst>
-              <a:ext uri="{FF2B5EF4-FFF2-40B4-BE49-F238E27FC236}">
-                <a16:creationId xmlns:a16="http://schemas.microsoft.com/office/drawing/2014/main" id="{55866CE7-1408-4C8B-9C4C-0111DFD700EB}"/>
-              </a:ext>
-            </a:extLst>
-          </p:cNvPr>
-          <p:cNvSpPr/>
-          <p:nvPr/>
-        </p:nvSpPr>
-        <p:spPr>
-          <a:xfrm>
-            <a:off x="5823803" y="2985016"/>
-            <a:ext cx="6096000" cy="3570208"/>
-          </a:xfrm>
-          <a:prstGeom prst="rect">
-            <a:avLst/>
-          </a:prstGeom>
-        </p:spPr>
-        <p:txBody>
-          <a:bodyPr>
-            <a:spAutoFit/>
-          </a:bodyPr>
-          <a:lstStyle/>
-          <a:p>
-            <a:pPr>
-              <a:lnSpc>
-                <a:spcPct val="100000"/>
-              </a:lnSpc>
-            </a:pPr>
-            <a:r>
-              <a:rPr lang="en-US" spc="-1" dirty="0">
-                <a:solidFill>
-                  <a:srgbClr val="0000FF"/>
-                </a:solidFill>
-                <a:uFill>
-                  <a:solidFill>
-                    <a:srgbClr val="FFFFFF"/>
-                  </a:solidFill>
-                </a:uFill>
-                <a:latin typeface="Consolas"/>
-              </a:rPr>
-              <a:t>public</a:t>
-            </a:r>
-            <a:r>
-              <a:rPr lang="en-US" spc="-1" dirty="0">
-                <a:solidFill>
-                  <a:srgbClr val="000000"/>
-                </a:solidFill>
-                <a:uFill>
-                  <a:solidFill>
-                    <a:srgbClr val="FFFFFF"/>
-                  </a:solidFill>
-                </a:uFill>
-                <a:latin typeface="Consolas"/>
-              </a:rPr>
-              <a:t> </a:t>
-            </a:r>
-            <a:r>
-              <a:rPr lang="en-US" spc="-1" dirty="0" err="1">
-                <a:solidFill>
-                  <a:srgbClr val="2B91AF"/>
-                </a:solidFill>
-                <a:uFill>
-                  <a:solidFill>
-                    <a:srgbClr val="FFFFFF"/>
-                  </a:solidFill>
-                </a:uFill>
-                <a:latin typeface="Consolas"/>
-              </a:rPr>
-              <a:t>ActionResult</a:t>
-            </a:r>
-            <a:r>
-              <a:rPr lang="en-US" spc="-1" dirty="0">
-                <a:solidFill>
-                  <a:srgbClr val="000000"/>
-                </a:solidFill>
-                <a:uFill>
-                  <a:solidFill>
-                    <a:srgbClr val="FFFFFF"/>
-                  </a:solidFill>
-                </a:uFill>
-                <a:latin typeface="Consolas"/>
-              </a:rPr>
-              <a:t> </a:t>
-            </a:r>
-            <a:r>
-              <a:rPr lang="en-US" spc="-1" dirty="0" err="1">
-                <a:solidFill>
-                  <a:srgbClr val="000000"/>
-                </a:solidFill>
-                <a:uFill>
-                  <a:solidFill>
-                    <a:srgbClr val="FFFFFF"/>
-                  </a:solidFill>
-                </a:uFill>
-                <a:latin typeface="Consolas"/>
-              </a:rPr>
-              <a:t>SubmitFiche</a:t>
-            </a:r>
-            <a:r>
-              <a:rPr lang="en-US" spc="-1" dirty="0">
-                <a:solidFill>
-                  <a:srgbClr val="000000"/>
-                </a:solidFill>
-                <a:uFill>
-                  <a:solidFill>
-                    <a:srgbClr val="FFFFFF"/>
-                  </a:solidFill>
-                </a:uFill>
-                <a:latin typeface="Consolas"/>
-              </a:rPr>
-              <a:t>(</a:t>
-            </a:r>
-            <a:r>
-              <a:rPr lang="en-US" spc="-1" dirty="0" err="1">
-                <a:solidFill>
-                  <a:srgbClr val="2B91AF"/>
-                </a:solidFill>
-                <a:uFill>
-                  <a:solidFill>
-                    <a:srgbClr val="FFFFFF"/>
-                  </a:solidFill>
-                </a:uFill>
-                <a:latin typeface="Consolas"/>
-              </a:rPr>
-              <a:t>FormulaireUpdateLivre</a:t>
-            </a:r>
-            <a:r>
-              <a:rPr lang="en-US" spc="-1" dirty="0">
-                <a:solidFill>
-                  <a:srgbClr val="000000"/>
-                </a:solidFill>
-                <a:uFill>
-                  <a:solidFill>
-                    <a:srgbClr val="FFFFFF"/>
-                  </a:solidFill>
-                </a:uFill>
-                <a:latin typeface="Consolas"/>
-              </a:rPr>
-              <a:t> </a:t>
-            </a:r>
-            <a:r>
-              <a:rPr lang="en-US" spc="-1" dirty="0" err="1">
-                <a:solidFill>
-                  <a:srgbClr val="000000"/>
-                </a:solidFill>
-                <a:uFill>
-                  <a:solidFill>
-                    <a:srgbClr val="FFFFFF"/>
-                  </a:solidFill>
-                </a:uFill>
-                <a:latin typeface="Consolas"/>
-              </a:rPr>
-              <a:t>formulaire</a:t>
-            </a:r>
-            <a:r>
-              <a:rPr lang="en-US" spc="-1" dirty="0">
-                <a:solidFill>
-                  <a:srgbClr val="000000"/>
-                </a:solidFill>
-                <a:uFill>
-                  <a:solidFill>
-                    <a:srgbClr val="FFFFFF"/>
-                  </a:solidFill>
-                </a:uFill>
-                <a:latin typeface="Consolas"/>
-              </a:rPr>
-              <a:t>)</a:t>
-            </a:r>
-            <a:endParaRPr lang="en-US" sz="2800" spc="-1" dirty="0">
-              <a:solidFill>
-                <a:srgbClr val="000000"/>
-              </a:solidFill>
-              <a:uFill>
-                <a:solidFill>
-                  <a:srgbClr val="FFFFFF"/>
-                </a:solidFill>
-              </a:uFill>
-            </a:endParaRPr>
-          </a:p>
-          <a:p>
-            <a:pPr>
-              <a:lnSpc>
-                <a:spcPct val="100000"/>
-              </a:lnSpc>
-            </a:pPr>
-            <a:r>
-              <a:rPr lang="en-US" spc="-1" dirty="0">
-                <a:solidFill>
-                  <a:srgbClr val="000000"/>
-                </a:solidFill>
-                <a:uFill>
-                  <a:solidFill>
-                    <a:srgbClr val="FFFFFF"/>
-                  </a:solidFill>
-                </a:uFill>
-                <a:latin typeface="Consolas"/>
-              </a:rPr>
-              <a:t>{</a:t>
-            </a:r>
-            <a:endParaRPr lang="en-US" sz="2800" spc="-1" dirty="0">
-              <a:solidFill>
-                <a:srgbClr val="000000"/>
-              </a:solidFill>
-              <a:uFill>
-                <a:solidFill>
-                  <a:srgbClr val="FFFFFF"/>
-                </a:solidFill>
-              </a:uFill>
-            </a:endParaRPr>
-          </a:p>
-          <a:p>
-            <a:pPr>
-              <a:lnSpc>
-                <a:spcPct val="100000"/>
-              </a:lnSpc>
-            </a:pPr>
-            <a:r>
-              <a:rPr lang="en-US" spc="-1" dirty="0">
-                <a:solidFill>
-                  <a:srgbClr val="000000"/>
-                </a:solidFill>
-                <a:uFill>
-                  <a:solidFill>
-                    <a:srgbClr val="FFFFFF"/>
-                  </a:solidFill>
-                </a:uFill>
-                <a:latin typeface="Consolas"/>
-              </a:rPr>
-              <a:t>    </a:t>
-            </a:r>
-            <a:r>
-              <a:rPr lang="en-US" spc="-1" dirty="0">
-                <a:solidFill>
-                  <a:srgbClr val="2B91AF"/>
-                </a:solidFill>
-                <a:uFill>
-                  <a:solidFill>
-                    <a:srgbClr val="FFFFFF"/>
-                  </a:solidFill>
-                </a:uFill>
-                <a:latin typeface="Consolas"/>
-              </a:rPr>
-              <a:t>DAL</a:t>
-            </a:r>
-            <a:r>
-              <a:rPr lang="en-US" spc="-1" dirty="0">
-                <a:solidFill>
-                  <a:srgbClr val="000000"/>
-                </a:solidFill>
-                <a:uFill>
-                  <a:solidFill>
-                    <a:srgbClr val="FFFFFF"/>
-                  </a:solidFill>
-                </a:uFill>
-                <a:latin typeface="Consolas"/>
-              </a:rPr>
-              <a:t> </a:t>
-            </a:r>
-            <a:r>
-              <a:rPr lang="en-US" spc="-1" dirty="0" err="1">
-                <a:solidFill>
-                  <a:srgbClr val="000000"/>
-                </a:solidFill>
-                <a:uFill>
-                  <a:solidFill>
-                    <a:srgbClr val="FFFFFF"/>
-                  </a:solidFill>
-                </a:uFill>
-                <a:latin typeface="Consolas"/>
-              </a:rPr>
-              <a:t>dal</a:t>
-            </a:r>
-            <a:r>
-              <a:rPr lang="en-US" spc="-1" dirty="0">
-                <a:solidFill>
-                  <a:srgbClr val="000000"/>
-                </a:solidFill>
-                <a:uFill>
-                  <a:solidFill>
-                    <a:srgbClr val="FFFFFF"/>
-                  </a:solidFill>
-                </a:uFill>
-                <a:latin typeface="Consolas"/>
-              </a:rPr>
-              <a:t> = </a:t>
-            </a:r>
-            <a:r>
-              <a:rPr lang="en-US" spc="-1" dirty="0">
-                <a:solidFill>
-                  <a:srgbClr val="0000FF"/>
-                </a:solidFill>
-                <a:uFill>
-                  <a:solidFill>
-                    <a:srgbClr val="FFFFFF"/>
-                  </a:solidFill>
-                </a:uFill>
-                <a:latin typeface="Consolas"/>
-              </a:rPr>
-              <a:t>new</a:t>
-            </a:r>
-            <a:r>
-              <a:rPr lang="en-US" spc="-1" dirty="0">
-                <a:solidFill>
-                  <a:srgbClr val="000000"/>
-                </a:solidFill>
-                <a:uFill>
-                  <a:solidFill>
-                    <a:srgbClr val="FFFFFF"/>
-                  </a:solidFill>
-                </a:uFill>
-                <a:latin typeface="Consolas"/>
-              </a:rPr>
-              <a:t> </a:t>
-            </a:r>
-            <a:r>
-              <a:rPr lang="en-US" spc="-1" dirty="0">
-                <a:solidFill>
-                  <a:srgbClr val="2B91AF"/>
-                </a:solidFill>
-                <a:uFill>
-                  <a:solidFill>
-                    <a:srgbClr val="FFFFFF"/>
-                  </a:solidFill>
-                </a:uFill>
-                <a:latin typeface="Consolas"/>
-              </a:rPr>
-              <a:t>DAL</a:t>
-            </a:r>
-            <a:r>
-              <a:rPr lang="en-US" spc="-1" dirty="0">
-                <a:solidFill>
-                  <a:srgbClr val="000000"/>
-                </a:solidFill>
-                <a:uFill>
-                  <a:solidFill>
-                    <a:srgbClr val="FFFFFF"/>
-                  </a:solidFill>
-                </a:uFill>
-                <a:latin typeface="Consolas"/>
-              </a:rPr>
-              <a:t>();</a:t>
-            </a:r>
-            <a:endParaRPr lang="en-US" sz="2800" spc="-1" dirty="0">
-              <a:solidFill>
-                <a:srgbClr val="000000"/>
-              </a:solidFill>
-              <a:uFill>
-                <a:solidFill>
-                  <a:srgbClr val="FFFFFF"/>
-                </a:solidFill>
-              </a:uFill>
-            </a:endParaRPr>
-          </a:p>
-          <a:p>
-            <a:pPr>
-              <a:lnSpc>
-                <a:spcPct val="100000"/>
-              </a:lnSpc>
-            </a:pPr>
-            <a:r>
-              <a:rPr lang="en-US" spc="-1" dirty="0">
-                <a:solidFill>
-                  <a:srgbClr val="000000"/>
-                </a:solidFill>
-                <a:uFill>
-                  <a:solidFill>
-                    <a:srgbClr val="FFFFFF"/>
-                  </a:solidFill>
-                </a:uFill>
-                <a:latin typeface="Consolas"/>
-              </a:rPr>
-              <a:t>    </a:t>
-            </a:r>
-            <a:r>
-              <a:rPr lang="en-US" spc="-1" dirty="0">
-                <a:solidFill>
-                  <a:srgbClr val="2B91AF"/>
-                </a:solidFill>
-                <a:uFill>
-                  <a:solidFill>
-                    <a:srgbClr val="FFFFFF"/>
-                  </a:solidFill>
-                </a:uFill>
-                <a:latin typeface="Consolas"/>
-              </a:rPr>
-              <a:t>Livre</a:t>
-            </a:r>
-            <a:r>
-              <a:rPr lang="en-US" spc="-1" dirty="0">
-                <a:solidFill>
-                  <a:srgbClr val="000000"/>
-                </a:solidFill>
-                <a:uFill>
-                  <a:solidFill>
-                    <a:srgbClr val="FFFFFF"/>
-                  </a:solidFill>
-                </a:uFill>
-                <a:latin typeface="Consolas"/>
-              </a:rPr>
-              <a:t> </a:t>
-            </a:r>
-            <a:r>
-              <a:rPr lang="en-US" spc="-1" dirty="0" err="1">
-                <a:solidFill>
-                  <a:srgbClr val="000000"/>
-                </a:solidFill>
-                <a:uFill>
-                  <a:solidFill>
-                    <a:srgbClr val="FFFFFF"/>
-                  </a:solidFill>
-                </a:uFill>
-                <a:latin typeface="Consolas"/>
-              </a:rPr>
-              <a:t>livre</a:t>
-            </a:r>
-            <a:r>
-              <a:rPr lang="en-US" spc="-1" dirty="0">
-                <a:solidFill>
-                  <a:srgbClr val="000000"/>
-                </a:solidFill>
-                <a:uFill>
-                  <a:solidFill>
-                    <a:srgbClr val="FFFFFF"/>
-                  </a:solidFill>
-                </a:uFill>
-                <a:latin typeface="Consolas"/>
-              </a:rPr>
-              <a:t> = </a:t>
-            </a:r>
-            <a:r>
-              <a:rPr lang="en-US" spc="-1" dirty="0" err="1">
-                <a:solidFill>
-                  <a:srgbClr val="000000"/>
-                </a:solidFill>
-                <a:uFill>
-                  <a:solidFill>
-                    <a:srgbClr val="FFFFFF"/>
-                  </a:solidFill>
-                </a:uFill>
-                <a:latin typeface="Consolas"/>
-              </a:rPr>
-              <a:t>dal.GetLivreByID</a:t>
-            </a:r>
-            <a:r>
-              <a:rPr lang="en-US" spc="-1" dirty="0">
-                <a:solidFill>
-                  <a:srgbClr val="000000"/>
-                </a:solidFill>
-                <a:uFill>
-                  <a:solidFill>
-                    <a:srgbClr val="FFFFFF"/>
-                  </a:solidFill>
-                </a:uFill>
-                <a:latin typeface="Consolas"/>
-              </a:rPr>
-              <a:t>(</a:t>
-            </a:r>
-            <a:r>
-              <a:rPr lang="en-US" spc="-1" dirty="0" err="1">
-                <a:solidFill>
-                  <a:srgbClr val="000000"/>
-                </a:solidFill>
-                <a:uFill>
-                  <a:solidFill>
-                    <a:srgbClr val="FFFFFF"/>
-                  </a:solidFill>
-                </a:uFill>
-                <a:latin typeface="Consolas"/>
-              </a:rPr>
-              <a:t>formulaire.LivreID</a:t>
-            </a:r>
-            <a:r>
-              <a:rPr lang="en-US" spc="-1" dirty="0">
-                <a:solidFill>
-                  <a:srgbClr val="000000"/>
-                </a:solidFill>
-                <a:uFill>
-                  <a:solidFill>
-                    <a:srgbClr val="FFFFFF"/>
-                  </a:solidFill>
-                </a:uFill>
-                <a:latin typeface="Consolas"/>
-              </a:rPr>
-              <a:t>);</a:t>
-            </a:r>
-            <a:endParaRPr lang="en-US" sz="2800" spc="-1" dirty="0">
-              <a:solidFill>
-                <a:srgbClr val="000000"/>
-              </a:solidFill>
-              <a:uFill>
-                <a:solidFill>
-                  <a:srgbClr val="FFFFFF"/>
-                </a:solidFill>
-              </a:uFill>
-            </a:endParaRPr>
-          </a:p>
-          <a:p>
-            <a:pPr>
-              <a:lnSpc>
-                <a:spcPct val="100000"/>
-              </a:lnSpc>
-            </a:pPr>
-            <a:r>
-              <a:rPr lang="en-US" spc="-1" dirty="0">
-                <a:solidFill>
-                  <a:srgbClr val="000000"/>
-                </a:solidFill>
-                <a:uFill>
-                  <a:solidFill>
-                    <a:srgbClr val="FFFFFF"/>
-                  </a:solidFill>
-                </a:uFill>
-                <a:latin typeface="Consolas"/>
-              </a:rPr>
-              <a:t>    </a:t>
-            </a:r>
-            <a:r>
-              <a:rPr lang="en-US" spc="-1" dirty="0" err="1">
-                <a:solidFill>
-                  <a:srgbClr val="000000"/>
-                </a:solidFill>
-                <a:uFill>
-                  <a:solidFill>
-                    <a:srgbClr val="FFFFFF"/>
-                  </a:solidFill>
-                </a:uFill>
-                <a:latin typeface="Consolas"/>
-              </a:rPr>
-              <a:t>livre.Titre</a:t>
-            </a:r>
-            <a:r>
-              <a:rPr lang="en-US" spc="-1" dirty="0">
-                <a:solidFill>
-                  <a:srgbClr val="000000"/>
-                </a:solidFill>
-                <a:uFill>
-                  <a:solidFill>
-                    <a:srgbClr val="FFFFFF"/>
-                  </a:solidFill>
-                </a:uFill>
-                <a:latin typeface="Consolas"/>
-              </a:rPr>
-              <a:t> = </a:t>
-            </a:r>
-            <a:r>
-              <a:rPr lang="en-US" spc="-1" dirty="0" err="1">
-                <a:solidFill>
-                  <a:srgbClr val="000000"/>
-                </a:solidFill>
-                <a:uFill>
-                  <a:solidFill>
-                    <a:srgbClr val="FFFFFF"/>
-                  </a:solidFill>
-                </a:uFill>
-                <a:latin typeface="Consolas"/>
-              </a:rPr>
-              <a:t>formulaire.Titre</a:t>
-            </a:r>
-            <a:r>
-              <a:rPr lang="en-US" spc="-1" dirty="0">
-                <a:solidFill>
-                  <a:srgbClr val="000000"/>
-                </a:solidFill>
-                <a:uFill>
-                  <a:solidFill>
-                    <a:srgbClr val="FFFFFF"/>
-                  </a:solidFill>
-                </a:uFill>
-                <a:latin typeface="Consolas"/>
-              </a:rPr>
-              <a:t>;</a:t>
-            </a:r>
-            <a:endParaRPr lang="en-US" sz="2800" spc="-1" dirty="0">
-              <a:solidFill>
-                <a:srgbClr val="000000"/>
-              </a:solidFill>
-              <a:uFill>
-                <a:solidFill>
-                  <a:srgbClr val="FFFFFF"/>
-                </a:solidFill>
-              </a:uFill>
-            </a:endParaRPr>
-          </a:p>
-          <a:p>
-            <a:pPr>
-              <a:lnSpc>
-                <a:spcPct val="100000"/>
-              </a:lnSpc>
-            </a:pPr>
-            <a:r>
-              <a:rPr lang="en-US" spc="-1" dirty="0">
-                <a:solidFill>
-                  <a:srgbClr val="000000"/>
-                </a:solidFill>
-                <a:uFill>
-                  <a:solidFill>
-                    <a:srgbClr val="FFFFFF"/>
-                  </a:solidFill>
-                </a:uFill>
-                <a:latin typeface="Consolas"/>
-              </a:rPr>
-              <a:t>    </a:t>
-            </a:r>
-            <a:r>
-              <a:rPr lang="en-US" spc="-1" dirty="0" err="1">
-                <a:solidFill>
-                  <a:srgbClr val="000000"/>
-                </a:solidFill>
-                <a:uFill>
-                  <a:solidFill>
-                    <a:srgbClr val="FFFFFF"/>
-                  </a:solidFill>
-                </a:uFill>
-                <a:latin typeface="Consolas"/>
-              </a:rPr>
-              <a:t>livre.Auteur</a:t>
-            </a:r>
-            <a:r>
-              <a:rPr lang="en-US" spc="-1" dirty="0">
-                <a:solidFill>
-                  <a:srgbClr val="000000"/>
-                </a:solidFill>
-                <a:uFill>
-                  <a:solidFill>
-                    <a:srgbClr val="FFFFFF"/>
-                  </a:solidFill>
-                </a:uFill>
-                <a:latin typeface="Consolas"/>
-              </a:rPr>
-              <a:t> = </a:t>
-            </a:r>
-            <a:r>
-              <a:rPr lang="en-US" spc="-1" dirty="0" err="1">
-                <a:solidFill>
-                  <a:srgbClr val="000000"/>
-                </a:solidFill>
-                <a:uFill>
-                  <a:solidFill>
-                    <a:srgbClr val="FFFFFF"/>
-                  </a:solidFill>
-                </a:uFill>
-                <a:latin typeface="Consolas"/>
-              </a:rPr>
-              <a:t>formulaire.Auteur</a:t>
-            </a:r>
-            <a:r>
-              <a:rPr lang="en-US" spc="-1" dirty="0">
-                <a:solidFill>
-                  <a:srgbClr val="000000"/>
-                </a:solidFill>
-                <a:uFill>
-                  <a:solidFill>
-                    <a:srgbClr val="FFFFFF"/>
-                  </a:solidFill>
-                </a:uFill>
-                <a:latin typeface="Consolas"/>
-              </a:rPr>
-              <a:t>;</a:t>
-            </a:r>
-            <a:endParaRPr lang="en-US" sz="2800" spc="-1" dirty="0">
-              <a:solidFill>
-                <a:srgbClr val="000000"/>
-              </a:solidFill>
-              <a:uFill>
-                <a:solidFill>
-                  <a:srgbClr val="FFFFFF"/>
-                </a:solidFill>
-              </a:uFill>
-            </a:endParaRPr>
-          </a:p>
-          <a:p>
-            <a:pPr>
-              <a:lnSpc>
-                <a:spcPct val="100000"/>
-              </a:lnSpc>
-            </a:pPr>
-            <a:r>
-              <a:rPr lang="en-US" spc="-1" dirty="0">
-                <a:solidFill>
-                  <a:srgbClr val="000000"/>
-                </a:solidFill>
-                <a:uFill>
-                  <a:solidFill>
-                    <a:srgbClr val="FFFFFF"/>
-                  </a:solidFill>
-                </a:uFill>
-                <a:latin typeface="Consolas"/>
-              </a:rPr>
-              <a:t>    </a:t>
-            </a:r>
-            <a:r>
-              <a:rPr lang="en-US" spc="-1" dirty="0" err="1">
-                <a:solidFill>
-                  <a:srgbClr val="000000"/>
-                </a:solidFill>
-                <a:uFill>
-                  <a:solidFill>
-                    <a:srgbClr val="FFFFFF"/>
-                  </a:solidFill>
-                </a:uFill>
-                <a:latin typeface="Consolas"/>
-              </a:rPr>
-              <a:t>dal.UpdateLivre</a:t>
-            </a:r>
-            <a:r>
-              <a:rPr lang="en-US" spc="-1" dirty="0">
-                <a:solidFill>
-                  <a:srgbClr val="000000"/>
-                </a:solidFill>
-                <a:uFill>
-                  <a:solidFill>
-                    <a:srgbClr val="FFFFFF"/>
-                  </a:solidFill>
-                </a:uFill>
-                <a:latin typeface="Consolas"/>
-              </a:rPr>
-              <a:t>(livre);</a:t>
-            </a:r>
-            <a:endParaRPr lang="en-US" sz="2800" spc="-1" dirty="0">
-              <a:solidFill>
-                <a:srgbClr val="000000"/>
-              </a:solidFill>
-              <a:uFill>
-                <a:solidFill>
-                  <a:srgbClr val="FFFFFF"/>
-                </a:solidFill>
-              </a:uFill>
-            </a:endParaRPr>
-          </a:p>
-          <a:p>
-            <a:pPr>
-              <a:lnSpc>
-                <a:spcPct val="100000"/>
-              </a:lnSpc>
-            </a:pPr>
-            <a:endParaRPr lang="en-US" sz="2800" spc="-1" dirty="0">
-              <a:solidFill>
-                <a:srgbClr val="000000"/>
-              </a:solidFill>
-              <a:uFill>
-                <a:solidFill>
-                  <a:srgbClr val="FFFFFF"/>
-                </a:solidFill>
-              </a:uFill>
-            </a:endParaRPr>
-          </a:p>
-          <a:p>
-            <a:pPr>
-              <a:lnSpc>
-                <a:spcPct val="100000"/>
-              </a:lnSpc>
-            </a:pPr>
-            <a:r>
-              <a:rPr lang="en-US" spc="-1" dirty="0">
-                <a:solidFill>
-                  <a:srgbClr val="000000"/>
-                </a:solidFill>
-                <a:uFill>
-                  <a:solidFill>
-                    <a:srgbClr val="FFFFFF"/>
-                  </a:solidFill>
-                </a:uFill>
-                <a:latin typeface="Consolas"/>
-              </a:rPr>
-              <a:t>    </a:t>
-            </a:r>
-            <a:r>
-              <a:rPr lang="en-US" spc="-1" dirty="0">
-                <a:solidFill>
-                  <a:srgbClr val="0000FF"/>
-                </a:solidFill>
-                <a:uFill>
-                  <a:solidFill>
-                    <a:srgbClr val="FFFFFF"/>
-                  </a:solidFill>
-                </a:uFill>
-                <a:latin typeface="Consolas"/>
-              </a:rPr>
-              <a:t>return</a:t>
-            </a:r>
-            <a:r>
-              <a:rPr lang="en-US" spc="-1" dirty="0">
-                <a:solidFill>
-                  <a:srgbClr val="000000"/>
-                </a:solidFill>
-                <a:uFill>
-                  <a:solidFill>
-                    <a:srgbClr val="FFFFFF"/>
-                  </a:solidFill>
-                </a:uFill>
-                <a:latin typeface="Consolas"/>
-              </a:rPr>
-              <a:t> </a:t>
-            </a:r>
-            <a:r>
-              <a:rPr lang="en-US" spc="-1" dirty="0" err="1">
-                <a:solidFill>
-                  <a:srgbClr val="000000"/>
-                </a:solidFill>
-                <a:uFill>
-                  <a:solidFill>
-                    <a:srgbClr val="FFFFFF"/>
-                  </a:solidFill>
-                </a:uFill>
-                <a:latin typeface="Consolas"/>
-              </a:rPr>
-              <a:t>RedirectToAction</a:t>
-            </a:r>
-            <a:r>
-              <a:rPr lang="en-US" spc="-1" dirty="0">
-                <a:solidFill>
-                  <a:srgbClr val="000000"/>
-                </a:solidFill>
-                <a:uFill>
-                  <a:solidFill>
-                    <a:srgbClr val="FFFFFF"/>
-                  </a:solidFill>
-                </a:uFill>
-                <a:latin typeface="Consolas"/>
-              </a:rPr>
-              <a:t>(</a:t>
-            </a:r>
-            <a:r>
-              <a:rPr lang="en-US" spc="-1" dirty="0">
-                <a:solidFill>
-                  <a:srgbClr val="A31515"/>
-                </a:solidFill>
-                <a:uFill>
-                  <a:solidFill>
-                    <a:srgbClr val="FFFFFF"/>
-                  </a:solidFill>
-                </a:uFill>
-                <a:latin typeface="Consolas"/>
-              </a:rPr>
-              <a:t>"Index"</a:t>
-            </a:r>
-            <a:r>
-              <a:rPr lang="en-US" spc="-1" dirty="0">
-                <a:solidFill>
-                  <a:srgbClr val="000000"/>
-                </a:solidFill>
-                <a:uFill>
-                  <a:solidFill>
-                    <a:srgbClr val="FFFFFF"/>
-                  </a:solidFill>
-                </a:uFill>
-                <a:latin typeface="Consolas"/>
-              </a:rPr>
-              <a:t>); </a:t>
-            </a:r>
-            <a:endParaRPr lang="en-US" sz="2800" spc="-1" dirty="0">
-              <a:solidFill>
-                <a:srgbClr val="000000"/>
-              </a:solidFill>
-              <a:uFill>
-                <a:solidFill>
-                  <a:srgbClr val="FFFFFF"/>
-                </a:solidFill>
-              </a:uFill>
-            </a:endParaRPr>
-          </a:p>
-          <a:p>
-            <a:pPr>
-              <a:lnSpc>
-                <a:spcPct val="100000"/>
-              </a:lnSpc>
-            </a:pPr>
-            <a:r>
-              <a:rPr lang="en-US" spc="-1" dirty="0">
-                <a:solidFill>
-                  <a:srgbClr val="000000"/>
-                </a:solidFill>
-                <a:uFill>
-                  <a:solidFill>
-                    <a:srgbClr val="FFFFFF"/>
-                  </a:solidFill>
-                </a:uFill>
-                <a:latin typeface="Consolas"/>
-              </a:rPr>
-              <a:t>}</a:t>
-            </a:r>
-            <a:endParaRPr lang="en-US" sz="2800" spc="-1" dirty="0">
-              <a:solidFill>
-                <a:srgbClr val="000000"/>
-              </a:solidFill>
-              <a:uFill>
-                <a:solidFill>
-                  <a:srgbClr val="FFFFFF"/>
-                </a:solidFill>
-              </a:uFill>
-            </a:endParaRPr>
+            <a:endParaRPr lang="fr-FR" baseline="0" dirty="0"/>
           </a:p>
         </p:txBody>
       </p:sp>
     </p:spTree>
     <p:extLst>
       <p:ext uri="{BB962C8B-B14F-4D97-AF65-F5344CB8AC3E}">
-        <p14:creationId xmlns:p14="http://schemas.microsoft.com/office/powerpoint/2010/main" val="3456109569"/>
+        <p14:creationId xmlns:p14="http://schemas.microsoft.com/office/powerpoint/2010/main" val="1989750114"/>
       </p:ext>
     </p:extLst>
   </p:cSld>
@@ -8444,7 +8510,7 @@
           <p:cNvPr id="2" name="Titre 1">
             <a:extLst>
               <a:ext uri="{FF2B5EF4-FFF2-40B4-BE49-F238E27FC236}">
-                <a16:creationId xmlns:a16="http://schemas.microsoft.com/office/drawing/2014/main" id="{E615A72B-0BAB-44E2-85C2-E52C6754CEC1}"/>
+                <a16:creationId xmlns:a16="http://schemas.microsoft.com/office/drawing/2014/main" id="{89E5BCA4-C542-47A6-BDDA-2210B89BA97B}"/>
               </a:ext>
             </a:extLst>
           </p:cNvPr>
@@ -8462,7 +8528,7 @@
           <a:p>
             <a:r>
               <a:rPr lang="fr-FR" dirty="0"/>
-              <a:t>Exercices</a:t>
+              <a:t>Dispositions</a:t>
             </a:r>
           </a:p>
         </p:txBody>
@@ -8472,7 +8538,7 @@
           <p:cNvPr id="3" name="Espace réservé du contenu 2">
             <a:extLst>
               <a:ext uri="{FF2B5EF4-FFF2-40B4-BE49-F238E27FC236}">
-                <a16:creationId xmlns:a16="http://schemas.microsoft.com/office/drawing/2014/main" id="{28BB1DF9-7B3E-48B9-839F-FE38EC10FFF5}"/>
+                <a16:creationId xmlns:a16="http://schemas.microsoft.com/office/drawing/2014/main" id="{EB979CBB-8A89-4CCC-B18F-0282B8DF9AAA}"/>
               </a:ext>
             </a:extLst>
           </p:cNvPr>
@@ -8490,7 +8556,47 @@
           <a:p>
             <a:r>
               <a:rPr lang="fr-FR" dirty="0"/>
-              <a:t>Exercice 6</a:t>
+              <a:t>Bien souvent, les sites web sont décomposés graphiquement en parties distinctes</a:t>
+            </a:r>
+          </a:p>
+          <a:p>
+            <a:pPr lvl="1"/>
+            <a:r>
+              <a:rPr lang="fr-FR" dirty="0"/>
+              <a:t>Par exemple : un en-tête, un menu, le contenu principal, le pied de page</a:t>
+            </a:r>
+          </a:p>
+          <a:p>
+            <a:r>
+              <a:rPr lang="fr-FR" dirty="0"/>
+              <a:t>Un site réutilise en général la même disposition d’une page à l’autre</a:t>
+            </a:r>
+          </a:p>
+          <a:p>
+            <a:pPr lvl="1"/>
+            <a:r>
+              <a:rPr lang="fr-FR" dirty="0"/>
+              <a:t>Ou un ensemble restreint de dispositions</a:t>
+            </a:r>
+          </a:p>
+          <a:p>
+            <a:r>
+              <a:rPr lang="fr-FR" dirty="0"/>
+              <a:t>Seules certaines parties changent en fonction de la page appelée</a:t>
+            </a:r>
+          </a:p>
+          <a:p>
+            <a:r>
+              <a:rPr lang="fr-FR" dirty="0"/>
+              <a:t>Il n’est pas correct</a:t>
+            </a:r>
+            <a:r>
+              <a:rPr lang="fr-FR" baseline="0" dirty="0"/>
+              <a:t> de répéter cette disposition sur chacune des</a:t>
+            </a:r>
+            <a:r>
+              <a:rPr lang="fr-FR" dirty="0"/>
+              <a:t> vues</a:t>
             </a:r>
           </a:p>
         </p:txBody>
@@ -8498,7 +8604,711 @@
     </p:spTree>
     <p:extLst>
       <p:ext uri="{BB962C8B-B14F-4D97-AF65-F5344CB8AC3E}">
-        <p14:creationId xmlns:p14="http://schemas.microsoft.com/office/powerpoint/2010/main" val="540562924"/>
+        <p14:creationId xmlns:p14="http://schemas.microsoft.com/office/powerpoint/2010/main" val="2555253178"/>
+      </p:ext>
+    </p:extLst>
+  </p:cSld>
+  <p:clrMapOvr>
+    <a:masterClrMapping/>
+  </p:clrMapOvr>
+</p:sld>
+</file>
+
+<file path=ppt/slides/slide14.xml><?xml version="1.0" encoding="utf-8"?>
+<p:sld xmlns:a="http://schemas.openxmlformats.org/drawingml/2006/main" xmlns:r="http://schemas.openxmlformats.org/officeDocument/2006/relationships" xmlns:p="http://schemas.openxmlformats.org/presentationml/2006/main">
+  <p:cSld>
+    <p:spTree>
+      <p:nvGrpSpPr>
+        <p:cNvPr id="1" name=""/>
+        <p:cNvGrpSpPr/>
+        <p:nvPr/>
+      </p:nvGrpSpPr>
+      <p:grpSpPr>
+        <a:xfrm>
+          <a:off x="0" y="0"/>
+          <a:ext cx="0" cy="0"/>
+          <a:chOff x="0" y="0"/>
+          <a:chExt cx="0" cy="0"/>
+        </a:xfrm>
+      </p:grpSpPr>
+      <p:sp>
+        <p:nvSpPr>
+          <p:cNvPr id="2" name="Titre 1">
+            <a:extLst>
+              <a:ext uri="{FF2B5EF4-FFF2-40B4-BE49-F238E27FC236}">
+                <a16:creationId xmlns:a16="http://schemas.microsoft.com/office/drawing/2014/main" id="{31AE14C7-B731-44BA-ABBF-8E616B21C1AE}"/>
+              </a:ext>
+            </a:extLst>
+          </p:cNvPr>
+          <p:cNvSpPr>
+            <a:spLocks noGrp="1"/>
+          </p:cNvSpPr>
+          <p:nvPr>
+            <p:ph type="title"/>
+          </p:nvPr>
+        </p:nvSpPr>
+        <p:spPr/>
+        <p:txBody>
+          <a:bodyPr/>
+          <a:lstStyle/>
+          <a:p>
+            <a:r>
+              <a:rPr lang="fr-FR" dirty="0"/>
+              <a:t>Page de disposition</a:t>
+            </a:r>
+          </a:p>
+        </p:txBody>
+      </p:sp>
+      <p:sp>
+        <p:nvSpPr>
+          <p:cNvPr id="3" name="Espace réservé du contenu 2">
+            <a:extLst>
+              <a:ext uri="{FF2B5EF4-FFF2-40B4-BE49-F238E27FC236}">
+                <a16:creationId xmlns:a16="http://schemas.microsoft.com/office/drawing/2014/main" id="{C71C3027-8A64-4CEE-BA03-DAD74434515F}"/>
+              </a:ext>
+            </a:extLst>
+          </p:cNvPr>
+          <p:cNvSpPr>
+            <a:spLocks noGrp="1"/>
+          </p:cNvSpPr>
+          <p:nvPr>
+            <p:ph idx="1"/>
+          </p:nvPr>
+        </p:nvSpPr>
+        <p:spPr/>
+        <p:txBody>
+          <a:bodyPr/>
+          <a:lstStyle/>
+          <a:p>
+            <a:r>
+              <a:rPr lang="fr-FR" dirty="0"/>
+              <a:t>Une page de disposition est une vue (fichier </a:t>
+            </a:r>
+            <a:r>
+              <a:rPr lang="fr-FR" dirty="0" err="1"/>
+              <a:t>cshtml</a:t>
+            </a:r>
+            <a:r>
+              <a:rPr lang="fr-FR" dirty="0"/>
+              <a:t>) comme une autre, mais elle n’est pas appelée directement</a:t>
+            </a:r>
+          </a:p>
+          <a:p>
+            <a:r>
+              <a:rPr lang="fr-FR" dirty="0"/>
+              <a:t>Par convention, on créé cette vue dans un répertoire « </a:t>
+            </a:r>
+            <a:r>
+              <a:rPr lang="fr-FR" dirty="0" err="1"/>
+              <a:t>Shared</a:t>
+            </a:r>
+            <a:r>
+              <a:rPr lang="fr-FR" dirty="0"/>
+              <a:t> »</a:t>
+            </a:r>
+          </a:p>
+          <a:p>
+            <a:r>
+              <a:rPr lang="fr-FR" dirty="0"/>
+              <a:t>Cette vue contient tout le code HTML commun aux pages qui auront cette disposition</a:t>
+            </a:r>
+          </a:p>
+          <a:p>
+            <a:endParaRPr lang="fr-FR" dirty="0"/>
+          </a:p>
+          <a:p>
+            <a:r>
+              <a:rPr lang="fr-FR" dirty="0"/>
+              <a:t>Une page de disposition </a:t>
+            </a:r>
+            <a:r>
+              <a:rPr lang="fr-FR" b="1" dirty="0"/>
+              <a:t>doit</a:t>
+            </a:r>
+            <a:r>
+              <a:rPr lang="fr-FR" dirty="0"/>
+              <a:t> contenir l’instruction @</a:t>
+            </a:r>
+            <a:r>
+              <a:rPr lang="fr-FR" dirty="0" err="1"/>
+              <a:t>RenderBody</a:t>
+            </a:r>
+            <a:r>
+              <a:rPr lang="fr-FR" dirty="0"/>
+              <a:t>()</a:t>
+            </a:r>
+          </a:p>
+          <a:p>
+            <a:r>
+              <a:rPr lang="fr-FR" dirty="0"/>
+              <a:t>Une page de disposition </a:t>
+            </a:r>
+            <a:r>
+              <a:rPr lang="fr-FR" i="1" dirty="0"/>
+              <a:t>peut </a:t>
+            </a:r>
+            <a:r>
+              <a:rPr lang="fr-FR" dirty="0"/>
+              <a:t>contenir les instructions @</a:t>
+            </a:r>
+            <a:r>
+              <a:rPr lang="fr-FR" dirty="0" err="1"/>
+              <a:t>RenderSection</a:t>
+            </a:r>
+            <a:r>
+              <a:rPr lang="fr-FR" dirty="0"/>
+              <a:t>(</a:t>
+            </a:r>
+            <a:r>
+              <a:rPr lang="fr-FR" dirty="0" err="1"/>
+              <a:t>nomDeSection</a:t>
+            </a:r>
+            <a:r>
+              <a:rPr lang="fr-FR" dirty="0"/>
+              <a:t>)</a:t>
+            </a:r>
+          </a:p>
+        </p:txBody>
+      </p:sp>
+    </p:spTree>
+    <p:extLst>
+      <p:ext uri="{BB962C8B-B14F-4D97-AF65-F5344CB8AC3E}">
+        <p14:creationId xmlns:p14="http://schemas.microsoft.com/office/powerpoint/2010/main" val="1378691051"/>
+      </p:ext>
+    </p:extLst>
+  </p:cSld>
+  <p:clrMapOvr>
+    <a:masterClrMapping/>
+  </p:clrMapOvr>
+</p:sld>
+</file>
+
+<file path=ppt/slides/slide15.xml><?xml version="1.0" encoding="utf-8"?>
+<p:sld xmlns:a="http://schemas.openxmlformats.org/drawingml/2006/main" xmlns:r="http://schemas.openxmlformats.org/officeDocument/2006/relationships" xmlns:p="http://schemas.openxmlformats.org/presentationml/2006/main">
+  <p:cSld>
+    <p:spTree>
+      <p:nvGrpSpPr>
+        <p:cNvPr id="1" name=""/>
+        <p:cNvGrpSpPr/>
+        <p:nvPr/>
+      </p:nvGrpSpPr>
+      <p:grpSpPr>
+        <a:xfrm>
+          <a:off x="0" y="0"/>
+          <a:ext cx="0" cy="0"/>
+          <a:chOff x="0" y="0"/>
+          <a:chExt cx="0" cy="0"/>
+        </a:xfrm>
+      </p:grpSpPr>
+      <p:sp>
+        <p:nvSpPr>
+          <p:cNvPr id="2" name="Titre 1">
+            <a:extLst>
+              <a:ext uri="{FF2B5EF4-FFF2-40B4-BE49-F238E27FC236}">
+                <a16:creationId xmlns:a16="http://schemas.microsoft.com/office/drawing/2014/main" id="{FE10FBF1-C54C-47DB-BFBB-AE3A410A9263}"/>
+              </a:ext>
+            </a:extLst>
+          </p:cNvPr>
+          <p:cNvSpPr>
+            <a:spLocks noGrp="1"/>
+          </p:cNvSpPr>
+          <p:nvPr>
+            <p:ph type="title"/>
+          </p:nvPr>
+        </p:nvSpPr>
+        <p:spPr/>
+        <p:txBody>
+          <a:bodyPr/>
+          <a:lstStyle/>
+          <a:p>
+            <a:r>
+              <a:rPr lang="fr-FR" dirty="0"/>
+              <a:t>Page de disposition - corps</a:t>
+            </a:r>
+          </a:p>
+        </p:txBody>
+      </p:sp>
+      <p:sp>
+        <p:nvSpPr>
+          <p:cNvPr id="3" name="Espace réservé du contenu 2">
+            <a:extLst>
+              <a:ext uri="{FF2B5EF4-FFF2-40B4-BE49-F238E27FC236}">
+                <a16:creationId xmlns:a16="http://schemas.microsoft.com/office/drawing/2014/main" id="{CB07FD17-A82A-4856-85A0-C1D34D217157}"/>
+              </a:ext>
+            </a:extLst>
+          </p:cNvPr>
+          <p:cNvSpPr>
+            <a:spLocks noGrp="1"/>
+          </p:cNvSpPr>
+          <p:nvPr>
+            <p:ph idx="1"/>
+          </p:nvPr>
+        </p:nvSpPr>
+        <p:spPr/>
+        <p:txBody>
+          <a:bodyPr/>
+          <a:lstStyle/>
+          <a:p>
+            <a:endParaRPr lang="fr-FR" dirty="0"/>
+          </a:p>
+        </p:txBody>
+      </p:sp>
+      <p:pic>
+        <p:nvPicPr>
+          <p:cNvPr id="4" name="Image 3">
+            <a:extLst>
+              <a:ext uri="{FF2B5EF4-FFF2-40B4-BE49-F238E27FC236}">
+                <a16:creationId xmlns:a16="http://schemas.microsoft.com/office/drawing/2014/main" id="{11B45E21-601F-498C-BE71-49544C37CA5B}"/>
+              </a:ext>
+            </a:extLst>
+          </p:cNvPr>
+          <p:cNvPicPr>
+            <a:picLocks noChangeAspect="1"/>
+          </p:cNvPicPr>
+          <p:nvPr/>
+        </p:nvPicPr>
+        <p:blipFill>
+          <a:blip r:embed="rId2"/>
+          <a:stretch>
+            <a:fillRect/>
+          </a:stretch>
+        </p:blipFill>
+        <p:spPr>
+          <a:xfrm>
+            <a:off x="226745" y="1402080"/>
+            <a:ext cx="11738509" cy="4053840"/>
+          </a:xfrm>
+          <a:prstGeom prst="rect">
+            <a:avLst/>
+          </a:prstGeom>
+        </p:spPr>
+      </p:pic>
+    </p:spTree>
+    <p:extLst>
+      <p:ext uri="{BB962C8B-B14F-4D97-AF65-F5344CB8AC3E}">
+        <p14:creationId xmlns:p14="http://schemas.microsoft.com/office/powerpoint/2010/main" val="3473124444"/>
+      </p:ext>
+    </p:extLst>
+  </p:cSld>
+  <p:clrMapOvr>
+    <a:masterClrMapping/>
+  </p:clrMapOvr>
+</p:sld>
+</file>
+
+<file path=ppt/slides/slide16.xml><?xml version="1.0" encoding="utf-8"?>
+<p:sld xmlns:a="http://schemas.openxmlformats.org/drawingml/2006/main" xmlns:r="http://schemas.openxmlformats.org/officeDocument/2006/relationships" xmlns:p="http://schemas.openxmlformats.org/presentationml/2006/main">
+  <p:cSld>
+    <p:spTree>
+      <p:nvGrpSpPr>
+        <p:cNvPr id="1" name=""/>
+        <p:cNvGrpSpPr/>
+        <p:nvPr/>
+      </p:nvGrpSpPr>
+      <p:grpSpPr>
+        <a:xfrm>
+          <a:off x="0" y="0"/>
+          <a:ext cx="0" cy="0"/>
+          <a:chOff x="0" y="0"/>
+          <a:chExt cx="0" cy="0"/>
+        </a:xfrm>
+      </p:grpSpPr>
+      <p:sp>
+        <p:nvSpPr>
+          <p:cNvPr id="2" name="Titre 1">
+            <a:extLst>
+              <a:ext uri="{FF2B5EF4-FFF2-40B4-BE49-F238E27FC236}">
+                <a16:creationId xmlns:a16="http://schemas.microsoft.com/office/drawing/2014/main" id="{F6E3B789-B992-46EB-BAC8-14C9469507E7}"/>
+              </a:ext>
+            </a:extLst>
+          </p:cNvPr>
+          <p:cNvSpPr>
+            <a:spLocks noGrp="1"/>
+          </p:cNvSpPr>
+          <p:nvPr>
+            <p:ph type="title"/>
+          </p:nvPr>
+        </p:nvSpPr>
+        <p:spPr/>
+        <p:txBody>
+          <a:bodyPr/>
+          <a:lstStyle/>
+          <a:p>
+            <a:r>
+              <a:rPr lang="fr-FR" dirty="0"/>
+              <a:t>Page de disposition – corps</a:t>
+            </a:r>
+          </a:p>
+        </p:txBody>
+      </p:sp>
+      <p:sp>
+        <p:nvSpPr>
+          <p:cNvPr id="3" name="Espace réservé du contenu 2">
+            <a:extLst>
+              <a:ext uri="{FF2B5EF4-FFF2-40B4-BE49-F238E27FC236}">
+                <a16:creationId xmlns:a16="http://schemas.microsoft.com/office/drawing/2014/main" id="{63816947-6573-406D-82B5-EDC473AFA8B7}"/>
+              </a:ext>
+            </a:extLst>
+          </p:cNvPr>
+          <p:cNvSpPr>
+            <a:spLocks noGrp="1"/>
+          </p:cNvSpPr>
+          <p:nvPr>
+            <p:ph idx="1"/>
+          </p:nvPr>
+        </p:nvSpPr>
+        <p:spPr/>
+        <p:txBody>
+          <a:bodyPr/>
+          <a:lstStyle/>
+          <a:p>
+            <a:endParaRPr lang="fr-FR" dirty="0"/>
+          </a:p>
+        </p:txBody>
+      </p:sp>
+      <p:pic>
+        <p:nvPicPr>
+          <p:cNvPr id="5" name="Image 4">
+            <a:extLst>
+              <a:ext uri="{FF2B5EF4-FFF2-40B4-BE49-F238E27FC236}">
+                <a16:creationId xmlns:a16="http://schemas.microsoft.com/office/drawing/2014/main" id="{D6A0DDF6-1464-4A45-B01A-4D511EAE70F9}"/>
+              </a:ext>
+            </a:extLst>
+          </p:cNvPr>
+          <p:cNvPicPr>
+            <a:picLocks noChangeAspect="1"/>
+          </p:cNvPicPr>
+          <p:nvPr/>
+        </p:nvPicPr>
+        <p:blipFill>
+          <a:blip r:embed="rId2"/>
+          <a:stretch>
+            <a:fillRect/>
+          </a:stretch>
+        </p:blipFill>
+        <p:spPr>
+          <a:xfrm>
+            <a:off x="2144028" y="1377459"/>
+            <a:ext cx="7732491" cy="4361182"/>
+          </a:xfrm>
+          <a:prstGeom prst="rect">
+            <a:avLst/>
+          </a:prstGeom>
+        </p:spPr>
+      </p:pic>
+    </p:spTree>
+    <p:extLst>
+      <p:ext uri="{BB962C8B-B14F-4D97-AF65-F5344CB8AC3E}">
+        <p14:creationId xmlns:p14="http://schemas.microsoft.com/office/powerpoint/2010/main" val="2374611005"/>
+      </p:ext>
+    </p:extLst>
+  </p:cSld>
+  <p:clrMapOvr>
+    <a:masterClrMapping/>
+  </p:clrMapOvr>
+</p:sld>
+</file>
+
+<file path=ppt/slides/slide17.xml><?xml version="1.0" encoding="utf-8"?>
+<p:sld xmlns:a="http://schemas.openxmlformats.org/drawingml/2006/main" xmlns:r="http://schemas.openxmlformats.org/officeDocument/2006/relationships" xmlns:p="http://schemas.openxmlformats.org/presentationml/2006/main">
+  <p:cSld>
+    <p:spTree>
+      <p:nvGrpSpPr>
+        <p:cNvPr id="1" name=""/>
+        <p:cNvGrpSpPr/>
+        <p:nvPr/>
+      </p:nvGrpSpPr>
+      <p:grpSpPr>
+        <a:xfrm>
+          <a:off x="0" y="0"/>
+          <a:ext cx="0" cy="0"/>
+          <a:chOff x="0" y="0"/>
+          <a:chExt cx="0" cy="0"/>
+        </a:xfrm>
+      </p:grpSpPr>
+      <p:sp>
+        <p:nvSpPr>
+          <p:cNvPr id="2" name="Titre 1">
+            <a:extLst>
+              <a:ext uri="{FF2B5EF4-FFF2-40B4-BE49-F238E27FC236}">
+                <a16:creationId xmlns:a16="http://schemas.microsoft.com/office/drawing/2014/main" id="{EE6F65BA-8B74-4522-9BBC-1DC1D754C94D}"/>
+              </a:ext>
+            </a:extLst>
+          </p:cNvPr>
+          <p:cNvSpPr>
+            <a:spLocks noGrp="1"/>
+          </p:cNvSpPr>
+          <p:nvPr>
+            <p:ph type="title"/>
+          </p:nvPr>
+        </p:nvSpPr>
+        <p:spPr/>
+        <p:txBody>
+          <a:bodyPr/>
+          <a:lstStyle/>
+          <a:p>
+            <a:r>
+              <a:rPr lang="fr-FR" dirty="0"/>
+              <a:t>Page de disposition – section</a:t>
+            </a:r>
+          </a:p>
+        </p:txBody>
+      </p:sp>
+      <p:sp>
+        <p:nvSpPr>
+          <p:cNvPr id="3" name="Espace réservé du contenu 2">
+            <a:extLst>
+              <a:ext uri="{FF2B5EF4-FFF2-40B4-BE49-F238E27FC236}">
+                <a16:creationId xmlns:a16="http://schemas.microsoft.com/office/drawing/2014/main" id="{2134C9B3-AA98-42E1-99F5-DC6075FBFBFF}"/>
+              </a:ext>
+            </a:extLst>
+          </p:cNvPr>
+          <p:cNvSpPr>
+            <a:spLocks noGrp="1"/>
+          </p:cNvSpPr>
+          <p:nvPr>
+            <p:ph idx="1"/>
+          </p:nvPr>
+        </p:nvSpPr>
+        <p:spPr/>
+        <p:txBody>
+          <a:bodyPr/>
+          <a:lstStyle/>
+          <a:p>
+            <a:endParaRPr lang="fr-FR"/>
+          </a:p>
+        </p:txBody>
+      </p:sp>
+      <p:pic>
+        <p:nvPicPr>
+          <p:cNvPr id="4" name="Image 3">
+            <a:extLst>
+              <a:ext uri="{FF2B5EF4-FFF2-40B4-BE49-F238E27FC236}">
+                <a16:creationId xmlns:a16="http://schemas.microsoft.com/office/drawing/2014/main" id="{947280A2-5840-4FAF-8F9D-BCEADCE3D007}"/>
+              </a:ext>
+            </a:extLst>
+          </p:cNvPr>
+          <p:cNvPicPr>
+            <a:picLocks noChangeAspect="1"/>
+          </p:cNvPicPr>
+          <p:nvPr/>
+        </p:nvPicPr>
+        <p:blipFill>
+          <a:blip r:embed="rId2"/>
+          <a:stretch>
+            <a:fillRect/>
+          </a:stretch>
+        </p:blipFill>
+        <p:spPr>
+          <a:xfrm>
+            <a:off x="559738" y="1257301"/>
+            <a:ext cx="10901072" cy="5505261"/>
+          </a:xfrm>
+          <a:prstGeom prst="rect">
+            <a:avLst/>
+          </a:prstGeom>
+        </p:spPr>
+      </p:pic>
+    </p:spTree>
+    <p:extLst>
+      <p:ext uri="{BB962C8B-B14F-4D97-AF65-F5344CB8AC3E}">
+        <p14:creationId xmlns:p14="http://schemas.microsoft.com/office/powerpoint/2010/main" val="209445192"/>
+      </p:ext>
+    </p:extLst>
+  </p:cSld>
+  <p:clrMapOvr>
+    <a:masterClrMapping/>
+  </p:clrMapOvr>
+</p:sld>
+</file>
+
+<file path=ppt/slides/slide18.xml><?xml version="1.0" encoding="utf-8"?>
+<p:sld xmlns:a="http://schemas.openxmlformats.org/drawingml/2006/main" xmlns:r="http://schemas.openxmlformats.org/officeDocument/2006/relationships" xmlns:p="http://schemas.openxmlformats.org/presentationml/2006/main">
+  <p:cSld>
+    <p:spTree>
+      <p:nvGrpSpPr>
+        <p:cNvPr id="1" name=""/>
+        <p:cNvGrpSpPr/>
+        <p:nvPr/>
+      </p:nvGrpSpPr>
+      <p:grpSpPr>
+        <a:xfrm>
+          <a:off x="0" y="0"/>
+          <a:ext cx="0" cy="0"/>
+          <a:chOff x="0" y="0"/>
+          <a:chExt cx="0" cy="0"/>
+        </a:xfrm>
+      </p:grpSpPr>
+      <p:sp>
+        <p:nvSpPr>
+          <p:cNvPr id="2" name="Titre 1">
+            <a:extLst>
+              <a:ext uri="{FF2B5EF4-FFF2-40B4-BE49-F238E27FC236}">
+                <a16:creationId xmlns:a16="http://schemas.microsoft.com/office/drawing/2014/main" id="{5DC217FF-22CA-475E-BF5E-A3293F8CF02C}"/>
+              </a:ext>
+            </a:extLst>
+          </p:cNvPr>
+          <p:cNvSpPr>
+            <a:spLocks noGrp="1"/>
+          </p:cNvSpPr>
+          <p:nvPr>
+            <p:ph type="title"/>
+          </p:nvPr>
+        </p:nvSpPr>
+        <p:spPr/>
+        <p:txBody>
+          <a:bodyPr/>
+          <a:lstStyle/>
+          <a:p>
+            <a:r>
+              <a:rPr lang="fr-FR" dirty="0"/>
+              <a:t>Page de disposition – section</a:t>
+            </a:r>
+          </a:p>
+        </p:txBody>
+      </p:sp>
+      <p:sp>
+        <p:nvSpPr>
+          <p:cNvPr id="3" name="Espace réservé du contenu 2">
+            <a:extLst>
+              <a:ext uri="{FF2B5EF4-FFF2-40B4-BE49-F238E27FC236}">
+                <a16:creationId xmlns:a16="http://schemas.microsoft.com/office/drawing/2014/main" id="{D582C257-97E6-4BDC-A3E3-88CD7F85F453}"/>
+              </a:ext>
+            </a:extLst>
+          </p:cNvPr>
+          <p:cNvSpPr>
+            <a:spLocks noGrp="1"/>
+          </p:cNvSpPr>
+          <p:nvPr>
+            <p:ph idx="1"/>
+          </p:nvPr>
+        </p:nvSpPr>
+        <p:spPr/>
+        <p:txBody>
+          <a:bodyPr/>
+          <a:lstStyle/>
+          <a:p>
+            <a:endParaRPr lang="fr-FR"/>
+          </a:p>
+        </p:txBody>
+      </p:sp>
+      <p:pic>
+        <p:nvPicPr>
+          <p:cNvPr id="4" name="Image 3">
+            <a:extLst>
+              <a:ext uri="{FF2B5EF4-FFF2-40B4-BE49-F238E27FC236}">
+                <a16:creationId xmlns:a16="http://schemas.microsoft.com/office/drawing/2014/main" id="{89695DA5-C189-4464-B3E9-17EA49F52305}"/>
+              </a:ext>
+            </a:extLst>
+          </p:cNvPr>
+          <p:cNvPicPr>
+            <a:picLocks noChangeAspect="1"/>
+          </p:cNvPicPr>
+          <p:nvPr/>
+        </p:nvPicPr>
+        <p:blipFill>
+          <a:blip r:embed="rId2"/>
+          <a:stretch>
+            <a:fillRect/>
+          </a:stretch>
+        </p:blipFill>
+        <p:spPr>
+          <a:xfrm>
+            <a:off x="2487046" y="1711511"/>
+            <a:ext cx="7217905" cy="4683677"/>
+          </a:xfrm>
+          <a:prstGeom prst="rect">
+            <a:avLst/>
+          </a:prstGeom>
+        </p:spPr>
+      </p:pic>
+    </p:spTree>
+    <p:extLst>
+      <p:ext uri="{BB962C8B-B14F-4D97-AF65-F5344CB8AC3E}">
+        <p14:creationId xmlns:p14="http://schemas.microsoft.com/office/powerpoint/2010/main" val="555370416"/>
+      </p:ext>
+    </p:extLst>
+  </p:cSld>
+  <p:clrMapOvr>
+    <a:masterClrMapping/>
+  </p:clrMapOvr>
+</p:sld>
+</file>
+
+<file path=ppt/slides/slide19.xml><?xml version="1.0" encoding="utf-8"?>
+<p:sld xmlns:a="http://schemas.openxmlformats.org/drawingml/2006/main" xmlns:r="http://schemas.openxmlformats.org/officeDocument/2006/relationships" xmlns:p="http://schemas.openxmlformats.org/presentationml/2006/main">
+  <p:cSld>
+    <p:spTree>
+      <p:nvGrpSpPr>
+        <p:cNvPr id="1" name=""/>
+        <p:cNvGrpSpPr/>
+        <p:nvPr/>
+      </p:nvGrpSpPr>
+      <p:grpSpPr>
+        <a:xfrm>
+          <a:off x="0" y="0"/>
+          <a:ext cx="0" cy="0"/>
+          <a:chOff x="0" y="0"/>
+          <a:chExt cx="0" cy="0"/>
+        </a:xfrm>
+      </p:grpSpPr>
+      <p:sp>
+        <p:nvSpPr>
+          <p:cNvPr id="2" name="Titre 1">
+            <a:extLst>
+              <a:ext uri="{FF2B5EF4-FFF2-40B4-BE49-F238E27FC236}">
+                <a16:creationId xmlns:a16="http://schemas.microsoft.com/office/drawing/2014/main" id="{3C0BF636-0739-4437-9107-F49CEA4E09E4}"/>
+              </a:ext>
+            </a:extLst>
+          </p:cNvPr>
+          <p:cNvSpPr>
+            <a:spLocks noGrp="1"/>
+          </p:cNvSpPr>
+          <p:nvPr>
+            <p:ph type="title"/>
+          </p:nvPr>
+        </p:nvSpPr>
+        <p:spPr/>
+        <p:txBody>
+          <a:bodyPr/>
+          <a:lstStyle/>
+          <a:p>
+            <a:r>
+              <a:rPr lang="fr-FR" dirty="0"/>
+              <a:t>Exercices</a:t>
+            </a:r>
+          </a:p>
+        </p:txBody>
+      </p:sp>
+      <p:sp>
+        <p:nvSpPr>
+          <p:cNvPr id="3" name="Espace réservé du contenu 2">
+            <a:extLst>
+              <a:ext uri="{FF2B5EF4-FFF2-40B4-BE49-F238E27FC236}">
+                <a16:creationId xmlns:a16="http://schemas.microsoft.com/office/drawing/2014/main" id="{9E85CBA5-B1BB-48B4-92F3-8A1AF2EE37CE}"/>
+              </a:ext>
+            </a:extLst>
+          </p:cNvPr>
+          <p:cNvSpPr>
+            <a:spLocks noGrp="1"/>
+          </p:cNvSpPr>
+          <p:nvPr>
+            <p:ph idx="1"/>
+          </p:nvPr>
+        </p:nvSpPr>
+        <p:spPr/>
+        <p:txBody>
+          <a:bodyPr/>
+          <a:lstStyle/>
+          <a:p>
+            <a:endParaRPr lang="fr-FR"/>
+          </a:p>
+        </p:txBody>
+      </p:sp>
+    </p:spTree>
+    <p:extLst>
+      <p:ext uri="{BB962C8B-B14F-4D97-AF65-F5344CB8AC3E}">
+        <p14:creationId xmlns:p14="http://schemas.microsoft.com/office/powerpoint/2010/main" val="913469977"/>
       </p:ext>
     </p:extLst>
   </p:cSld>
@@ -8709,6 +9519,944 @@
     <p:extLst>
       <p:ext uri="{BB962C8B-B14F-4D97-AF65-F5344CB8AC3E}">
         <p14:creationId xmlns:p14="http://schemas.microsoft.com/office/powerpoint/2010/main" val="3629194681"/>
+      </p:ext>
+    </p:extLst>
+  </p:cSld>
+  <p:clrMapOvr>
+    <a:masterClrMapping/>
+  </p:clrMapOvr>
+</p:sld>
+</file>
+
+<file path=ppt/slides/slide20.xml><?xml version="1.0" encoding="utf-8"?>
+<p:sld xmlns:a="http://schemas.openxmlformats.org/drawingml/2006/main" xmlns:r="http://schemas.openxmlformats.org/officeDocument/2006/relationships" xmlns:p="http://schemas.openxmlformats.org/presentationml/2006/main">
+  <p:cSld>
+    <p:spTree>
+      <p:nvGrpSpPr>
+        <p:cNvPr id="1" name=""/>
+        <p:cNvGrpSpPr/>
+        <p:nvPr/>
+      </p:nvGrpSpPr>
+      <p:grpSpPr>
+        <a:xfrm>
+          <a:off x="0" y="0"/>
+          <a:ext cx="0" cy="0"/>
+          <a:chOff x="0" y="0"/>
+          <a:chExt cx="0" cy="0"/>
+        </a:xfrm>
+      </p:grpSpPr>
+      <p:sp>
+        <p:nvSpPr>
+          <p:cNvPr id="2" name="Titre 1">
+            <a:extLst>
+              <a:ext uri="{FF2B5EF4-FFF2-40B4-BE49-F238E27FC236}">
+                <a16:creationId xmlns:a16="http://schemas.microsoft.com/office/drawing/2014/main" id="{7ECC8C7D-B3AE-4A12-8C17-0BC5FD698950}"/>
+              </a:ext>
+            </a:extLst>
+          </p:cNvPr>
+          <p:cNvSpPr>
+            <a:spLocks noGrp="1"/>
+          </p:cNvSpPr>
+          <p:nvPr>
+            <p:ph type="title"/>
+          </p:nvPr>
+        </p:nvSpPr>
+        <p:spPr/>
+        <p:txBody>
+          <a:bodyPr/>
+          <a:lstStyle/>
+          <a:p>
+            <a:r>
+              <a:rPr lang="fr-FR" dirty="0"/>
+              <a:t>Page</a:t>
+            </a:r>
+            <a:r>
+              <a:rPr lang="fr-FR" baseline="0" dirty="0"/>
+              <a:t> de disposition</a:t>
+            </a:r>
+            <a:endParaRPr lang="fr-FR" dirty="0"/>
+          </a:p>
+        </p:txBody>
+      </p:sp>
+      <p:sp>
+        <p:nvSpPr>
+          <p:cNvPr id="3" name="Espace réservé du contenu 2">
+            <a:extLst>
+              <a:ext uri="{FF2B5EF4-FFF2-40B4-BE49-F238E27FC236}">
+                <a16:creationId xmlns:a16="http://schemas.microsoft.com/office/drawing/2014/main" id="{3969107C-C9DE-49B1-9D4C-36B956BA571A}"/>
+              </a:ext>
+            </a:extLst>
+          </p:cNvPr>
+          <p:cNvSpPr>
+            <a:spLocks noGrp="1"/>
+          </p:cNvSpPr>
+          <p:nvPr>
+            <p:ph idx="1"/>
+          </p:nvPr>
+        </p:nvSpPr>
+        <p:spPr/>
+        <p:txBody>
+          <a:bodyPr/>
+          <a:lstStyle/>
+          <a:p>
+            <a:r>
+              <a:rPr lang="fr-FR" dirty="0"/>
+              <a:t>Pour info, une page de disposition peut avoir elle-même</a:t>
+            </a:r>
+            <a:r>
+              <a:rPr lang="fr-FR" baseline="0" dirty="0"/>
+              <a:t> sa propre disposition</a:t>
+            </a:r>
+          </a:p>
+          <a:p>
+            <a:pPr lvl="1"/>
+            <a:r>
+              <a:rPr lang="fr-FR" dirty="0" err="1"/>
+              <a:t>Hierarchie</a:t>
+            </a:r>
+            <a:r>
+              <a:rPr lang="fr-FR" dirty="0"/>
+              <a:t> de dispositions</a:t>
+            </a:r>
+          </a:p>
+          <a:p>
+            <a:pPr lvl="0"/>
+            <a:r>
+              <a:rPr lang="fr-FR" dirty="0"/>
+              <a:t>Exemple</a:t>
+            </a:r>
+          </a:p>
+          <a:p>
+            <a:pPr lvl="1"/>
+            <a:r>
+              <a:rPr lang="fr-FR" dirty="0"/>
+              <a:t>La page de résultat de recherche a comme disposition « </a:t>
+            </a:r>
+            <a:r>
+              <a:rPr lang="fr-FR" dirty="0" err="1"/>
+              <a:t>FiltresEtResultats</a:t>
+            </a:r>
+            <a:r>
+              <a:rPr lang="fr-FR" dirty="0"/>
+              <a:t> »</a:t>
+            </a:r>
+          </a:p>
+          <a:p>
+            <a:pPr lvl="1"/>
+            <a:r>
+              <a:rPr lang="fr-FR" dirty="0"/>
+              <a:t>La disposition </a:t>
+            </a:r>
+            <a:r>
+              <a:rPr lang="fr-FR" dirty="0" err="1"/>
+              <a:t>FiltresEtResultats</a:t>
+            </a:r>
+            <a:r>
+              <a:rPr lang="fr-FR" dirty="0"/>
+              <a:t> a comme disposition « </a:t>
+            </a:r>
+            <a:r>
+              <a:rPr lang="fr-FR" dirty="0" err="1"/>
+              <a:t>DispositionGenerale</a:t>
+            </a:r>
+            <a:r>
+              <a:rPr lang="fr-FR" dirty="0"/>
+              <a:t> »</a:t>
+            </a:r>
+          </a:p>
+          <a:p>
+            <a:pPr lvl="0"/>
+            <a:r>
+              <a:rPr lang="fr-FR" dirty="0"/>
+              <a:t>En général, on en utilise toujours plusieurs</a:t>
+            </a:r>
+          </a:p>
+          <a:p>
+            <a:pPr lvl="1"/>
+            <a:r>
+              <a:rPr lang="fr-FR" dirty="0"/>
+              <a:t>Une qui contient principalement le</a:t>
+            </a:r>
+            <a:r>
+              <a:rPr lang="fr-FR" baseline="0" dirty="0"/>
+              <a:t> cadre de la page, headers, CSS, javascripts etc.</a:t>
+            </a:r>
+          </a:p>
+          <a:p>
+            <a:pPr lvl="1"/>
+            <a:r>
+              <a:rPr lang="fr-FR" baseline="0" dirty="0"/>
+              <a:t>Une 2</a:t>
+            </a:r>
+            <a:r>
+              <a:rPr lang="fr-FR" baseline="30000" dirty="0"/>
+              <a:t>nde</a:t>
+            </a:r>
+            <a:r>
+              <a:rPr lang="fr-FR" baseline="0" dirty="0"/>
+              <a:t> qui contient la disposition générale du site web</a:t>
+            </a:r>
+          </a:p>
+          <a:p>
+            <a:pPr lvl="1"/>
+            <a:r>
+              <a:rPr lang="fr-FR" baseline="0" dirty="0"/>
+              <a:t>Puis d’autres spécifiques</a:t>
+            </a:r>
+          </a:p>
+          <a:p>
+            <a:pPr lvl="2"/>
+            <a:r>
+              <a:rPr lang="fr-FR" baseline="0" dirty="0"/>
+              <a:t>Ecran de connexion</a:t>
+            </a:r>
+          </a:p>
+          <a:p>
+            <a:pPr lvl="2"/>
+            <a:r>
+              <a:rPr lang="fr-FR" baseline="0" dirty="0"/>
+              <a:t>Messages d’erreurs</a:t>
+            </a:r>
+          </a:p>
+          <a:p>
+            <a:pPr lvl="2"/>
+            <a:r>
+              <a:rPr lang="fr-FR" baseline="0" dirty="0"/>
+              <a:t>Etc.</a:t>
+            </a:r>
+          </a:p>
+        </p:txBody>
+      </p:sp>
+    </p:spTree>
+    <p:extLst>
+      <p:ext uri="{BB962C8B-B14F-4D97-AF65-F5344CB8AC3E}">
+        <p14:creationId xmlns:p14="http://schemas.microsoft.com/office/powerpoint/2010/main" val="3725493930"/>
+      </p:ext>
+    </p:extLst>
+  </p:cSld>
+  <p:clrMapOvr>
+    <a:masterClrMapping/>
+  </p:clrMapOvr>
+</p:sld>
+</file>
+
+<file path=ppt/slides/slide21.xml><?xml version="1.0" encoding="utf-8"?>
+<p:sld xmlns:a="http://schemas.openxmlformats.org/drawingml/2006/main" xmlns:r="http://schemas.openxmlformats.org/officeDocument/2006/relationships" xmlns:p="http://schemas.openxmlformats.org/presentationml/2006/main">
+  <p:cSld>
+    <p:spTree>
+      <p:nvGrpSpPr>
+        <p:cNvPr id="1" name=""/>
+        <p:cNvGrpSpPr/>
+        <p:nvPr/>
+      </p:nvGrpSpPr>
+      <p:grpSpPr>
+        <a:xfrm>
+          <a:off x="0" y="0"/>
+          <a:ext cx="0" cy="0"/>
+          <a:chOff x="0" y="0"/>
+          <a:chExt cx="0" cy="0"/>
+        </a:xfrm>
+      </p:grpSpPr>
+      <p:sp>
+        <p:nvSpPr>
+          <p:cNvPr id="2" name="Titre 1">
+            <a:extLst>
+              <a:ext uri="{FF2B5EF4-FFF2-40B4-BE49-F238E27FC236}">
+                <a16:creationId xmlns:a16="http://schemas.microsoft.com/office/drawing/2014/main" id="{4D826EAE-D954-4325-B2FC-0F002A5D76D7}"/>
+              </a:ext>
+            </a:extLst>
+          </p:cNvPr>
+          <p:cNvSpPr>
+            <a:spLocks noGrp="1"/>
+          </p:cNvSpPr>
+          <p:nvPr>
+            <p:ph type="title"/>
+          </p:nvPr>
+        </p:nvSpPr>
+        <p:spPr/>
+        <p:txBody>
+          <a:bodyPr/>
+          <a:lstStyle/>
+          <a:p>
+            <a:r>
+              <a:rPr lang="fr-FR" dirty="0"/>
+              <a:t>Appels AJAX</a:t>
+            </a:r>
+          </a:p>
+        </p:txBody>
+      </p:sp>
+      <p:sp>
+        <p:nvSpPr>
+          <p:cNvPr id="3" name="Espace réservé du contenu 2">
+            <a:extLst>
+              <a:ext uri="{FF2B5EF4-FFF2-40B4-BE49-F238E27FC236}">
+                <a16:creationId xmlns:a16="http://schemas.microsoft.com/office/drawing/2014/main" id="{1D97E7D5-D061-49C0-A870-C2E104517181}"/>
+              </a:ext>
+            </a:extLst>
+          </p:cNvPr>
+          <p:cNvSpPr>
+            <a:spLocks noGrp="1"/>
+          </p:cNvSpPr>
+          <p:nvPr>
+            <p:ph idx="1"/>
+          </p:nvPr>
+        </p:nvSpPr>
+        <p:spPr/>
+        <p:txBody>
+          <a:bodyPr/>
+          <a:lstStyle/>
+          <a:p>
+            <a:r>
+              <a:rPr lang="fr-FR" dirty="0"/>
+              <a:t>La méthode proposée jusque là a un soucis : elle</a:t>
+            </a:r>
+            <a:r>
+              <a:rPr lang="fr-FR" baseline="0" dirty="0"/>
+              <a:t> ne permet que de créer des pages dynamiques au moment du chargement, pas par la suite</a:t>
+            </a:r>
+          </a:p>
+          <a:p>
+            <a:r>
+              <a:rPr lang="fr-FR" baseline="0" dirty="0"/>
+              <a:t>Chaque action nécessite le rechargement de la page</a:t>
+            </a:r>
+          </a:p>
+          <a:p>
+            <a:pPr lvl="1"/>
+            <a:r>
+              <a:rPr lang="fr-FR" dirty="0"/>
+              <a:t>L’utilisateur perd alors toute autre action qu’il aurait pu faire sur la page</a:t>
+            </a:r>
+          </a:p>
+          <a:p>
+            <a:pPr lvl="1"/>
+            <a:r>
+              <a:rPr lang="fr-FR" dirty="0"/>
+              <a:t>Le</a:t>
+            </a:r>
+            <a:r>
+              <a:rPr lang="fr-FR" baseline="0" dirty="0"/>
+              <a:t> rechargement alourdi beaucoup la navigation</a:t>
+            </a:r>
+          </a:p>
+          <a:p>
+            <a:pPr lvl="0"/>
+            <a:r>
+              <a:rPr lang="fr-FR" dirty="0"/>
+              <a:t>Simple, mais de moins en moins utilisée</a:t>
+            </a:r>
+          </a:p>
+          <a:p>
+            <a:pPr lvl="0"/>
+            <a:r>
+              <a:rPr lang="fr-FR" dirty="0"/>
+              <a:t>Séparation des responsabilités :</a:t>
+            </a:r>
+          </a:p>
+          <a:p>
+            <a:pPr lvl="1"/>
+            <a:r>
+              <a:rPr lang="fr-FR" dirty="0"/>
+              <a:t>Le serveur</a:t>
+            </a:r>
+            <a:r>
+              <a:rPr lang="fr-FR" baseline="0" dirty="0"/>
+              <a:t> expose des contenus HTML affichés par le navigateur du client</a:t>
+            </a:r>
+          </a:p>
+          <a:p>
+            <a:pPr lvl="1"/>
+            <a:r>
+              <a:rPr lang="fr-FR" baseline="0" dirty="0"/>
+              <a:t>Il expose aussi des actions qui renvoient du </a:t>
+            </a:r>
+            <a:r>
+              <a:rPr lang="fr-FR" baseline="0" dirty="0" err="1"/>
+              <a:t>json</a:t>
+            </a:r>
+            <a:r>
+              <a:rPr lang="fr-FR" baseline="0" dirty="0"/>
+              <a:t> et/ou du XML.</a:t>
+            </a:r>
+          </a:p>
+          <a:p>
+            <a:pPr lvl="1"/>
+            <a:r>
+              <a:rPr lang="fr-FR" baseline="0" dirty="0"/>
+              <a:t>Une fois la page affichée, c’est le javascript peut faire appeler de manière asynchrone ces actions, et éventuellement récupérer leur résultat</a:t>
+            </a:r>
+          </a:p>
+        </p:txBody>
+      </p:sp>
+    </p:spTree>
+    <p:extLst>
+      <p:ext uri="{BB962C8B-B14F-4D97-AF65-F5344CB8AC3E}">
+        <p14:creationId xmlns:p14="http://schemas.microsoft.com/office/powerpoint/2010/main" val="2702934213"/>
+      </p:ext>
+    </p:extLst>
+  </p:cSld>
+  <p:clrMapOvr>
+    <a:masterClrMapping/>
+  </p:clrMapOvr>
+</p:sld>
+</file>
+
+<file path=ppt/slides/slide22.xml><?xml version="1.0" encoding="utf-8"?>
+<p:sld xmlns:a="http://schemas.openxmlformats.org/drawingml/2006/main" xmlns:r="http://schemas.openxmlformats.org/officeDocument/2006/relationships" xmlns:p="http://schemas.openxmlformats.org/presentationml/2006/main">
+  <p:cSld>
+    <p:spTree>
+      <p:nvGrpSpPr>
+        <p:cNvPr id="1" name=""/>
+        <p:cNvGrpSpPr/>
+        <p:nvPr/>
+      </p:nvGrpSpPr>
+      <p:grpSpPr>
+        <a:xfrm>
+          <a:off x="0" y="0"/>
+          <a:ext cx="0" cy="0"/>
+          <a:chOff x="0" y="0"/>
+          <a:chExt cx="0" cy="0"/>
+        </a:xfrm>
+      </p:grpSpPr>
+      <p:sp>
+        <p:nvSpPr>
+          <p:cNvPr id="2" name="Titre 1">
+            <a:extLst>
+              <a:ext uri="{FF2B5EF4-FFF2-40B4-BE49-F238E27FC236}">
+                <a16:creationId xmlns:a16="http://schemas.microsoft.com/office/drawing/2014/main" id="{016E2A25-FF66-491A-B5C0-1A75CAB312A2}"/>
+              </a:ext>
+            </a:extLst>
+          </p:cNvPr>
+          <p:cNvSpPr>
+            <a:spLocks noGrp="1"/>
+          </p:cNvSpPr>
+          <p:nvPr>
+            <p:ph type="title"/>
+          </p:nvPr>
+        </p:nvSpPr>
+        <p:spPr/>
+        <p:txBody>
+          <a:bodyPr/>
+          <a:lstStyle/>
+          <a:p>
+            <a:r>
+              <a:rPr lang="fr-FR" dirty="0"/>
+              <a:t>Appels AJAX, GET côté serveur</a:t>
+            </a:r>
+          </a:p>
+        </p:txBody>
+      </p:sp>
+      <p:sp>
+        <p:nvSpPr>
+          <p:cNvPr id="3" name="Espace réservé du contenu 2">
+            <a:extLst>
+              <a:ext uri="{FF2B5EF4-FFF2-40B4-BE49-F238E27FC236}">
+                <a16:creationId xmlns:a16="http://schemas.microsoft.com/office/drawing/2014/main" id="{0E6B0A75-3C87-4397-9A5B-0A41EA60CA0F}"/>
+              </a:ext>
+            </a:extLst>
+          </p:cNvPr>
+          <p:cNvSpPr>
+            <a:spLocks noGrp="1"/>
+          </p:cNvSpPr>
+          <p:nvPr>
+            <p:ph idx="1"/>
+          </p:nvPr>
+        </p:nvSpPr>
+        <p:spPr/>
+        <p:txBody>
+          <a:bodyPr/>
+          <a:lstStyle/>
+          <a:p>
+            <a:endParaRPr lang="fr-FR" dirty="0"/>
+          </a:p>
+        </p:txBody>
+      </p:sp>
+      <p:pic>
+        <p:nvPicPr>
+          <p:cNvPr id="4" name="Image 3">
+            <a:extLst>
+              <a:ext uri="{FF2B5EF4-FFF2-40B4-BE49-F238E27FC236}">
+                <a16:creationId xmlns:a16="http://schemas.microsoft.com/office/drawing/2014/main" id="{753C2DED-68EE-4E4A-B9EB-D2A646B4EC73}"/>
+              </a:ext>
+            </a:extLst>
+          </p:cNvPr>
+          <p:cNvPicPr>
+            <a:picLocks noChangeAspect="1"/>
+          </p:cNvPicPr>
+          <p:nvPr/>
+        </p:nvPicPr>
+        <p:blipFill>
+          <a:blip r:embed="rId2"/>
+          <a:stretch>
+            <a:fillRect/>
+          </a:stretch>
+        </p:blipFill>
+        <p:spPr>
+          <a:xfrm>
+            <a:off x="367094" y="1933519"/>
+            <a:ext cx="11457809" cy="4183379"/>
+          </a:xfrm>
+          <a:prstGeom prst="rect">
+            <a:avLst/>
+          </a:prstGeom>
+        </p:spPr>
+      </p:pic>
+    </p:spTree>
+    <p:extLst>
+      <p:ext uri="{BB962C8B-B14F-4D97-AF65-F5344CB8AC3E}">
+        <p14:creationId xmlns:p14="http://schemas.microsoft.com/office/powerpoint/2010/main" val="3202252406"/>
+      </p:ext>
+    </p:extLst>
+  </p:cSld>
+  <p:clrMapOvr>
+    <a:masterClrMapping/>
+  </p:clrMapOvr>
+</p:sld>
+</file>
+
+<file path=ppt/slides/slide23.xml><?xml version="1.0" encoding="utf-8"?>
+<p:sld xmlns:a="http://schemas.openxmlformats.org/drawingml/2006/main" xmlns:r="http://schemas.openxmlformats.org/officeDocument/2006/relationships" xmlns:p="http://schemas.openxmlformats.org/presentationml/2006/main">
+  <p:cSld>
+    <p:spTree>
+      <p:nvGrpSpPr>
+        <p:cNvPr id="1" name=""/>
+        <p:cNvGrpSpPr/>
+        <p:nvPr/>
+      </p:nvGrpSpPr>
+      <p:grpSpPr>
+        <a:xfrm>
+          <a:off x="0" y="0"/>
+          <a:ext cx="0" cy="0"/>
+          <a:chOff x="0" y="0"/>
+          <a:chExt cx="0" cy="0"/>
+        </a:xfrm>
+      </p:grpSpPr>
+      <p:sp>
+        <p:nvSpPr>
+          <p:cNvPr id="2" name="Titre 1">
+            <a:extLst>
+              <a:ext uri="{FF2B5EF4-FFF2-40B4-BE49-F238E27FC236}">
+                <a16:creationId xmlns:a16="http://schemas.microsoft.com/office/drawing/2014/main" id="{E5BA337D-3DD3-4EEF-8021-3D516D249D6C}"/>
+              </a:ext>
+            </a:extLst>
+          </p:cNvPr>
+          <p:cNvSpPr>
+            <a:spLocks noGrp="1"/>
+          </p:cNvSpPr>
+          <p:nvPr>
+            <p:ph type="title"/>
+          </p:nvPr>
+        </p:nvSpPr>
+        <p:spPr/>
+        <p:txBody>
+          <a:bodyPr/>
+          <a:lstStyle/>
+          <a:p>
+            <a:r>
+              <a:rPr lang="fr-FR" dirty="0"/>
+              <a:t>Appels AJAX, GET côté client</a:t>
+            </a:r>
+          </a:p>
+        </p:txBody>
+      </p:sp>
+      <p:sp>
+        <p:nvSpPr>
+          <p:cNvPr id="3" name="Espace réservé du contenu 2">
+            <a:extLst>
+              <a:ext uri="{FF2B5EF4-FFF2-40B4-BE49-F238E27FC236}">
+                <a16:creationId xmlns:a16="http://schemas.microsoft.com/office/drawing/2014/main" id="{D18375A9-61C8-47B9-A70E-00FB9C7A3170}"/>
+              </a:ext>
+            </a:extLst>
+          </p:cNvPr>
+          <p:cNvSpPr>
+            <a:spLocks noGrp="1"/>
+          </p:cNvSpPr>
+          <p:nvPr>
+            <p:ph idx="1"/>
+          </p:nvPr>
+        </p:nvSpPr>
+        <p:spPr/>
+        <p:txBody>
+          <a:bodyPr/>
+          <a:lstStyle/>
+          <a:p>
+            <a:endParaRPr lang="fr-FR"/>
+          </a:p>
+        </p:txBody>
+      </p:sp>
+      <p:pic>
+        <p:nvPicPr>
+          <p:cNvPr id="4" name="Image 3">
+            <a:extLst>
+              <a:ext uri="{FF2B5EF4-FFF2-40B4-BE49-F238E27FC236}">
+                <a16:creationId xmlns:a16="http://schemas.microsoft.com/office/drawing/2014/main" id="{F6A8D6EA-B845-4DBD-B8D9-70A0BA4418F9}"/>
+              </a:ext>
+            </a:extLst>
+          </p:cNvPr>
+          <p:cNvPicPr>
+            <a:picLocks noChangeAspect="1"/>
+          </p:cNvPicPr>
+          <p:nvPr/>
+        </p:nvPicPr>
+        <p:blipFill>
+          <a:blip r:embed="rId2"/>
+          <a:stretch>
+            <a:fillRect/>
+          </a:stretch>
+        </p:blipFill>
+        <p:spPr>
+          <a:xfrm>
+            <a:off x="373670" y="1257301"/>
+            <a:ext cx="11311561" cy="4922519"/>
+          </a:xfrm>
+          <a:prstGeom prst="rect">
+            <a:avLst/>
+          </a:prstGeom>
+        </p:spPr>
+      </p:pic>
+    </p:spTree>
+    <p:extLst>
+      <p:ext uri="{BB962C8B-B14F-4D97-AF65-F5344CB8AC3E}">
+        <p14:creationId xmlns:p14="http://schemas.microsoft.com/office/powerpoint/2010/main" val="3177154906"/>
+      </p:ext>
+    </p:extLst>
+  </p:cSld>
+  <p:clrMapOvr>
+    <a:masterClrMapping/>
+  </p:clrMapOvr>
+</p:sld>
+</file>
+
+<file path=ppt/slides/slide24.xml><?xml version="1.0" encoding="utf-8"?>
+<p:sld xmlns:a="http://schemas.openxmlformats.org/drawingml/2006/main" xmlns:r="http://schemas.openxmlformats.org/officeDocument/2006/relationships" xmlns:p="http://schemas.openxmlformats.org/presentationml/2006/main">
+  <p:cSld>
+    <p:spTree>
+      <p:nvGrpSpPr>
+        <p:cNvPr id="1" name=""/>
+        <p:cNvGrpSpPr/>
+        <p:nvPr/>
+      </p:nvGrpSpPr>
+      <p:grpSpPr>
+        <a:xfrm>
+          <a:off x="0" y="0"/>
+          <a:ext cx="0" cy="0"/>
+          <a:chOff x="0" y="0"/>
+          <a:chExt cx="0" cy="0"/>
+        </a:xfrm>
+      </p:grpSpPr>
+      <p:sp>
+        <p:nvSpPr>
+          <p:cNvPr id="2" name="Titre 1">
+            <a:extLst>
+              <a:ext uri="{FF2B5EF4-FFF2-40B4-BE49-F238E27FC236}">
+                <a16:creationId xmlns:a16="http://schemas.microsoft.com/office/drawing/2014/main" id="{9782BD3F-27B2-473E-994A-05DF16E5E1CC}"/>
+              </a:ext>
+            </a:extLst>
+          </p:cNvPr>
+          <p:cNvSpPr>
+            <a:spLocks noGrp="1"/>
+          </p:cNvSpPr>
+          <p:nvPr>
+            <p:ph type="title"/>
+          </p:nvPr>
+        </p:nvSpPr>
+        <p:spPr/>
+        <p:txBody>
+          <a:bodyPr/>
+          <a:lstStyle/>
+          <a:p>
+            <a:r>
+              <a:rPr lang="fr-FR" dirty="0"/>
+              <a:t>Appels AJAX, POST côté serveur</a:t>
+            </a:r>
+          </a:p>
+        </p:txBody>
+      </p:sp>
+      <p:sp>
+        <p:nvSpPr>
+          <p:cNvPr id="3" name="Espace réservé du contenu 2">
+            <a:extLst>
+              <a:ext uri="{FF2B5EF4-FFF2-40B4-BE49-F238E27FC236}">
+                <a16:creationId xmlns:a16="http://schemas.microsoft.com/office/drawing/2014/main" id="{BF16BCB3-F214-42B4-AC90-45999F038B5A}"/>
+              </a:ext>
+            </a:extLst>
+          </p:cNvPr>
+          <p:cNvSpPr>
+            <a:spLocks noGrp="1"/>
+          </p:cNvSpPr>
+          <p:nvPr>
+            <p:ph idx="1"/>
+          </p:nvPr>
+        </p:nvSpPr>
+        <p:spPr/>
+        <p:txBody>
+          <a:bodyPr/>
+          <a:lstStyle/>
+          <a:p>
+            <a:endParaRPr lang="fr-FR"/>
+          </a:p>
+        </p:txBody>
+      </p:sp>
+      <p:pic>
+        <p:nvPicPr>
+          <p:cNvPr id="4" name="Image 3">
+            <a:extLst>
+              <a:ext uri="{FF2B5EF4-FFF2-40B4-BE49-F238E27FC236}">
+                <a16:creationId xmlns:a16="http://schemas.microsoft.com/office/drawing/2014/main" id="{4C674D05-8A6A-4B1F-8466-2AB867A968F4}"/>
+              </a:ext>
+            </a:extLst>
+          </p:cNvPr>
+          <p:cNvPicPr>
+            <a:picLocks noChangeAspect="1"/>
+          </p:cNvPicPr>
+          <p:nvPr/>
+        </p:nvPicPr>
+        <p:blipFill>
+          <a:blip r:embed="rId2"/>
+          <a:stretch>
+            <a:fillRect/>
+          </a:stretch>
+        </p:blipFill>
+        <p:spPr>
+          <a:xfrm>
+            <a:off x="1577991" y="2698373"/>
+            <a:ext cx="9036016" cy="1719353"/>
+          </a:xfrm>
+          <a:prstGeom prst="rect">
+            <a:avLst/>
+          </a:prstGeom>
+        </p:spPr>
+      </p:pic>
+    </p:spTree>
+    <p:extLst>
+      <p:ext uri="{BB962C8B-B14F-4D97-AF65-F5344CB8AC3E}">
+        <p14:creationId xmlns:p14="http://schemas.microsoft.com/office/powerpoint/2010/main" val="1901532983"/>
+      </p:ext>
+    </p:extLst>
+  </p:cSld>
+  <p:clrMapOvr>
+    <a:masterClrMapping/>
+  </p:clrMapOvr>
+</p:sld>
+</file>
+
+<file path=ppt/slides/slide25.xml><?xml version="1.0" encoding="utf-8"?>
+<p:sld xmlns:a="http://schemas.openxmlformats.org/drawingml/2006/main" xmlns:r="http://schemas.openxmlformats.org/officeDocument/2006/relationships" xmlns:p="http://schemas.openxmlformats.org/presentationml/2006/main">
+  <p:cSld>
+    <p:spTree>
+      <p:nvGrpSpPr>
+        <p:cNvPr id="1" name=""/>
+        <p:cNvGrpSpPr/>
+        <p:nvPr/>
+      </p:nvGrpSpPr>
+      <p:grpSpPr>
+        <a:xfrm>
+          <a:off x="0" y="0"/>
+          <a:ext cx="0" cy="0"/>
+          <a:chOff x="0" y="0"/>
+          <a:chExt cx="0" cy="0"/>
+        </a:xfrm>
+      </p:grpSpPr>
+      <p:sp>
+        <p:nvSpPr>
+          <p:cNvPr id="2" name="Titre 1">
+            <a:extLst>
+              <a:ext uri="{FF2B5EF4-FFF2-40B4-BE49-F238E27FC236}">
+                <a16:creationId xmlns:a16="http://schemas.microsoft.com/office/drawing/2014/main" id="{CB8AFCB6-D872-4303-A247-08024A5558D4}"/>
+              </a:ext>
+            </a:extLst>
+          </p:cNvPr>
+          <p:cNvSpPr>
+            <a:spLocks noGrp="1"/>
+          </p:cNvSpPr>
+          <p:nvPr>
+            <p:ph type="title"/>
+          </p:nvPr>
+        </p:nvSpPr>
+        <p:spPr/>
+        <p:txBody>
+          <a:bodyPr/>
+          <a:lstStyle/>
+          <a:p>
+            <a:r>
+              <a:rPr lang="fr-FR" dirty="0"/>
+              <a:t>Appels AJAX, POST côté client (1/2)</a:t>
+            </a:r>
+          </a:p>
+        </p:txBody>
+      </p:sp>
+      <p:sp>
+        <p:nvSpPr>
+          <p:cNvPr id="3" name="Espace réservé du contenu 2">
+            <a:extLst>
+              <a:ext uri="{FF2B5EF4-FFF2-40B4-BE49-F238E27FC236}">
+                <a16:creationId xmlns:a16="http://schemas.microsoft.com/office/drawing/2014/main" id="{E2F65289-80AA-4758-AD64-A8D2BF058825}"/>
+              </a:ext>
+            </a:extLst>
+          </p:cNvPr>
+          <p:cNvSpPr>
+            <a:spLocks noGrp="1"/>
+          </p:cNvSpPr>
+          <p:nvPr>
+            <p:ph idx="1"/>
+          </p:nvPr>
+        </p:nvSpPr>
+        <p:spPr/>
+        <p:txBody>
+          <a:bodyPr/>
+          <a:lstStyle/>
+          <a:p>
+            <a:endParaRPr lang="fr-FR" dirty="0"/>
+          </a:p>
+        </p:txBody>
+      </p:sp>
+      <p:pic>
+        <p:nvPicPr>
+          <p:cNvPr id="5" name="Image 4">
+            <a:extLst>
+              <a:ext uri="{FF2B5EF4-FFF2-40B4-BE49-F238E27FC236}">
+                <a16:creationId xmlns:a16="http://schemas.microsoft.com/office/drawing/2014/main" id="{FEE10AC8-90CB-481D-B6DF-F21AF78AE012}"/>
+              </a:ext>
+            </a:extLst>
+          </p:cNvPr>
+          <p:cNvPicPr>
+            <a:picLocks noChangeAspect="1"/>
+          </p:cNvPicPr>
+          <p:nvPr/>
+        </p:nvPicPr>
+        <p:blipFill>
+          <a:blip r:embed="rId2"/>
+          <a:stretch>
+            <a:fillRect/>
+          </a:stretch>
+        </p:blipFill>
+        <p:spPr>
+          <a:xfrm>
+            <a:off x="2235765" y="1122312"/>
+            <a:ext cx="7720468" cy="5567754"/>
+          </a:xfrm>
+          <a:prstGeom prst="rect">
+            <a:avLst/>
+          </a:prstGeom>
+        </p:spPr>
+      </p:pic>
+    </p:spTree>
+    <p:extLst>
+      <p:ext uri="{BB962C8B-B14F-4D97-AF65-F5344CB8AC3E}">
+        <p14:creationId xmlns:p14="http://schemas.microsoft.com/office/powerpoint/2010/main" val="1549160379"/>
+      </p:ext>
+    </p:extLst>
+  </p:cSld>
+  <p:clrMapOvr>
+    <a:masterClrMapping/>
+  </p:clrMapOvr>
+</p:sld>
+</file>
+
+<file path=ppt/slides/slide26.xml><?xml version="1.0" encoding="utf-8"?>
+<p:sld xmlns:a="http://schemas.openxmlformats.org/drawingml/2006/main" xmlns:r="http://schemas.openxmlformats.org/officeDocument/2006/relationships" xmlns:p="http://schemas.openxmlformats.org/presentationml/2006/main">
+  <p:cSld>
+    <p:spTree>
+      <p:nvGrpSpPr>
+        <p:cNvPr id="1" name=""/>
+        <p:cNvGrpSpPr/>
+        <p:nvPr/>
+      </p:nvGrpSpPr>
+      <p:grpSpPr>
+        <a:xfrm>
+          <a:off x="0" y="0"/>
+          <a:ext cx="0" cy="0"/>
+          <a:chOff x="0" y="0"/>
+          <a:chExt cx="0" cy="0"/>
+        </a:xfrm>
+      </p:grpSpPr>
+      <p:sp>
+        <p:nvSpPr>
+          <p:cNvPr id="2" name="Titre 1">
+            <a:extLst>
+              <a:ext uri="{FF2B5EF4-FFF2-40B4-BE49-F238E27FC236}">
+                <a16:creationId xmlns:a16="http://schemas.microsoft.com/office/drawing/2014/main" id="{B0D762AA-AA00-4DF6-BF5E-B5C73DA8B83B}"/>
+              </a:ext>
+            </a:extLst>
+          </p:cNvPr>
+          <p:cNvSpPr>
+            <a:spLocks noGrp="1"/>
+          </p:cNvSpPr>
+          <p:nvPr>
+            <p:ph type="title"/>
+          </p:nvPr>
+        </p:nvSpPr>
+        <p:spPr/>
+        <p:txBody>
+          <a:bodyPr/>
+          <a:lstStyle/>
+          <a:p>
+            <a:r>
+              <a:rPr lang="fr-FR" dirty="0"/>
+              <a:t>Appels AJAX, POST côté client (2/2)</a:t>
+            </a:r>
+          </a:p>
+        </p:txBody>
+      </p:sp>
+      <p:sp>
+        <p:nvSpPr>
+          <p:cNvPr id="3" name="Espace réservé du contenu 2">
+            <a:extLst>
+              <a:ext uri="{FF2B5EF4-FFF2-40B4-BE49-F238E27FC236}">
+                <a16:creationId xmlns:a16="http://schemas.microsoft.com/office/drawing/2014/main" id="{4189CE55-392D-4C3E-AEEA-73C3E6C3D07C}"/>
+              </a:ext>
+            </a:extLst>
+          </p:cNvPr>
+          <p:cNvSpPr>
+            <a:spLocks noGrp="1"/>
+          </p:cNvSpPr>
+          <p:nvPr>
+            <p:ph idx="1"/>
+          </p:nvPr>
+        </p:nvSpPr>
+        <p:spPr/>
+        <p:txBody>
+          <a:bodyPr/>
+          <a:lstStyle/>
+          <a:p>
+            <a:endParaRPr lang="fr-FR"/>
+          </a:p>
+        </p:txBody>
+      </p:sp>
+      <p:pic>
+        <p:nvPicPr>
+          <p:cNvPr id="4" name="Image 3">
+            <a:extLst>
+              <a:ext uri="{FF2B5EF4-FFF2-40B4-BE49-F238E27FC236}">
+                <a16:creationId xmlns:a16="http://schemas.microsoft.com/office/drawing/2014/main" id="{30924C2C-1DB3-4A8B-88C1-B37EEB8333F2}"/>
+              </a:ext>
+            </a:extLst>
+          </p:cNvPr>
+          <p:cNvPicPr>
+            <a:picLocks noChangeAspect="1"/>
+          </p:cNvPicPr>
+          <p:nvPr/>
+        </p:nvPicPr>
+        <p:blipFill>
+          <a:blip r:embed="rId2"/>
+          <a:stretch>
+            <a:fillRect/>
+          </a:stretch>
+        </p:blipFill>
+        <p:spPr>
+          <a:xfrm>
+            <a:off x="342453" y="1257301"/>
+            <a:ext cx="11030834" cy="5204459"/>
+          </a:xfrm>
+          <a:prstGeom prst="rect">
+            <a:avLst/>
+          </a:prstGeom>
+        </p:spPr>
+      </p:pic>
+    </p:spTree>
+    <p:extLst>
+      <p:ext uri="{BB962C8B-B14F-4D97-AF65-F5344CB8AC3E}">
+        <p14:creationId xmlns:p14="http://schemas.microsoft.com/office/powerpoint/2010/main" val="1719817456"/>
       </p:ext>
     </p:extLst>
   </p:cSld>
